--- a/34/200824_JavaScript_array.pptx
+++ b/34/200824_JavaScript_array.pptx
@@ -5,10 +5,10 @@
     <p:sldMasterId id="2147483672" r:id="rId1"/>
   </p:sldMasterIdLst>
   <p:notesMasterIdLst>
-    <p:notesMasterId r:id="rId15"/>
+    <p:notesMasterId r:id="rId25"/>
   </p:notesMasterIdLst>
   <p:handoutMasterIdLst>
-    <p:handoutMasterId r:id="rId16"/>
+    <p:handoutMasterId r:id="rId26"/>
   </p:handoutMasterIdLst>
   <p:sldIdLst>
     <p:sldId id="357" r:id="rId2"/>
@@ -23,31 +23,41 @@
     <p:sldId id="509" r:id="rId11"/>
     <p:sldId id="510" r:id="rId12"/>
     <p:sldId id="511" r:id="rId13"/>
-    <p:sldId id="502" r:id="rId14"/>
+    <p:sldId id="512" r:id="rId14"/>
+    <p:sldId id="513" r:id="rId15"/>
+    <p:sldId id="514" r:id="rId16"/>
+    <p:sldId id="515" r:id="rId17"/>
+    <p:sldId id="516" r:id="rId18"/>
+    <p:sldId id="517" r:id="rId19"/>
+    <p:sldId id="518" r:id="rId20"/>
+    <p:sldId id="519" r:id="rId21"/>
+    <p:sldId id="520" r:id="rId22"/>
+    <p:sldId id="521" r:id="rId23"/>
+    <p:sldId id="522" r:id="rId24"/>
   </p:sldIdLst>
   <p:sldSz cx="10160000" cy="5715000"/>
   <p:notesSz cx="9996488" cy="6865938"/>
   <p:embeddedFontLst>
     <p:embeddedFont>
       <p:font typeface="Calibri" panose="020F0502020204030204" pitchFamily="34" charset="0"/>
-      <p:regular r:id="rId17"/>
-      <p:bold r:id="rId18"/>
-      <p:italic r:id="rId19"/>
-      <p:boldItalic r:id="rId20"/>
+      <p:regular r:id="rId27"/>
+      <p:bold r:id="rId28"/>
+      <p:italic r:id="rId29"/>
+      <p:boldItalic r:id="rId30"/>
     </p:embeddedFont>
     <p:embeddedFont>
       <p:font typeface="맑은 고딕" panose="020B0503020000020004" pitchFamily="50" charset="-127"/>
-      <p:regular r:id="rId21"/>
-      <p:bold r:id="rId22"/>
+      <p:regular r:id="rId31"/>
+      <p:bold r:id="rId32"/>
     </p:embeddedFont>
     <p:embeddedFont>
       <p:font typeface="맑은 고딕 Semilight" panose="020B0502040204020203" pitchFamily="50" charset="-127"/>
-      <p:regular r:id="rId23"/>
+      <p:regular r:id="rId33"/>
     </p:embeddedFont>
     <p:embeddedFont>
       <p:font typeface="Calibri Light" panose="020F0302020204030204" pitchFamily="34" charset="0"/>
-      <p:regular r:id="rId24"/>
-      <p:italic r:id="rId25"/>
+      <p:regular r:id="rId34"/>
+      <p:italic r:id="rId35"/>
     </p:embeddedFont>
   </p:embeddedFontLst>
   <p:defaultTextStyle>
@@ -1068,7 +1078,714 @@
     </p:spTree>
     <p:extLst>
       <p:ext uri="{BB962C8B-B14F-4D97-AF65-F5344CB8AC3E}">
-        <p14:creationId xmlns:p14="http://schemas.microsoft.com/office/powerpoint/2010/main" val="3301891880"/>
+        <p14:creationId xmlns:p14="http://schemas.microsoft.com/office/powerpoint/2010/main" val="2043129581"/>
+      </p:ext>
+    </p:extLst>
+  </p:cSld>
+  <p:clrMapOvr>
+    <a:masterClrMapping/>
+  </p:clrMapOvr>
+</p:notes>
+</file>
+
+<file path=ppt/notesSlides/notesSlide13.xml><?xml version="1.0" encoding="utf-8"?>
+<p:notes xmlns:a="http://schemas.openxmlformats.org/drawingml/2006/main" xmlns:r="http://schemas.openxmlformats.org/officeDocument/2006/relationships" xmlns:p="http://schemas.openxmlformats.org/presentationml/2006/main">
+  <p:cSld>
+    <p:spTree>
+      <p:nvGrpSpPr>
+        <p:cNvPr id="1" name=""/>
+        <p:cNvGrpSpPr/>
+        <p:nvPr/>
+      </p:nvGrpSpPr>
+      <p:grpSpPr>
+        <a:xfrm>
+          <a:off x="0" y="0"/>
+          <a:ext cx="0" cy="0"/>
+          <a:chOff x="0" y="0"/>
+          <a:chExt cx="0" cy="0"/>
+        </a:xfrm>
+      </p:grpSpPr>
+      <p:sp>
+        <p:nvSpPr>
+          <p:cNvPr id="2" name="슬라이드 이미지 개체 틀 1"/>
+          <p:cNvSpPr>
+            <a:spLocks noGrp="1" noRot="1" noChangeAspect="1"/>
+          </p:cNvSpPr>
+          <p:nvPr>
+            <p:ph type="sldImg"/>
+          </p:nvPr>
+        </p:nvSpPr>
+        <p:spPr/>
+      </p:sp>
+      <p:sp>
+        <p:nvSpPr>
+          <p:cNvPr id="3" name="슬라이드 노트 개체 틀 2"/>
+          <p:cNvSpPr>
+            <a:spLocks noGrp="1"/>
+          </p:cNvSpPr>
+          <p:nvPr>
+            <p:ph type="body" idx="1"/>
+          </p:nvPr>
+        </p:nvSpPr>
+        <p:spPr/>
+        <p:txBody>
+          <a:bodyPr/>
+          <a:lstStyle/>
+          <a:p>
+            <a:pPr marL="0" marR="0" indent="0" algn="l" defTabSz="914400" rtl="0" eaLnBrk="1" fontAlgn="auto" latinLnBrk="1" hangingPunct="1">
+              <a:lnSpc>
+                <a:spcPct val="100000"/>
+              </a:lnSpc>
+              <a:spcBef>
+                <a:spcPts val="0"/>
+              </a:spcBef>
+              <a:spcAft>
+                <a:spcPts val="0"/>
+              </a:spcAft>
+              <a:buClrTx/>
+              <a:buSzTx/>
+              <a:buFontTx/>
+              <a:buNone/>
+              <a:tabLst/>
+              <a:defRPr/>
+            </a:pPr>
+            <a:endParaRPr lang="ko-KR" altLang="en-US" dirty="0"/>
+          </a:p>
+        </p:txBody>
+      </p:sp>
+      <p:sp>
+        <p:nvSpPr>
+          <p:cNvPr id="4" name="슬라이드 번호 개체 틀 3"/>
+          <p:cNvSpPr>
+            <a:spLocks noGrp="1"/>
+          </p:cNvSpPr>
+          <p:nvPr>
+            <p:ph type="sldNum" sz="quarter" idx="10"/>
+          </p:nvPr>
+        </p:nvSpPr>
+        <p:spPr/>
+        <p:txBody>
+          <a:bodyPr/>
+          <a:lstStyle/>
+          <a:p>
+            <a:fld id="{A6D625BF-EF7C-4F5D-B58E-C92BFFBBF146}" type="slidenum">
+              <a:rPr lang="ko-KR" altLang="en-US" smtClean="0"/>
+              <a:t>14</a:t>
+            </a:fld>
+            <a:endParaRPr lang="ko-KR" altLang="en-US"/>
+          </a:p>
+        </p:txBody>
+      </p:sp>
+    </p:spTree>
+    <p:extLst>
+      <p:ext uri="{BB962C8B-B14F-4D97-AF65-F5344CB8AC3E}">
+        <p14:creationId xmlns:p14="http://schemas.microsoft.com/office/powerpoint/2010/main" val="3327466879"/>
+      </p:ext>
+    </p:extLst>
+  </p:cSld>
+  <p:clrMapOvr>
+    <a:masterClrMapping/>
+  </p:clrMapOvr>
+</p:notes>
+</file>
+
+<file path=ppt/notesSlides/notesSlide14.xml><?xml version="1.0" encoding="utf-8"?>
+<p:notes xmlns:a="http://schemas.openxmlformats.org/drawingml/2006/main" xmlns:r="http://schemas.openxmlformats.org/officeDocument/2006/relationships" xmlns:p="http://schemas.openxmlformats.org/presentationml/2006/main">
+  <p:cSld>
+    <p:spTree>
+      <p:nvGrpSpPr>
+        <p:cNvPr id="1" name=""/>
+        <p:cNvGrpSpPr/>
+        <p:nvPr/>
+      </p:nvGrpSpPr>
+      <p:grpSpPr>
+        <a:xfrm>
+          <a:off x="0" y="0"/>
+          <a:ext cx="0" cy="0"/>
+          <a:chOff x="0" y="0"/>
+          <a:chExt cx="0" cy="0"/>
+        </a:xfrm>
+      </p:grpSpPr>
+      <p:sp>
+        <p:nvSpPr>
+          <p:cNvPr id="2" name="슬라이드 이미지 개체 틀 1"/>
+          <p:cNvSpPr>
+            <a:spLocks noGrp="1" noRot="1" noChangeAspect="1"/>
+          </p:cNvSpPr>
+          <p:nvPr>
+            <p:ph type="sldImg"/>
+          </p:nvPr>
+        </p:nvSpPr>
+        <p:spPr/>
+      </p:sp>
+      <p:sp>
+        <p:nvSpPr>
+          <p:cNvPr id="3" name="슬라이드 노트 개체 틀 2"/>
+          <p:cNvSpPr>
+            <a:spLocks noGrp="1"/>
+          </p:cNvSpPr>
+          <p:nvPr>
+            <p:ph type="body" idx="1"/>
+          </p:nvPr>
+        </p:nvSpPr>
+        <p:spPr/>
+        <p:txBody>
+          <a:bodyPr/>
+          <a:lstStyle/>
+          <a:p>
+            <a:pPr marL="0" marR="0" indent="0" algn="l" defTabSz="914400" rtl="0" eaLnBrk="1" fontAlgn="auto" latinLnBrk="1" hangingPunct="1">
+              <a:lnSpc>
+                <a:spcPct val="100000"/>
+              </a:lnSpc>
+              <a:spcBef>
+                <a:spcPts val="0"/>
+              </a:spcBef>
+              <a:spcAft>
+                <a:spcPts val="0"/>
+              </a:spcAft>
+              <a:buClrTx/>
+              <a:buSzTx/>
+              <a:buFontTx/>
+              <a:buNone/>
+              <a:tabLst/>
+              <a:defRPr/>
+            </a:pPr>
+            <a:endParaRPr lang="ko-KR" altLang="en-US" dirty="0"/>
+          </a:p>
+        </p:txBody>
+      </p:sp>
+      <p:sp>
+        <p:nvSpPr>
+          <p:cNvPr id="4" name="슬라이드 번호 개체 틀 3"/>
+          <p:cNvSpPr>
+            <a:spLocks noGrp="1"/>
+          </p:cNvSpPr>
+          <p:nvPr>
+            <p:ph type="sldNum" sz="quarter" idx="10"/>
+          </p:nvPr>
+        </p:nvSpPr>
+        <p:spPr/>
+        <p:txBody>
+          <a:bodyPr/>
+          <a:lstStyle/>
+          <a:p>
+            <a:fld id="{A6D625BF-EF7C-4F5D-B58E-C92BFFBBF146}" type="slidenum">
+              <a:rPr lang="ko-KR" altLang="en-US" smtClean="0"/>
+              <a:t>15</a:t>
+            </a:fld>
+            <a:endParaRPr lang="ko-KR" altLang="en-US"/>
+          </a:p>
+        </p:txBody>
+      </p:sp>
+    </p:spTree>
+    <p:extLst>
+      <p:ext uri="{BB962C8B-B14F-4D97-AF65-F5344CB8AC3E}">
+        <p14:creationId xmlns:p14="http://schemas.microsoft.com/office/powerpoint/2010/main" val="1912266942"/>
+      </p:ext>
+    </p:extLst>
+  </p:cSld>
+  <p:clrMapOvr>
+    <a:masterClrMapping/>
+  </p:clrMapOvr>
+</p:notes>
+</file>
+
+<file path=ppt/notesSlides/notesSlide15.xml><?xml version="1.0" encoding="utf-8"?>
+<p:notes xmlns:a="http://schemas.openxmlformats.org/drawingml/2006/main" xmlns:r="http://schemas.openxmlformats.org/officeDocument/2006/relationships" xmlns:p="http://schemas.openxmlformats.org/presentationml/2006/main">
+  <p:cSld>
+    <p:spTree>
+      <p:nvGrpSpPr>
+        <p:cNvPr id="1" name=""/>
+        <p:cNvGrpSpPr/>
+        <p:nvPr/>
+      </p:nvGrpSpPr>
+      <p:grpSpPr>
+        <a:xfrm>
+          <a:off x="0" y="0"/>
+          <a:ext cx="0" cy="0"/>
+          <a:chOff x="0" y="0"/>
+          <a:chExt cx="0" cy="0"/>
+        </a:xfrm>
+      </p:grpSpPr>
+      <p:sp>
+        <p:nvSpPr>
+          <p:cNvPr id="2" name="슬라이드 이미지 개체 틀 1"/>
+          <p:cNvSpPr>
+            <a:spLocks noGrp="1" noRot="1" noChangeAspect="1"/>
+          </p:cNvSpPr>
+          <p:nvPr>
+            <p:ph type="sldImg"/>
+          </p:nvPr>
+        </p:nvSpPr>
+        <p:spPr/>
+      </p:sp>
+      <p:sp>
+        <p:nvSpPr>
+          <p:cNvPr id="3" name="슬라이드 노트 개체 틀 2"/>
+          <p:cNvSpPr>
+            <a:spLocks noGrp="1"/>
+          </p:cNvSpPr>
+          <p:nvPr>
+            <p:ph type="body" idx="1"/>
+          </p:nvPr>
+        </p:nvSpPr>
+        <p:spPr/>
+        <p:txBody>
+          <a:bodyPr/>
+          <a:lstStyle/>
+          <a:p>
+            <a:pPr marL="0" marR="0" indent="0" algn="l" defTabSz="914400" rtl="0" eaLnBrk="1" fontAlgn="auto" latinLnBrk="1" hangingPunct="1">
+              <a:lnSpc>
+                <a:spcPct val="100000"/>
+              </a:lnSpc>
+              <a:spcBef>
+                <a:spcPts val="0"/>
+              </a:spcBef>
+              <a:spcAft>
+                <a:spcPts val="0"/>
+              </a:spcAft>
+              <a:buClrTx/>
+              <a:buSzTx/>
+              <a:buFontTx/>
+              <a:buNone/>
+              <a:tabLst/>
+              <a:defRPr/>
+            </a:pPr>
+            <a:endParaRPr lang="ko-KR" altLang="en-US" dirty="0"/>
+          </a:p>
+        </p:txBody>
+      </p:sp>
+      <p:sp>
+        <p:nvSpPr>
+          <p:cNvPr id="4" name="슬라이드 번호 개체 틀 3"/>
+          <p:cNvSpPr>
+            <a:spLocks noGrp="1"/>
+          </p:cNvSpPr>
+          <p:nvPr>
+            <p:ph type="sldNum" sz="quarter" idx="10"/>
+          </p:nvPr>
+        </p:nvSpPr>
+        <p:spPr/>
+        <p:txBody>
+          <a:bodyPr/>
+          <a:lstStyle/>
+          <a:p>
+            <a:fld id="{A6D625BF-EF7C-4F5D-B58E-C92BFFBBF146}" type="slidenum">
+              <a:rPr lang="ko-KR" altLang="en-US" smtClean="0"/>
+              <a:t>16</a:t>
+            </a:fld>
+            <a:endParaRPr lang="ko-KR" altLang="en-US"/>
+          </a:p>
+        </p:txBody>
+      </p:sp>
+    </p:spTree>
+    <p:extLst>
+      <p:ext uri="{BB962C8B-B14F-4D97-AF65-F5344CB8AC3E}">
+        <p14:creationId xmlns:p14="http://schemas.microsoft.com/office/powerpoint/2010/main" val="1321557784"/>
+      </p:ext>
+    </p:extLst>
+  </p:cSld>
+  <p:clrMapOvr>
+    <a:masterClrMapping/>
+  </p:clrMapOvr>
+</p:notes>
+</file>
+
+<file path=ppt/notesSlides/notesSlide16.xml><?xml version="1.0" encoding="utf-8"?>
+<p:notes xmlns:a="http://schemas.openxmlformats.org/drawingml/2006/main" xmlns:r="http://schemas.openxmlformats.org/officeDocument/2006/relationships" xmlns:p="http://schemas.openxmlformats.org/presentationml/2006/main">
+  <p:cSld>
+    <p:spTree>
+      <p:nvGrpSpPr>
+        <p:cNvPr id="1" name=""/>
+        <p:cNvGrpSpPr/>
+        <p:nvPr/>
+      </p:nvGrpSpPr>
+      <p:grpSpPr>
+        <a:xfrm>
+          <a:off x="0" y="0"/>
+          <a:ext cx="0" cy="0"/>
+          <a:chOff x="0" y="0"/>
+          <a:chExt cx="0" cy="0"/>
+        </a:xfrm>
+      </p:grpSpPr>
+      <p:sp>
+        <p:nvSpPr>
+          <p:cNvPr id="2" name="슬라이드 이미지 개체 틀 1"/>
+          <p:cNvSpPr>
+            <a:spLocks noGrp="1" noRot="1" noChangeAspect="1"/>
+          </p:cNvSpPr>
+          <p:nvPr>
+            <p:ph type="sldImg"/>
+          </p:nvPr>
+        </p:nvSpPr>
+        <p:spPr/>
+      </p:sp>
+      <p:sp>
+        <p:nvSpPr>
+          <p:cNvPr id="3" name="슬라이드 노트 개체 틀 2"/>
+          <p:cNvSpPr>
+            <a:spLocks noGrp="1"/>
+          </p:cNvSpPr>
+          <p:nvPr>
+            <p:ph type="body" idx="1"/>
+          </p:nvPr>
+        </p:nvSpPr>
+        <p:spPr/>
+        <p:txBody>
+          <a:bodyPr/>
+          <a:lstStyle/>
+          <a:p>
+            <a:pPr marL="0" marR="0" indent="0" algn="l" defTabSz="914400" rtl="0" eaLnBrk="1" fontAlgn="auto" latinLnBrk="1" hangingPunct="1">
+              <a:lnSpc>
+                <a:spcPct val="100000"/>
+              </a:lnSpc>
+              <a:spcBef>
+                <a:spcPts val="0"/>
+              </a:spcBef>
+              <a:spcAft>
+                <a:spcPts val="0"/>
+              </a:spcAft>
+              <a:buClrTx/>
+              <a:buSzTx/>
+              <a:buFontTx/>
+              <a:buNone/>
+              <a:tabLst/>
+              <a:defRPr/>
+            </a:pPr>
+            <a:endParaRPr lang="ko-KR" altLang="en-US" dirty="0"/>
+          </a:p>
+        </p:txBody>
+      </p:sp>
+      <p:sp>
+        <p:nvSpPr>
+          <p:cNvPr id="4" name="슬라이드 번호 개체 틀 3"/>
+          <p:cNvSpPr>
+            <a:spLocks noGrp="1"/>
+          </p:cNvSpPr>
+          <p:nvPr>
+            <p:ph type="sldNum" sz="quarter" idx="10"/>
+          </p:nvPr>
+        </p:nvSpPr>
+        <p:spPr/>
+        <p:txBody>
+          <a:bodyPr/>
+          <a:lstStyle/>
+          <a:p>
+            <a:fld id="{A6D625BF-EF7C-4F5D-B58E-C92BFFBBF146}" type="slidenum">
+              <a:rPr lang="ko-KR" altLang="en-US" smtClean="0"/>
+              <a:t>17</a:t>
+            </a:fld>
+            <a:endParaRPr lang="ko-KR" altLang="en-US"/>
+          </a:p>
+        </p:txBody>
+      </p:sp>
+    </p:spTree>
+    <p:extLst>
+      <p:ext uri="{BB962C8B-B14F-4D97-AF65-F5344CB8AC3E}">
+        <p14:creationId xmlns:p14="http://schemas.microsoft.com/office/powerpoint/2010/main" val="3980228590"/>
+      </p:ext>
+    </p:extLst>
+  </p:cSld>
+  <p:clrMapOvr>
+    <a:masterClrMapping/>
+  </p:clrMapOvr>
+</p:notes>
+</file>
+
+<file path=ppt/notesSlides/notesSlide17.xml><?xml version="1.0" encoding="utf-8"?>
+<p:notes xmlns:a="http://schemas.openxmlformats.org/drawingml/2006/main" xmlns:r="http://schemas.openxmlformats.org/officeDocument/2006/relationships" xmlns:p="http://schemas.openxmlformats.org/presentationml/2006/main">
+  <p:cSld>
+    <p:spTree>
+      <p:nvGrpSpPr>
+        <p:cNvPr id="1" name=""/>
+        <p:cNvGrpSpPr/>
+        <p:nvPr/>
+      </p:nvGrpSpPr>
+      <p:grpSpPr>
+        <a:xfrm>
+          <a:off x="0" y="0"/>
+          <a:ext cx="0" cy="0"/>
+          <a:chOff x="0" y="0"/>
+          <a:chExt cx="0" cy="0"/>
+        </a:xfrm>
+      </p:grpSpPr>
+      <p:sp>
+        <p:nvSpPr>
+          <p:cNvPr id="2" name="슬라이드 이미지 개체 틀 1"/>
+          <p:cNvSpPr>
+            <a:spLocks noGrp="1" noRot="1" noChangeAspect="1"/>
+          </p:cNvSpPr>
+          <p:nvPr>
+            <p:ph type="sldImg"/>
+          </p:nvPr>
+        </p:nvSpPr>
+        <p:spPr/>
+      </p:sp>
+      <p:sp>
+        <p:nvSpPr>
+          <p:cNvPr id="3" name="슬라이드 노트 개체 틀 2"/>
+          <p:cNvSpPr>
+            <a:spLocks noGrp="1"/>
+          </p:cNvSpPr>
+          <p:nvPr>
+            <p:ph type="body" idx="1"/>
+          </p:nvPr>
+        </p:nvSpPr>
+        <p:spPr/>
+        <p:txBody>
+          <a:bodyPr/>
+          <a:lstStyle/>
+          <a:p>
+            <a:pPr marL="0" marR="0" indent="0" algn="l" defTabSz="914400" rtl="0" eaLnBrk="1" fontAlgn="auto" latinLnBrk="1" hangingPunct="1">
+              <a:lnSpc>
+                <a:spcPct val="100000"/>
+              </a:lnSpc>
+              <a:spcBef>
+                <a:spcPts val="0"/>
+              </a:spcBef>
+              <a:spcAft>
+                <a:spcPts val="0"/>
+              </a:spcAft>
+              <a:buClrTx/>
+              <a:buSzTx/>
+              <a:buFontTx/>
+              <a:buNone/>
+              <a:tabLst/>
+              <a:defRPr/>
+            </a:pPr>
+            <a:endParaRPr lang="ko-KR" altLang="en-US" dirty="0"/>
+          </a:p>
+        </p:txBody>
+      </p:sp>
+      <p:sp>
+        <p:nvSpPr>
+          <p:cNvPr id="4" name="슬라이드 번호 개체 틀 3"/>
+          <p:cNvSpPr>
+            <a:spLocks noGrp="1"/>
+          </p:cNvSpPr>
+          <p:nvPr>
+            <p:ph type="sldNum" sz="quarter" idx="10"/>
+          </p:nvPr>
+        </p:nvSpPr>
+        <p:spPr/>
+        <p:txBody>
+          <a:bodyPr/>
+          <a:lstStyle/>
+          <a:p>
+            <a:fld id="{A6D625BF-EF7C-4F5D-B58E-C92BFFBBF146}" type="slidenum">
+              <a:rPr lang="ko-KR" altLang="en-US" smtClean="0"/>
+              <a:t>18</a:t>
+            </a:fld>
+            <a:endParaRPr lang="ko-KR" altLang="en-US"/>
+          </a:p>
+        </p:txBody>
+      </p:sp>
+    </p:spTree>
+    <p:extLst>
+      <p:ext uri="{BB962C8B-B14F-4D97-AF65-F5344CB8AC3E}">
+        <p14:creationId xmlns:p14="http://schemas.microsoft.com/office/powerpoint/2010/main" val="2115946876"/>
+      </p:ext>
+    </p:extLst>
+  </p:cSld>
+  <p:clrMapOvr>
+    <a:masterClrMapping/>
+  </p:clrMapOvr>
+</p:notes>
+</file>
+
+<file path=ppt/notesSlides/notesSlide18.xml><?xml version="1.0" encoding="utf-8"?>
+<p:notes xmlns:a="http://schemas.openxmlformats.org/drawingml/2006/main" xmlns:r="http://schemas.openxmlformats.org/officeDocument/2006/relationships" xmlns:p="http://schemas.openxmlformats.org/presentationml/2006/main">
+  <p:cSld>
+    <p:spTree>
+      <p:nvGrpSpPr>
+        <p:cNvPr id="1" name=""/>
+        <p:cNvGrpSpPr/>
+        <p:nvPr/>
+      </p:nvGrpSpPr>
+      <p:grpSpPr>
+        <a:xfrm>
+          <a:off x="0" y="0"/>
+          <a:ext cx="0" cy="0"/>
+          <a:chOff x="0" y="0"/>
+          <a:chExt cx="0" cy="0"/>
+        </a:xfrm>
+      </p:grpSpPr>
+      <p:sp>
+        <p:nvSpPr>
+          <p:cNvPr id="2" name="슬라이드 이미지 개체 틀 1"/>
+          <p:cNvSpPr>
+            <a:spLocks noGrp="1" noRot="1" noChangeAspect="1"/>
+          </p:cNvSpPr>
+          <p:nvPr>
+            <p:ph type="sldImg"/>
+          </p:nvPr>
+        </p:nvSpPr>
+        <p:spPr/>
+      </p:sp>
+      <p:sp>
+        <p:nvSpPr>
+          <p:cNvPr id="3" name="슬라이드 노트 개체 틀 2"/>
+          <p:cNvSpPr>
+            <a:spLocks noGrp="1"/>
+          </p:cNvSpPr>
+          <p:nvPr>
+            <p:ph type="body" idx="1"/>
+          </p:nvPr>
+        </p:nvSpPr>
+        <p:spPr/>
+        <p:txBody>
+          <a:bodyPr/>
+          <a:lstStyle/>
+          <a:p>
+            <a:pPr marL="0" marR="0" indent="0" algn="l" defTabSz="914400" rtl="0" eaLnBrk="1" fontAlgn="auto" latinLnBrk="1" hangingPunct="1">
+              <a:lnSpc>
+                <a:spcPct val="100000"/>
+              </a:lnSpc>
+              <a:spcBef>
+                <a:spcPts val="0"/>
+              </a:spcBef>
+              <a:spcAft>
+                <a:spcPts val="0"/>
+              </a:spcAft>
+              <a:buClrTx/>
+              <a:buSzTx/>
+              <a:buFontTx/>
+              <a:buNone/>
+              <a:tabLst/>
+              <a:defRPr/>
+            </a:pPr>
+            <a:endParaRPr lang="ko-KR" altLang="en-US" dirty="0"/>
+          </a:p>
+        </p:txBody>
+      </p:sp>
+      <p:sp>
+        <p:nvSpPr>
+          <p:cNvPr id="4" name="슬라이드 번호 개체 틀 3"/>
+          <p:cNvSpPr>
+            <a:spLocks noGrp="1"/>
+          </p:cNvSpPr>
+          <p:nvPr>
+            <p:ph type="sldNum" sz="quarter" idx="10"/>
+          </p:nvPr>
+        </p:nvSpPr>
+        <p:spPr/>
+        <p:txBody>
+          <a:bodyPr/>
+          <a:lstStyle/>
+          <a:p>
+            <a:fld id="{A6D625BF-EF7C-4F5D-B58E-C92BFFBBF146}" type="slidenum">
+              <a:rPr lang="ko-KR" altLang="en-US" smtClean="0"/>
+              <a:t>19</a:t>
+            </a:fld>
+            <a:endParaRPr lang="ko-KR" altLang="en-US"/>
+          </a:p>
+        </p:txBody>
+      </p:sp>
+    </p:spTree>
+    <p:extLst>
+      <p:ext uri="{BB962C8B-B14F-4D97-AF65-F5344CB8AC3E}">
+        <p14:creationId xmlns:p14="http://schemas.microsoft.com/office/powerpoint/2010/main" val="1648458649"/>
+      </p:ext>
+    </p:extLst>
+  </p:cSld>
+  <p:clrMapOvr>
+    <a:masterClrMapping/>
+  </p:clrMapOvr>
+</p:notes>
+</file>
+
+<file path=ppt/notesSlides/notesSlide19.xml><?xml version="1.0" encoding="utf-8"?>
+<p:notes xmlns:a="http://schemas.openxmlformats.org/drawingml/2006/main" xmlns:r="http://schemas.openxmlformats.org/officeDocument/2006/relationships" xmlns:p="http://schemas.openxmlformats.org/presentationml/2006/main">
+  <p:cSld>
+    <p:spTree>
+      <p:nvGrpSpPr>
+        <p:cNvPr id="1" name=""/>
+        <p:cNvGrpSpPr/>
+        <p:nvPr/>
+      </p:nvGrpSpPr>
+      <p:grpSpPr>
+        <a:xfrm>
+          <a:off x="0" y="0"/>
+          <a:ext cx="0" cy="0"/>
+          <a:chOff x="0" y="0"/>
+          <a:chExt cx="0" cy="0"/>
+        </a:xfrm>
+      </p:grpSpPr>
+      <p:sp>
+        <p:nvSpPr>
+          <p:cNvPr id="2" name="슬라이드 이미지 개체 틀 1"/>
+          <p:cNvSpPr>
+            <a:spLocks noGrp="1" noRot="1" noChangeAspect="1"/>
+          </p:cNvSpPr>
+          <p:nvPr>
+            <p:ph type="sldImg"/>
+          </p:nvPr>
+        </p:nvSpPr>
+        <p:spPr/>
+      </p:sp>
+      <p:sp>
+        <p:nvSpPr>
+          <p:cNvPr id="3" name="슬라이드 노트 개체 틀 2"/>
+          <p:cNvSpPr>
+            <a:spLocks noGrp="1"/>
+          </p:cNvSpPr>
+          <p:nvPr>
+            <p:ph type="body" idx="1"/>
+          </p:nvPr>
+        </p:nvSpPr>
+        <p:spPr/>
+        <p:txBody>
+          <a:bodyPr/>
+          <a:lstStyle/>
+          <a:p>
+            <a:pPr marL="0" marR="0" indent="0" algn="l" defTabSz="914400" rtl="0" eaLnBrk="1" fontAlgn="auto" latinLnBrk="1" hangingPunct="1">
+              <a:lnSpc>
+                <a:spcPct val="100000"/>
+              </a:lnSpc>
+              <a:spcBef>
+                <a:spcPts val="0"/>
+              </a:spcBef>
+              <a:spcAft>
+                <a:spcPts val="0"/>
+              </a:spcAft>
+              <a:buClrTx/>
+              <a:buSzTx/>
+              <a:buFontTx/>
+              <a:buNone/>
+              <a:tabLst/>
+              <a:defRPr/>
+            </a:pPr>
+            <a:endParaRPr lang="ko-KR" altLang="en-US" dirty="0"/>
+          </a:p>
+        </p:txBody>
+      </p:sp>
+      <p:sp>
+        <p:nvSpPr>
+          <p:cNvPr id="4" name="슬라이드 번호 개체 틀 3"/>
+          <p:cNvSpPr>
+            <a:spLocks noGrp="1"/>
+          </p:cNvSpPr>
+          <p:nvPr>
+            <p:ph type="sldNum" sz="quarter" idx="10"/>
+          </p:nvPr>
+        </p:nvSpPr>
+        <p:spPr/>
+        <p:txBody>
+          <a:bodyPr/>
+          <a:lstStyle/>
+          <a:p>
+            <a:fld id="{A6D625BF-EF7C-4F5D-B58E-C92BFFBBF146}" type="slidenum">
+              <a:rPr lang="ko-KR" altLang="en-US" smtClean="0"/>
+              <a:t>20</a:t>
+            </a:fld>
+            <a:endParaRPr lang="ko-KR" altLang="en-US"/>
+          </a:p>
+        </p:txBody>
+      </p:sp>
+    </p:spTree>
+    <p:extLst>
+      <p:ext uri="{BB962C8B-B14F-4D97-AF65-F5344CB8AC3E}">
+        <p14:creationId xmlns:p14="http://schemas.microsoft.com/office/powerpoint/2010/main" val="3419699945"/>
       </p:ext>
     </p:extLst>
   </p:cSld>
@@ -1170,6 +1887,309 @@
     <p:extLst>
       <p:ext uri="{BB962C8B-B14F-4D97-AF65-F5344CB8AC3E}">
         <p14:creationId xmlns:p14="http://schemas.microsoft.com/office/powerpoint/2010/main" val="2019684002"/>
+      </p:ext>
+    </p:extLst>
+  </p:cSld>
+  <p:clrMapOvr>
+    <a:masterClrMapping/>
+  </p:clrMapOvr>
+</p:notes>
+</file>
+
+<file path=ppt/notesSlides/notesSlide20.xml><?xml version="1.0" encoding="utf-8"?>
+<p:notes xmlns:a="http://schemas.openxmlformats.org/drawingml/2006/main" xmlns:r="http://schemas.openxmlformats.org/officeDocument/2006/relationships" xmlns:p="http://schemas.openxmlformats.org/presentationml/2006/main">
+  <p:cSld>
+    <p:spTree>
+      <p:nvGrpSpPr>
+        <p:cNvPr id="1" name=""/>
+        <p:cNvGrpSpPr/>
+        <p:nvPr/>
+      </p:nvGrpSpPr>
+      <p:grpSpPr>
+        <a:xfrm>
+          <a:off x="0" y="0"/>
+          <a:ext cx="0" cy="0"/>
+          <a:chOff x="0" y="0"/>
+          <a:chExt cx="0" cy="0"/>
+        </a:xfrm>
+      </p:grpSpPr>
+      <p:sp>
+        <p:nvSpPr>
+          <p:cNvPr id="2" name="슬라이드 이미지 개체 틀 1"/>
+          <p:cNvSpPr>
+            <a:spLocks noGrp="1" noRot="1" noChangeAspect="1"/>
+          </p:cNvSpPr>
+          <p:nvPr>
+            <p:ph type="sldImg"/>
+          </p:nvPr>
+        </p:nvSpPr>
+        <p:spPr/>
+      </p:sp>
+      <p:sp>
+        <p:nvSpPr>
+          <p:cNvPr id="3" name="슬라이드 노트 개체 틀 2"/>
+          <p:cNvSpPr>
+            <a:spLocks noGrp="1"/>
+          </p:cNvSpPr>
+          <p:nvPr>
+            <p:ph type="body" idx="1"/>
+          </p:nvPr>
+        </p:nvSpPr>
+        <p:spPr/>
+        <p:txBody>
+          <a:bodyPr/>
+          <a:lstStyle/>
+          <a:p>
+            <a:pPr marL="0" marR="0" indent="0" algn="l" defTabSz="914400" rtl="0" eaLnBrk="1" fontAlgn="auto" latinLnBrk="1" hangingPunct="1">
+              <a:lnSpc>
+                <a:spcPct val="100000"/>
+              </a:lnSpc>
+              <a:spcBef>
+                <a:spcPts val="0"/>
+              </a:spcBef>
+              <a:spcAft>
+                <a:spcPts val="0"/>
+              </a:spcAft>
+              <a:buClrTx/>
+              <a:buSzTx/>
+              <a:buFontTx/>
+              <a:buNone/>
+              <a:tabLst/>
+              <a:defRPr/>
+            </a:pPr>
+            <a:endParaRPr lang="ko-KR" altLang="en-US" dirty="0"/>
+          </a:p>
+        </p:txBody>
+      </p:sp>
+      <p:sp>
+        <p:nvSpPr>
+          <p:cNvPr id="4" name="슬라이드 번호 개체 틀 3"/>
+          <p:cNvSpPr>
+            <a:spLocks noGrp="1"/>
+          </p:cNvSpPr>
+          <p:nvPr>
+            <p:ph type="sldNum" sz="quarter" idx="10"/>
+          </p:nvPr>
+        </p:nvSpPr>
+        <p:spPr/>
+        <p:txBody>
+          <a:bodyPr/>
+          <a:lstStyle/>
+          <a:p>
+            <a:fld id="{A6D625BF-EF7C-4F5D-B58E-C92BFFBBF146}" type="slidenum">
+              <a:rPr lang="ko-KR" altLang="en-US" smtClean="0"/>
+              <a:t>21</a:t>
+            </a:fld>
+            <a:endParaRPr lang="ko-KR" altLang="en-US"/>
+          </a:p>
+        </p:txBody>
+      </p:sp>
+    </p:spTree>
+    <p:extLst>
+      <p:ext uri="{BB962C8B-B14F-4D97-AF65-F5344CB8AC3E}">
+        <p14:creationId xmlns:p14="http://schemas.microsoft.com/office/powerpoint/2010/main" val="3678700679"/>
+      </p:ext>
+    </p:extLst>
+  </p:cSld>
+  <p:clrMapOvr>
+    <a:masterClrMapping/>
+  </p:clrMapOvr>
+</p:notes>
+</file>
+
+<file path=ppt/notesSlides/notesSlide21.xml><?xml version="1.0" encoding="utf-8"?>
+<p:notes xmlns:a="http://schemas.openxmlformats.org/drawingml/2006/main" xmlns:r="http://schemas.openxmlformats.org/officeDocument/2006/relationships" xmlns:p="http://schemas.openxmlformats.org/presentationml/2006/main">
+  <p:cSld>
+    <p:spTree>
+      <p:nvGrpSpPr>
+        <p:cNvPr id="1" name=""/>
+        <p:cNvGrpSpPr/>
+        <p:nvPr/>
+      </p:nvGrpSpPr>
+      <p:grpSpPr>
+        <a:xfrm>
+          <a:off x="0" y="0"/>
+          <a:ext cx="0" cy="0"/>
+          <a:chOff x="0" y="0"/>
+          <a:chExt cx="0" cy="0"/>
+        </a:xfrm>
+      </p:grpSpPr>
+      <p:sp>
+        <p:nvSpPr>
+          <p:cNvPr id="2" name="슬라이드 이미지 개체 틀 1"/>
+          <p:cNvSpPr>
+            <a:spLocks noGrp="1" noRot="1" noChangeAspect="1"/>
+          </p:cNvSpPr>
+          <p:nvPr>
+            <p:ph type="sldImg"/>
+          </p:nvPr>
+        </p:nvSpPr>
+        <p:spPr/>
+      </p:sp>
+      <p:sp>
+        <p:nvSpPr>
+          <p:cNvPr id="3" name="슬라이드 노트 개체 틀 2"/>
+          <p:cNvSpPr>
+            <a:spLocks noGrp="1"/>
+          </p:cNvSpPr>
+          <p:nvPr>
+            <p:ph type="body" idx="1"/>
+          </p:nvPr>
+        </p:nvSpPr>
+        <p:spPr/>
+        <p:txBody>
+          <a:bodyPr/>
+          <a:lstStyle/>
+          <a:p>
+            <a:pPr marL="0" marR="0" indent="0" algn="l" defTabSz="914400" rtl="0" eaLnBrk="1" fontAlgn="auto" latinLnBrk="1" hangingPunct="1">
+              <a:lnSpc>
+                <a:spcPct val="100000"/>
+              </a:lnSpc>
+              <a:spcBef>
+                <a:spcPts val="0"/>
+              </a:spcBef>
+              <a:spcAft>
+                <a:spcPts val="0"/>
+              </a:spcAft>
+              <a:buClrTx/>
+              <a:buSzTx/>
+              <a:buFontTx/>
+              <a:buNone/>
+              <a:tabLst/>
+              <a:defRPr/>
+            </a:pPr>
+            <a:endParaRPr lang="ko-KR" altLang="en-US" dirty="0"/>
+          </a:p>
+        </p:txBody>
+      </p:sp>
+      <p:sp>
+        <p:nvSpPr>
+          <p:cNvPr id="4" name="슬라이드 번호 개체 틀 3"/>
+          <p:cNvSpPr>
+            <a:spLocks noGrp="1"/>
+          </p:cNvSpPr>
+          <p:nvPr>
+            <p:ph type="sldNum" sz="quarter" idx="10"/>
+          </p:nvPr>
+        </p:nvSpPr>
+        <p:spPr/>
+        <p:txBody>
+          <a:bodyPr/>
+          <a:lstStyle/>
+          <a:p>
+            <a:fld id="{A6D625BF-EF7C-4F5D-B58E-C92BFFBBF146}" type="slidenum">
+              <a:rPr lang="ko-KR" altLang="en-US" smtClean="0"/>
+              <a:t>22</a:t>
+            </a:fld>
+            <a:endParaRPr lang="ko-KR" altLang="en-US"/>
+          </a:p>
+        </p:txBody>
+      </p:sp>
+    </p:spTree>
+    <p:extLst>
+      <p:ext uri="{BB962C8B-B14F-4D97-AF65-F5344CB8AC3E}">
+        <p14:creationId xmlns:p14="http://schemas.microsoft.com/office/powerpoint/2010/main" val="2445521601"/>
+      </p:ext>
+    </p:extLst>
+  </p:cSld>
+  <p:clrMapOvr>
+    <a:masterClrMapping/>
+  </p:clrMapOvr>
+</p:notes>
+</file>
+
+<file path=ppt/notesSlides/notesSlide22.xml><?xml version="1.0" encoding="utf-8"?>
+<p:notes xmlns:a="http://schemas.openxmlformats.org/drawingml/2006/main" xmlns:r="http://schemas.openxmlformats.org/officeDocument/2006/relationships" xmlns:p="http://schemas.openxmlformats.org/presentationml/2006/main">
+  <p:cSld>
+    <p:spTree>
+      <p:nvGrpSpPr>
+        <p:cNvPr id="1" name=""/>
+        <p:cNvGrpSpPr/>
+        <p:nvPr/>
+      </p:nvGrpSpPr>
+      <p:grpSpPr>
+        <a:xfrm>
+          <a:off x="0" y="0"/>
+          <a:ext cx="0" cy="0"/>
+          <a:chOff x="0" y="0"/>
+          <a:chExt cx="0" cy="0"/>
+        </a:xfrm>
+      </p:grpSpPr>
+      <p:sp>
+        <p:nvSpPr>
+          <p:cNvPr id="2" name="슬라이드 이미지 개체 틀 1"/>
+          <p:cNvSpPr>
+            <a:spLocks noGrp="1" noRot="1" noChangeAspect="1"/>
+          </p:cNvSpPr>
+          <p:nvPr>
+            <p:ph type="sldImg"/>
+          </p:nvPr>
+        </p:nvSpPr>
+        <p:spPr/>
+      </p:sp>
+      <p:sp>
+        <p:nvSpPr>
+          <p:cNvPr id="3" name="슬라이드 노트 개체 틀 2"/>
+          <p:cNvSpPr>
+            <a:spLocks noGrp="1"/>
+          </p:cNvSpPr>
+          <p:nvPr>
+            <p:ph type="body" idx="1"/>
+          </p:nvPr>
+        </p:nvSpPr>
+        <p:spPr/>
+        <p:txBody>
+          <a:bodyPr/>
+          <a:lstStyle/>
+          <a:p>
+            <a:pPr marL="0" marR="0" indent="0" algn="l" defTabSz="914400" rtl="0" eaLnBrk="1" fontAlgn="auto" latinLnBrk="1" hangingPunct="1">
+              <a:lnSpc>
+                <a:spcPct val="100000"/>
+              </a:lnSpc>
+              <a:spcBef>
+                <a:spcPts val="0"/>
+              </a:spcBef>
+              <a:spcAft>
+                <a:spcPts val="0"/>
+              </a:spcAft>
+              <a:buClrTx/>
+              <a:buSzTx/>
+              <a:buFontTx/>
+              <a:buNone/>
+              <a:tabLst/>
+              <a:defRPr/>
+            </a:pPr>
+            <a:endParaRPr lang="ko-KR" altLang="en-US" dirty="0"/>
+          </a:p>
+        </p:txBody>
+      </p:sp>
+      <p:sp>
+        <p:nvSpPr>
+          <p:cNvPr id="4" name="슬라이드 번호 개체 틀 3"/>
+          <p:cNvSpPr>
+            <a:spLocks noGrp="1"/>
+          </p:cNvSpPr>
+          <p:nvPr>
+            <p:ph type="sldNum" sz="quarter" idx="10"/>
+          </p:nvPr>
+        </p:nvSpPr>
+        <p:spPr/>
+        <p:txBody>
+          <a:bodyPr/>
+          <a:lstStyle/>
+          <a:p>
+            <a:fld id="{A6D625BF-EF7C-4F5D-B58E-C92BFFBBF146}" type="slidenum">
+              <a:rPr lang="ko-KR" altLang="en-US" smtClean="0"/>
+              <a:t>23</a:t>
+            </a:fld>
+            <a:endParaRPr lang="ko-KR" altLang="en-US"/>
+          </a:p>
+        </p:txBody>
+      </p:sp>
+    </p:spTree>
+    <p:extLst>
+      <p:ext uri="{BB962C8B-B14F-4D97-AF65-F5344CB8AC3E}">
+        <p14:creationId xmlns:p14="http://schemas.microsoft.com/office/powerpoint/2010/main" val="374466646"/>
       </p:ext>
     </p:extLst>
   </p:cSld>
@@ -4897,21 +5917,7 @@
                 <a:latin typeface="+mn-ea"/>
                 <a:cs typeface="맑은 고딕 Semilight" panose="020B0502040204020203" pitchFamily="50" charset="-127"/>
               </a:rPr>
-              <a:t>2020. 08. </a:t>
-            </a:r>
-            <a:r>
-              <a:rPr lang="en-US" altLang="ko-KR" sz="1100" smtClean="0">
-                <a:ln>
-                  <a:solidFill>
-                    <a:schemeClr val="tx1">
-                      <a:alpha val="29000"/>
-                    </a:schemeClr>
-                  </a:solidFill>
-                </a:ln>
-                <a:latin typeface="+mn-ea"/>
-                <a:cs typeface="맑은 고딕 Semilight" panose="020B0502040204020203" pitchFamily="50" charset="-127"/>
-              </a:rPr>
-              <a:t>24.</a:t>
+              <a:t>2020. 08. 24.</a:t>
             </a:r>
             <a:endParaRPr lang="en-US" altLang="ko-KR" sz="1100" dirty="0" smtClean="0">
               <a:ln>
@@ -5027,21 +6033,7 @@
                 <a:latin typeface="+mn-ea"/>
                 <a:cs typeface="맑은 고딕 Semilight" panose="020B0502040204020203" pitchFamily="50" charset="-127"/>
               </a:rPr>
-              <a:t>의 </a:t>
-            </a:r>
-            <a:r>
-              <a:rPr lang="ko-KR" altLang="en-US" sz="2000" smtClean="0">
-                <a:ln>
-                  <a:solidFill>
-                    <a:schemeClr val="tx1">
-                      <a:alpha val="29000"/>
-                    </a:schemeClr>
-                  </a:solidFill>
-                </a:ln>
-                <a:latin typeface="+mn-ea"/>
-                <a:cs typeface="맑은 고딕 Semilight" panose="020B0502040204020203" pitchFamily="50" charset="-127"/>
-              </a:rPr>
-              <a:t>배열</a:t>
+              <a:t>의 배열</a:t>
             </a:r>
             <a:endParaRPr lang="en-US" altLang="ko-KR" sz="2000" dirty="0" smtClean="0">
               <a:ln>
@@ -5214,21 +6206,7 @@
                 <a:latin typeface="+mn-ea"/>
                 <a:cs typeface="맑은 고딕 Semilight" panose="020B0502040204020203" pitchFamily="50" charset="-127"/>
               </a:rPr>
-              <a:t>의 </a:t>
-            </a:r>
-            <a:r>
-              <a:rPr lang="ko-KR" altLang="en-US" sz="2000" smtClean="0">
-                <a:ln>
-                  <a:solidFill>
-                    <a:schemeClr val="tx1">
-                      <a:alpha val="29000"/>
-                    </a:schemeClr>
-                  </a:solidFill>
-                </a:ln>
-                <a:latin typeface="+mn-ea"/>
-                <a:cs typeface="맑은 고딕 Semilight" panose="020B0502040204020203" pitchFamily="50" charset="-127"/>
-              </a:rPr>
-              <a:t>배열 </a:t>
+              <a:t>의 배열 </a:t>
             </a:r>
             <a:endParaRPr lang="en-US" altLang="ko-KR" sz="2000" dirty="0">
               <a:ln>
@@ -5286,22 +6264,7 @@
                 <a:cs typeface="맑은 고딕 Semilight" panose="020B0502040204020203" pitchFamily="50" charset="-127"/>
                 <a:sym typeface="Wingdings" panose="05000000000000000000" pitchFamily="2" charset="2"/>
               </a:rPr>
-              <a:t>배열 </a:t>
-            </a:r>
-            <a:r>
-              <a:rPr lang="ko-KR" altLang="en-US" sz="1800">
-                <a:ln>
-                  <a:solidFill>
-                    <a:schemeClr val="tx1">
-                      <a:alpha val="29000"/>
-                    </a:schemeClr>
-                  </a:solidFill>
-                </a:ln>
-                <a:latin typeface="+mn-ea"/>
-                <a:cs typeface="맑은 고딕 Semilight" panose="020B0502040204020203" pitchFamily="50" charset="-127"/>
-                <a:sym typeface="Wingdings" panose="05000000000000000000" pitchFamily="2" charset="2"/>
-              </a:rPr>
-              <a:t>요소의 </a:t>
+              <a:t>배열 요소의 </a:t>
             </a:r>
             <a:r>
               <a:rPr lang="ko-KR" altLang="en-US" sz="1800" smtClean="0">
@@ -5383,21 +6346,7 @@
                 <a:latin typeface="+mn-ea"/>
                 <a:cs typeface="맑은 고딕 Semilight" panose="020B0502040204020203" pitchFamily="50" charset="-127"/>
               </a:rPr>
-              <a:t>의 길이는 </a:t>
-            </a:r>
-            <a:r>
-              <a:rPr lang="ko-KR" altLang="en-US" sz="1400">
-                <a:ln>
-                  <a:solidFill>
-                    <a:schemeClr val="tx1">
-                      <a:alpha val="29000"/>
-                    </a:schemeClr>
-                  </a:solidFill>
-                </a:ln>
-                <a:latin typeface="+mn-ea"/>
-                <a:cs typeface="맑은 고딕 Semilight" panose="020B0502040204020203" pitchFamily="50" charset="-127"/>
-              </a:rPr>
-              <a:t>최종적으로 </a:t>
+              <a:t>의 길이는 최종적으로 </a:t>
             </a:r>
             <a:r>
               <a:rPr lang="en-US" altLang="ko-KR" sz="1400" smtClean="0">
@@ -5505,21 +6454,7 @@
                 <a:latin typeface="+mn-ea"/>
                 <a:cs typeface="맑은 고딕 Semilight" panose="020B0502040204020203" pitchFamily="50" charset="-127"/>
               </a:rPr>
-              <a:t>나머지 인덱스에는 배열 요소가 </a:t>
-            </a:r>
-            <a:r>
-              <a:rPr lang="ko-KR" altLang="en-US" sz="1400">
-                <a:ln>
-                  <a:solidFill>
-                    <a:schemeClr val="tx1">
-                      <a:alpha val="29000"/>
-                    </a:schemeClr>
-                  </a:solidFill>
-                </a:ln>
-                <a:latin typeface="+mn-ea"/>
-                <a:cs typeface="맑은 고딕 Semilight" panose="020B0502040204020203" pitchFamily="50" charset="-127"/>
-              </a:rPr>
-              <a:t>존재하지 </a:t>
+              <a:t>나머지 인덱스에는 배열 요소가 존재하지 </a:t>
             </a:r>
             <a:r>
               <a:rPr lang="en-US" altLang="ko-KR" sz="1400" smtClean="0">
@@ -5585,21 +6520,7 @@
                 <a:latin typeface="+mn-ea"/>
                 <a:cs typeface="맑은 고딕 Semilight" panose="020B0502040204020203" pitchFamily="50" charset="-127"/>
               </a:rPr>
-              <a:t>(</a:t>
-            </a:r>
-            <a:r>
-              <a:rPr lang="en-US" altLang="ko-KR" sz="1400">
-                <a:ln>
-                  <a:solidFill>
-                    <a:schemeClr val="tx1">
-                      <a:alpha val="29000"/>
-                    </a:schemeClr>
-                  </a:solidFill>
-                </a:ln>
-                <a:latin typeface="+mn-ea"/>
-                <a:cs typeface="맑은 고딕 Semilight" panose="020B0502040204020203" pitchFamily="50" charset="-127"/>
-              </a:rPr>
-              <a:t>hole</a:t>
+              <a:t>(hole</a:t>
             </a:r>
             <a:r>
               <a:rPr lang="en-US" altLang="ko-KR" sz="1400" smtClean="0">
@@ -5707,21 +6628,7 @@
                 <a:latin typeface="+mn-ea"/>
                 <a:cs typeface="맑은 고딕 Semilight" panose="020B0502040204020203" pitchFamily="50" charset="-127"/>
               </a:rPr>
-              <a:t>값을 가지는 </a:t>
-            </a:r>
-            <a:r>
-              <a:rPr lang="ko-KR" altLang="en-US" sz="1400">
-                <a:ln>
-                  <a:solidFill>
-                    <a:schemeClr val="tx1">
-                      <a:alpha val="29000"/>
-                    </a:schemeClr>
-                  </a:solidFill>
-                </a:ln>
-                <a:latin typeface="+mn-ea"/>
-                <a:cs typeface="맑은 고딕 Semilight" panose="020B0502040204020203" pitchFamily="50" charset="-127"/>
-              </a:rPr>
-              <a:t>요소처럼 </a:t>
+              <a:t>값을 가지는 요소처럼 </a:t>
             </a:r>
             <a:r>
               <a:rPr lang="ko-KR" altLang="en-US" sz="1400" smtClean="0">
@@ -5952,21 +6859,7 @@
                 <a:latin typeface="+mn-ea"/>
                 <a:cs typeface="맑은 고딕 Semilight" panose="020B0502040204020203" pitchFamily="50" charset="-127"/>
               </a:rPr>
-              <a:t>의 </a:t>
-            </a:r>
-            <a:r>
-              <a:rPr lang="ko-KR" altLang="en-US" sz="2000" smtClean="0">
-                <a:ln>
-                  <a:solidFill>
-                    <a:schemeClr val="tx1">
-                      <a:alpha val="29000"/>
-                    </a:schemeClr>
-                  </a:solidFill>
-                </a:ln>
-                <a:latin typeface="+mn-ea"/>
-                <a:cs typeface="맑은 고딕 Semilight" panose="020B0502040204020203" pitchFamily="50" charset="-127"/>
-              </a:rPr>
-              <a:t>배열 </a:t>
+              <a:t>의 배열 </a:t>
             </a:r>
             <a:endParaRPr lang="en-US" altLang="ko-KR" sz="2000" dirty="0">
               <a:ln>
@@ -6039,22 +6932,7 @@
                 <a:cs typeface="맑은 고딕 Semilight" panose="020B0502040204020203" pitchFamily="50" charset="-127"/>
                 <a:sym typeface="Wingdings" panose="05000000000000000000" pitchFamily="2" charset="2"/>
               </a:rPr>
-              <a:t>(</a:t>
-            </a:r>
-            <a:r>
-              <a:rPr lang="en-US" altLang="ko-KR" sz="1800">
-                <a:ln>
-                  <a:solidFill>
-                    <a:schemeClr val="tx1">
-                      <a:alpha val="29000"/>
-                    </a:schemeClr>
-                  </a:solidFill>
-                </a:ln>
-                <a:latin typeface="+mn-ea"/>
-                <a:cs typeface="맑은 고딕 Semilight" panose="020B0502040204020203" pitchFamily="50" charset="-127"/>
-                <a:sym typeface="Wingdings" panose="05000000000000000000" pitchFamily="2" charset="2"/>
-              </a:rPr>
-              <a:t>iteration</a:t>
+              <a:t>(iteration</a:t>
             </a:r>
             <a:r>
               <a:rPr lang="en-US" altLang="ko-KR" sz="1800" smtClean="0">
@@ -6136,21 +7014,7 @@
                 <a:latin typeface="+mn-ea"/>
                 <a:cs typeface="맑은 고딕 Semilight" panose="020B0502040204020203" pitchFamily="50" charset="-127"/>
               </a:rPr>
-              <a:t>문과 같은 반복문을 사용하여 접근할 </a:t>
-            </a:r>
-            <a:r>
-              <a:rPr lang="ko-KR" altLang="en-US" sz="1400">
-                <a:ln>
-                  <a:solidFill>
-                    <a:schemeClr val="tx1">
-                      <a:alpha val="29000"/>
-                    </a:schemeClr>
-                  </a:solidFill>
-                </a:ln>
-                <a:latin typeface="+mn-ea"/>
-                <a:cs typeface="맑은 고딕 Semilight" panose="020B0502040204020203" pitchFamily="50" charset="-127"/>
-              </a:rPr>
-              <a:t>수 </a:t>
+              <a:t>문과 같은 반복문을 사용하여 접근할 수 </a:t>
             </a:r>
             <a:r>
               <a:rPr lang="ko-KR" altLang="en-US" sz="1400" smtClean="0">
@@ -6325,21 +7189,7 @@
                 <a:latin typeface="+mn-ea"/>
                 <a:cs typeface="맑은 고딕 Semilight" panose="020B0502040204020203" pitchFamily="50" charset="-127"/>
               </a:rPr>
-              <a:t>의 </a:t>
-            </a:r>
-            <a:r>
-              <a:rPr lang="ko-KR" altLang="en-US" sz="2000" smtClean="0">
-                <a:ln>
-                  <a:solidFill>
-                    <a:schemeClr val="tx1">
-                      <a:alpha val="29000"/>
-                    </a:schemeClr>
-                  </a:solidFill>
-                </a:ln>
-                <a:latin typeface="+mn-ea"/>
-                <a:cs typeface="맑은 고딕 Semilight" panose="020B0502040204020203" pitchFamily="50" charset="-127"/>
-              </a:rPr>
-              <a:t>배열 </a:t>
+              <a:t>의 배열 </a:t>
             </a:r>
             <a:endParaRPr lang="en-US" altLang="ko-KR" sz="2000" dirty="0">
               <a:ln>
@@ -6587,21 +7437,7 @@
                 <a:latin typeface="+mn-ea"/>
                 <a:cs typeface="맑은 고딕 Semilight" panose="020B0502040204020203" pitchFamily="50" charset="-127"/>
               </a:rPr>
-              <a:t>자바스크립트는 사용자가 배열과 관련된 작업을 손쉽게 할 수 있도록 다양한 메소드도 </a:t>
-            </a:r>
-            <a:r>
-              <a:rPr lang="ko-KR" altLang="en-US" sz="1400">
-                <a:ln>
-                  <a:solidFill>
-                    <a:schemeClr val="tx1">
-                      <a:alpha val="29000"/>
-                    </a:schemeClr>
-                  </a:solidFill>
-                </a:ln>
-                <a:latin typeface="+mn-ea"/>
-                <a:cs typeface="맑은 고딕 Semilight" panose="020B0502040204020203" pitchFamily="50" charset="-127"/>
-              </a:rPr>
-              <a:t>제공하고 </a:t>
+              <a:t>자바스크립트는 사용자가 배열과 관련된 작업을 손쉽게 할 수 있도록 다양한 메소드도 제공하고 </a:t>
             </a:r>
             <a:r>
               <a:rPr lang="ko-KR" altLang="en-US" sz="1400" smtClean="0">
@@ -6681,21 +7517,7 @@
                 <a:latin typeface="+mn-ea"/>
                 <a:cs typeface="맑은 고딕 Semilight" panose="020B0502040204020203" pitchFamily="50" charset="-127"/>
               </a:rPr>
-              <a:t>연산 결과를 </a:t>
-            </a:r>
-            <a:r>
-              <a:rPr lang="ko-KR" altLang="en-US" sz="1400">
-                <a:ln>
-                  <a:solidFill>
-                    <a:schemeClr val="tx1">
-                      <a:alpha val="29000"/>
-                    </a:schemeClr>
-                  </a:solidFill>
-                </a:ln>
-                <a:latin typeface="+mn-ea"/>
-                <a:cs typeface="맑은 고딕 Semilight" panose="020B0502040204020203" pitchFamily="50" charset="-127"/>
-              </a:rPr>
-              <a:t>보여주는 </a:t>
+              <a:t>연산 결과를 보여주는 </a:t>
             </a:r>
             <a:r>
               <a:rPr lang="ko-KR" altLang="en-US" sz="1400" smtClean="0">
@@ -6786,10 +7608,3879 @@
           <a:chExt cx="0" cy="0"/>
         </a:xfrm>
       </p:grpSpPr>
+      <p:cxnSp>
+        <p:nvCxnSpPr>
+          <p:cNvPr id="7" name="직선 연결선 6"/>
+          <p:cNvCxnSpPr/>
+          <p:nvPr/>
+        </p:nvCxnSpPr>
+        <p:spPr>
+          <a:xfrm>
+            <a:off x="0" y="683316"/>
+            <a:ext cx="2650435" cy="0"/>
+          </a:xfrm>
+          <a:prstGeom prst="line">
+            <a:avLst/>
+          </a:prstGeom>
+          <a:ln w="28575">
+            <a:solidFill>
+              <a:srgbClr val="ED553B"/>
+            </a:solidFill>
+            <a:tailEnd type="oval" w="lg" len="lg"/>
+          </a:ln>
+        </p:spPr>
+        <p:style>
+          <a:lnRef idx="1">
+            <a:schemeClr val="accent1"/>
+          </a:lnRef>
+          <a:fillRef idx="0">
+            <a:schemeClr val="accent1"/>
+          </a:fillRef>
+          <a:effectRef idx="0">
+            <a:schemeClr val="accent1"/>
+          </a:effectRef>
+          <a:fontRef idx="minor">
+            <a:schemeClr val="tx1"/>
+          </a:fontRef>
+        </p:style>
+      </p:cxnSp>
+      <p:sp>
+        <p:nvSpPr>
+          <p:cNvPr id="9" name="TextBox 8"/>
+          <p:cNvSpPr txBox="1"/>
+          <p:nvPr/>
+        </p:nvSpPr>
+        <p:spPr>
+          <a:xfrm>
+            <a:off x="322413" y="140957"/>
+            <a:ext cx="5552787" cy="400110"/>
+          </a:xfrm>
+          <a:prstGeom prst="rect">
+            <a:avLst/>
+          </a:prstGeom>
+          <a:noFill/>
+        </p:spPr>
+        <p:txBody>
+          <a:bodyPr wrap="square" rtlCol="0">
+            <a:spAutoFit/>
+          </a:bodyPr>
+          <a:lstStyle/>
+          <a:p>
+            <a:r>
+              <a:rPr lang="en-US" altLang="ko-KR" sz="2000" smtClean="0">
+                <a:ln>
+                  <a:solidFill>
+                    <a:schemeClr val="tx1">
+                      <a:alpha val="29000"/>
+                    </a:schemeClr>
+                  </a:solidFill>
+                </a:ln>
+                <a:latin typeface="+mn-ea"/>
+                <a:cs typeface="맑은 고딕 Semilight" panose="020B0502040204020203" pitchFamily="50" charset="-127"/>
+              </a:rPr>
+              <a:t>JavaScript</a:t>
+            </a:r>
+            <a:r>
+              <a:rPr lang="ko-KR" altLang="en-US" sz="2000" smtClean="0">
+                <a:ln>
+                  <a:solidFill>
+                    <a:schemeClr val="tx1">
+                      <a:alpha val="29000"/>
+                    </a:schemeClr>
+                  </a:solidFill>
+                </a:ln>
+                <a:latin typeface="+mn-ea"/>
+                <a:cs typeface="맑은 고딕 Semilight" panose="020B0502040204020203" pitchFamily="50" charset="-127"/>
+              </a:rPr>
+              <a:t>의 배열 </a:t>
+            </a:r>
+            <a:endParaRPr lang="en-US" altLang="ko-KR" sz="2000" dirty="0">
+              <a:ln>
+                <a:solidFill>
+                  <a:schemeClr val="tx1">
+                    <a:alpha val="29000"/>
+                  </a:schemeClr>
+                </a:solidFill>
+              </a:ln>
+              <a:latin typeface="+mn-ea"/>
+              <a:cs typeface="맑은 고딕 Semilight" panose="020B0502040204020203" pitchFamily="50" charset="-127"/>
+            </a:endParaRPr>
+          </a:p>
+        </p:txBody>
+      </p:sp>
+      <p:sp>
+        <p:nvSpPr>
+          <p:cNvPr id="74" name="TextBox 73"/>
+          <p:cNvSpPr txBox="1"/>
+          <p:nvPr/>
+        </p:nvSpPr>
+        <p:spPr>
+          <a:xfrm>
+            <a:off x="267599" y="825566"/>
+            <a:ext cx="9578660" cy="1154162"/>
+          </a:xfrm>
+          <a:prstGeom prst="rect">
+            <a:avLst/>
+          </a:prstGeom>
+          <a:noFill/>
+        </p:spPr>
+        <p:txBody>
+          <a:bodyPr wrap="square" rtlCol="0">
+            <a:spAutoFit/>
+          </a:bodyPr>
+          <a:lstStyle/>
+          <a:p>
+            <a:pPr marL="285750" indent="-285750">
+              <a:lnSpc>
+                <a:spcPct val="150000"/>
+              </a:lnSpc>
+              <a:buFont typeface="Arial" panose="020B0604020202020204" pitchFamily="34" charset="0"/>
+              <a:buChar char="•"/>
+            </a:pPr>
+            <a:r>
+              <a:rPr lang="ko-KR" altLang="en-US" sz="1800">
+                <a:ln>
+                  <a:solidFill>
+                    <a:schemeClr val="tx1">
+                      <a:alpha val="29000"/>
+                    </a:schemeClr>
+                  </a:solidFill>
+                </a:ln>
+                <a:latin typeface="+mn-ea"/>
+                <a:cs typeface="맑은 고딕 Semilight" panose="020B0502040204020203" pitchFamily="50" charset="-127"/>
+                <a:sym typeface="Wingdings" panose="05000000000000000000" pitchFamily="2" charset="2"/>
+              </a:rPr>
+              <a:t>희소 </a:t>
+            </a:r>
+            <a:r>
+              <a:rPr lang="ko-KR" altLang="en-US" sz="1800" smtClean="0">
+                <a:ln>
+                  <a:solidFill>
+                    <a:schemeClr val="tx1">
+                      <a:alpha val="29000"/>
+                    </a:schemeClr>
+                  </a:solidFill>
+                </a:ln>
+                <a:latin typeface="+mn-ea"/>
+                <a:cs typeface="맑은 고딕 Semilight" panose="020B0502040204020203" pitchFamily="50" charset="-127"/>
+                <a:sym typeface="Wingdings" panose="05000000000000000000" pitchFamily="2" charset="2"/>
+              </a:rPr>
+              <a:t>배열</a:t>
+            </a:r>
+            <a:endParaRPr lang="en-US" altLang="ko-KR" sz="1800" dirty="0">
+              <a:ln>
+                <a:solidFill>
+                  <a:schemeClr val="tx1">
+                    <a:alpha val="29000"/>
+                  </a:schemeClr>
+                </a:solidFill>
+              </a:ln>
+              <a:latin typeface="+mn-ea"/>
+              <a:cs typeface="맑은 고딕 Semilight" panose="020B0502040204020203" pitchFamily="50" charset="-127"/>
+              <a:sym typeface="Wingdings" panose="05000000000000000000" pitchFamily="2" charset="2"/>
+            </a:endParaRPr>
+          </a:p>
+          <a:p>
+            <a:pPr marL="449263" lvl="1" indent="-182563">
+              <a:lnSpc>
+                <a:spcPct val="150000"/>
+              </a:lnSpc>
+              <a:buFontTx/>
+              <a:buChar char="-"/>
+              <a:tabLst>
+                <a:tab pos="182563" algn="l"/>
+                <a:tab pos="449263" algn="l"/>
+              </a:tabLst>
+            </a:pPr>
+            <a:r>
+              <a:rPr lang="ko-KR" altLang="en-US" sz="1400">
+                <a:ln>
+                  <a:solidFill>
+                    <a:schemeClr val="tx1">
+                      <a:alpha val="29000"/>
+                    </a:schemeClr>
+                  </a:solidFill>
+                </a:ln>
+                <a:latin typeface="+mn-ea"/>
+                <a:cs typeface="맑은 고딕 Semilight" panose="020B0502040204020203" pitchFamily="50" charset="-127"/>
+              </a:rPr>
+              <a:t>희소 배열이란 배열에 속한 요소의 위치가 연속적이지 않은 </a:t>
+            </a:r>
+            <a:r>
+              <a:rPr lang="ko-KR" altLang="en-US" sz="1400">
+                <a:ln>
+                  <a:solidFill>
+                    <a:schemeClr val="tx1">
+                      <a:alpha val="29000"/>
+                    </a:schemeClr>
+                  </a:solidFill>
+                </a:ln>
+                <a:latin typeface="+mn-ea"/>
+                <a:cs typeface="맑은 고딕 Semilight" panose="020B0502040204020203" pitchFamily="50" charset="-127"/>
+              </a:rPr>
+              <a:t>배열을 </a:t>
+            </a:r>
+            <a:r>
+              <a:rPr lang="ko-KR" altLang="en-US" sz="1400" smtClean="0">
+                <a:ln>
+                  <a:solidFill>
+                    <a:schemeClr val="tx1">
+                      <a:alpha val="29000"/>
+                    </a:schemeClr>
+                  </a:solidFill>
+                </a:ln>
+                <a:latin typeface="+mn-ea"/>
+                <a:cs typeface="맑은 고딕 Semilight" panose="020B0502040204020203" pitchFamily="50" charset="-127"/>
+              </a:rPr>
+              <a:t>의미</a:t>
+            </a:r>
+            <a:endParaRPr lang="en-US" altLang="ko-KR" sz="1400">
+              <a:ln>
+                <a:solidFill>
+                  <a:schemeClr val="tx1">
+                    <a:alpha val="29000"/>
+                  </a:schemeClr>
+                </a:solidFill>
+              </a:ln>
+              <a:latin typeface="+mn-ea"/>
+              <a:cs typeface="맑은 고딕 Semilight" panose="020B0502040204020203" pitchFamily="50" charset="-127"/>
+            </a:endParaRPr>
+          </a:p>
+          <a:p>
+            <a:pPr marL="449263" lvl="1" indent="-182563">
+              <a:lnSpc>
+                <a:spcPct val="150000"/>
+              </a:lnSpc>
+              <a:buFontTx/>
+              <a:buChar char="-"/>
+              <a:tabLst>
+                <a:tab pos="182563" algn="l"/>
+                <a:tab pos="449263" algn="l"/>
+              </a:tabLst>
+            </a:pPr>
+            <a:r>
+              <a:rPr lang="ko-KR" altLang="en-US" sz="1400">
+                <a:ln>
+                  <a:solidFill>
+                    <a:schemeClr val="tx1">
+                      <a:alpha val="29000"/>
+                    </a:schemeClr>
+                  </a:solidFill>
+                </a:ln>
+                <a:latin typeface="+mn-ea"/>
+                <a:cs typeface="맑은 고딕 Semilight" panose="020B0502040204020203" pitchFamily="50" charset="-127"/>
+              </a:rPr>
+              <a:t>따라서 희소 배열의 경우 배열의 </a:t>
+            </a:r>
+            <a:r>
+              <a:rPr lang="en-US" altLang="ko-KR" sz="1400">
+                <a:ln>
+                  <a:solidFill>
+                    <a:schemeClr val="tx1">
+                      <a:alpha val="29000"/>
+                    </a:schemeClr>
+                  </a:solidFill>
+                </a:ln>
+                <a:latin typeface="+mn-ea"/>
+                <a:cs typeface="맑은 고딕 Semilight" panose="020B0502040204020203" pitchFamily="50" charset="-127"/>
+              </a:rPr>
+              <a:t>length </a:t>
+            </a:r>
+            <a:r>
+              <a:rPr lang="ko-KR" altLang="en-US" sz="1400">
+                <a:ln>
+                  <a:solidFill>
+                    <a:schemeClr val="tx1">
+                      <a:alpha val="29000"/>
+                    </a:schemeClr>
+                  </a:solidFill>
+                </a:ln>
+                <a:latin typeface="+mn-ea"/>
+                <a:cs typeface="맑은 고딕 Semilight" panose="020B0502040204020203" pitchFamily="50" charset="-127"/>
+              </a:rPr>
+              <a:t>프로퍼티 값보다 배열 요소의 개수가 </a:t>
+            </a:r>
+            <a:r>
+              <a:rPr lang="ko-KR" altLang="en-US" sz="1400">
+                <a:ln>
+                  <a:solidFill>
+                    <a:schemeClr val="tx1">
+                      <a:alpha val="29000"/>
+                    </a:schemeClr>
+                  </a:solidFill>
+                </a:ln>
+                <a:latin typeface="+mn-ea"/>
+                <a:cs typeface="맑은 고딕 Semilight" panose="020B0502040204020203" pitchFamily="50" charset="-127"/>
+              </a:rPr>
+              <a:t>언제나 </a:t>
+            </a:r>
+            <a:r>
+              <a:rPr lang="ko-KR" altLang="en-US" sz="1400" smtClean="0">
+                <a:ln>
+                  <a:solidFill>
+                    <a:schemeClr val="tx1">
+                      <a:alpha val="29000"/>
+                    </a:schemeClr>
+                  </a:solidFill>
+                </a:ln>
+                <a:latin typeface="+mn-ea"/>
+                <a:cs typeface="맑은 고딕 Semilight" panose="020B0502040204020203" pitchFamily="50" charset="-127"/>
+              </a:rPr>
+              <a:t>적음</a:t>
+            </a:r>
+            <a:endParaRPr lang="en-US" altLang="ko-KR" sz="1400" smtClean="0">
+              <a:ln>
+                <a:solidFill>
+                  <a:schemeClr val="tx1">
+                    <a:alpha val="29000"/>
+                  </a:schemeClr>
+                </a:solidFill>
+              </a:ln>
+              <a:latin typeface="+mn-ea"/>
+              <a:cs typeface="맑은 고딕 Semilight" panose="020B0502040204020203" pitchFamily="50" charset="-127"/>
+            </a:endParaRPr>
+          </a:p>
+        </p:txBody>
+      </p:sp>
+      <p:pic>
+        <p:nvPicPr>
+          <p:cNvPr id="2" name="그림 1"/>
+          <p:cNvPicPr>
+            <a:picLocks noChangeAspect="1"/>
+          </p:cNvPicPr>
+          <p:nvPr/>
+        </p:nvPicPr>
+        <p:blipFill>
+          <a:blip r:embed="rId3"/>
+          <a:stretch>
+            <a:fillRect/>
+          </a:stretch>
+        </p:blipFill>
+        <p:spPr>
+          <a:xfrm>
+            <a:off x="2055812" y="2642358"/>
+            <a:ext cx="6048375" cy="1304925"/>
+          </a:xfrm>
+          <a:prstGeom prst="rect">
+            <a:avLst/>
+          </a:prstGeom>
+        </p:spPr>
+      </p:pic>
     </p:spTree>
     <p:extLst>
       <p:ext uri="{BB962C8B-B14F-4D97-AF65-F5344CB8AC3E}">
-        <p14:creationId xmlns:p14="http://schemas.microsoft.com/office/powerpoint/2010/main" val="247360192"/>
+        <p14:creationId xmlns:p14="http://schemas.microsoft.com/office/powerpoint/2010/main" val="1400427522"/>
+      </p:ext>
+    </p:extLst>
+  </p:cSld>
+  <p:clrMapOvr>
+    <a:masterClrMapping/>
+  </p:clrMapOvr>
+  <p:timing>
+    <p:tnLst>
+      <p:par>
+        <p:cTn id="1" dur="indefinite" restart="never" nodeType="tmRoot"/>
+      </p:par>
+    </p:tnLst>
+  </p:timing>
+</p:sld>
+</file>
+
+<file path=ppt/slides/slide14.xml><?xml version="1.0" encoding="utf-8"?>
+<p:sld xmlns:a="http://schemas.openxmlformats.org/drawingml/2006/main" xmlns:r="http://schemas.openxmlformats.org/officeDocument/2006/relationships" xmlns:p="http://schemas.openxmlformats.org/presentationml/2006/main">
+  <p:cSld>
+    <p:spTree>
+      <p:nvGrpSpPr>
+        <p:cNvPr id="1" name=""/>
+        <p:cNvGrpSpPr/>
+        <p:nvPr/>
+      </p:nvGrpSpPr>
+      <p:grpSpPr>
+        <a:xfrm>
+          <a:off x="0" y="0"/>
+          <a:ext cx="0" cy="0"/>
+          <a:chOff x="0" y="0"/>
+          <a:chExt cx="0" cy="0"/>
+        </a:xfrm>
+      </p:grpSpPr>
+      <p:cxnSp>
+        <p:nvCxnSpPr>
+          <p:cNvPr id="7" name="직선 연결선 6"/>
+          <p:cNvCxnSpPr/>
+          <p:nvPr/>
+        </p:nvCxnSpPr>
+        <p:spPr>
+          <a:xfrm>
+            <a:off x="0" y="683316"/>
+            <a:ext cx="2650435" cy="0"/>
+          </a:xfrm>
+          <a:prstGeom prst="line">
+            <a:avLst/>
+          </a:prstGeom>
+          <a:ln w="28575">
+            <a:solidFill>
+              <a:srgbClr val="ED553B"/>
+            </a:solidFill>
+            <a:tailEnd type="oval" w="lg" len="lg"/>
+          </a:ln>
+        </p:spPr>
+        <p:style>
+          <a:lnRef idx="1">
+            <a:schemeClr val="accent1"/>
+          </a:lnRef>
+          <a:fillRef idx="0">
+            <a:schemeClr val="accent1"/>
+          </a:fillRef>
+          <a:effectRef idx="0">
+            <a:schemeClr val="accent1"/>
+          </a:effectRef>
+          <a:fontRef idx="minor">
+            <a:schemeClr val="tx1"/>
+          </a:fontRef>
+        </p:style>
+      </p:cxnSp>
+      <p:sp>
+        <p:nvSpPr>
+          <p:cNvPr id="9" name="TextBox 8"/>
+          <p:cNvSpPr txBox="1"/>
+          <p:nvPr/>
+        </p:nvSpPr>
+        <p:spPr>
+          <a:xfrm>
+            <a:off x="322413" y="140957"/>
+            <a:ext cx="5552787" cy="400110"/>
+          </a:xfrm>
+          <a:prstGeom prst="rect">
+            <a:avLst/>
+          </a:prstGeom>
+          <a:noFill/>
+        </p:spPr>
+        <p:txBody>
+          <a:bodyPr wrap="square" rtlCol="0">
+            <a:spAutoFit/>
+          </a:bodyPr>
+          <a:lstStyle/>
+          <a:p>
+            <a:r>
+              <a:rPr lang="en-US" altLang="ko-KR" sz="2000" smtClean="0">
+                <a:ln>
+                  <a:solidFill>
+                    <a:schemeClr val="tx1">
+                      <a:alpha val="29000"/>
+                    </a:schemeClr>
+                  </a:solidFill>
+                </a:ln>
+                <a:latin typeface="+mn-ea"/>
+                <a:cs typeface="맑은 고딕 Semilight" panose="020B0502040204020203" pitchFamily="50" charset="-127"/>
+              </a:rPr>
+              <a:t>JavaScript</a:t>
+            </a:r>
+            <a:r>
+              <a:rPr lang="ko-KR" altLang="en-US" sz="2000" smtClean="0">
+                <a:ln>
+                  <a:solidFill>
+                    <a:schemeClr val="tx1">
+                      <a:alpha val="29000"/>
+                    </a:schemeClr>
+                  </a:solidFill>
+                </a:ln>
+                <a:latin typeface="+mn-ea"/>
+                <a:cs typeface="맑은 고딕 Semilight" panose="020B0502040204020203" pitchFamily="50" charset="-127"/>
+              </a:rPr>
+              <a:t>의 배열 </a:t>
+            </a:r>
+            <a:endParaRPr lang="en-US" altLang="ko-KR" sz="2000" dirty="0">
+              <a:ln>
+                <a:solidFill>
+                  <a:schemeClr val="tx1">
+                    <a:alpha val="29000"/>
+                  </a:schemeClr>
+                </a:solidFill>
+              </a:ln>
+              <a:latin typeface="+mn-ea"/>
+              <a:cs typeface="맑은 고딕 Semilight" panose="020B0502040204020203" pitchFamily="50" charset="-127"/>
+            </a:endParaRPr>
+          </a:p>
+        </p:txBody>
+      </p:sp>
+      <p:sp>
+        <p:nvSpPr>
+          <p:cNvPr id="74" name="TextBox 73"/>
+          <p:cNvSpPr txBox="1"/>
+          <p:nvPr/>
+        </p:nvSpPr>
+        <p:spPr>
+          <a:xfrm>
+            <a:off x="267599" y="825566"/>
+            <a:ext cx="9578660" cy="1985159"/>
+          </a:xfrm>
+          <a:prstGeom prst="rect">
+            <a:avLst/>
+          </a:prstGeom>
+          <a:noFill/>
+        </p:spPr>
+        <p:txBody>
+          <a:bodyPr wrap="square" rtlCol="0">
+            <a:spAutoFit/>
+          </a:bodyPr>
+          <a:lstStyle/>
+          <a:p>
+            <a:pPr marL="285750" indent="-285750">
+              <a:lnSpc>
+                <a:spcPct val="150000"/>
+              </a:lnSpc>
+              <a:buFont typeface="Arial" panose="020B0604020202020204" pitchFamily="34" charset="0"/>
+              <a:buChar char="•"/>
+            </a:pPr>
+            <a:r>
+              <a:rPr lang="ko-KR" altLang="en-US" sz="1800">
+                <a:ln>
+                  <a:solidFill>
+                    <a:schemeClr val="tx1">
+                      <a:alpha val="29000"/>
+                    </a:schemeClr>
+                  </a:solidFill>
+                </a:ln>
+                <a:latin typeface="+mn-ea"/>
+                <a:cs typeface="맑은 고딕 Semilight" panose="020B0502040204020203" pitchFamily="50" charset="-127"/>
+                <a:sym typeface="Wingdings" panose="05000000000000000000" pitchFamily="2" charset="2"/>
+              </a:rPr>
+              <a:t>다차원 </a:t>
+            </a:r>
+            <a:r>
+              <a:rPr lang="ko-KR" altLang="en-US" sz="1800" smtClean="0">
+                <a:ln>
+                  <a:solidFill>
+                    <a:schemeClr val="tx1">
+                      <a:alpha val="29000"/>
+                    </a:schemeClr>
+                  </a:solidFill>
+                </a:ln>
+                <a:latin typeface="+mn-ea"/>
+                <a:cs typeface="맑은 고딕 Semilight" panose="020B0502040204020203" pitchFamily="50" charset="-127"/>
+                <a:sym typeface="Wingdings" panose="05000000000000000000" pitchFamily="2" charset="2"/>
+              </a:rPr>
+              <a:t>배열</a:t>
+            </a:r>
+            <a:endParaRPr lang="en-US" altLang="ko-KR" sz="1800" dirty="0">
+              <a:ln>
+                <a:solidFill>
+                  <a:schemeClr val="tx1">
+                    <a:alpha val="29000"/>
+                  </a:schemeClr>
+                </a:solidFill>
+              </a:ln>
+              <a:latin typeface="+mn-ea"/>
+              <a:cs typeface="맑은 고딕 Semilight" panose="020B0502040204020203" pitchFamily="50" charset="-127"/>
+              <a:sym typeface="Wingdings" panose="05000000000000000000" pitchFamily="2" charset="2"/>
+            </a:endParaRPr>
+          </a:p>
+          <a:p>
+            <a:pPr marL="449263" lvl="1" indent="-182563">
+              <a:lnSpc>
+                <a:spcPct val="150000"/>
+              </a:lnSpc>
+              <a:buFontTx/>
+              <a:buChar char="-"/>
+              <a:tabLst>
+                <a:tab pos="182563" algn="l"/>
+                <a:tab pos="449263" algn="l"/>
+              </a:tabLst>
+            </a:pPr>
+            <a:r>
+              <a:rPr lang="ko-KR" altLang="en-US" sz="1400">
+                <a:ln>
+                  <a:solidFill>
+                    <a:schemeClr val="tx1">
+                      <a:alpha val="29000"/>
+                    </a:schemeClr>
+                  </a:solidFill>
+                </a:ln>
+                <a:latin typeface="+mn-ea"/>
+                <a:cs typeface="맑은 고딕 Semilight" panose="020B0502040204020203" pitchFamily="50" charset="-127"/>
+              </a:rPr>
+              <a:t>다차원 배열이란 배열 요소가 또 다른 배열인 </a:t>
+            </a:r>
+            <a:r>
+              <a:rPr lang="ko-KR" altLang="en-US" sz="1400">
+                <a:ln>
+                  <a:solidFill>
+                    <a:schemeClr val="tx1">
+                      <a:alpha val="29000"/>
+                    </a:schemeClr>
+                  </a:solidFill>
+                </a:ln>
+                <a:latin typeface="+mn-ea"/>
+                <a:cs typeface="맑은 고딕 Semilight" panose="020B0502040204020203" pitchFamily="50" charset="-127"/>
+              </a:rPr>
+              <a:t>배열을 </a:t>
+            </a:r>
+            <a:r>
+              <a:rPr lang="ko-KR" altLang="en-US" sz="1400" smtClean="0">
+                <a:ln>
+                  <a:solidFill>
+                    <a:schemeClr val="tx1">
+                      <a:alpha val="29000"/>
+                    </a:schemeClr>
+                  </a:solidFill>
+                </a:ln>
+                <a:latin typeface="+mn-ea"/>
+                <a:cs typeface="맑은 고딕 Semilight" panose="020B0502040204020203" pitchFamily="50" charset="-127"/>
+              </a:rPr>
+              <a:t>의미</a:t>
+            </a:r>
+            <a:endParaRPr lang="ko-KR" altLang="en-US" sz="1400">
+              <a:ln>
+                <a:solidFill>
+                  <a:schemeClr val="tx1">
+                    <a:alpha val="29000"/>
+                  </a:schemeClr>
+                </a:solidFill>
+              </a:ln>
+              <a:latin typeface="+mn-ea"/>
+              <a:cs typeface="맑은 고딕 Semilight" panose="020B0502040204020203" pitchFamily="50" charset="-127"/>
+            </a:endParaRPr>
+          </a:p>
+          <a:p>
+            <a:pPr marL="851916" lvl="2" indent="-228600">
+              <a:lnSpc>
+                <a:spcPct val="150000"/>
+              </a:lnSpc>
+              <a:buFont typeface="+mj-lt"/>
+              <a:buAutoNum type="arabicParenR"/>
+              <a:tabLst>
+                <a:tab pos="182563" algn="l"/>
+                <a:tab pos="449263" algn="l"/>
+              </a:tabLst>
+            </a:pPr>
+            <a:r>
+              <a:rPr lang="ko-KR" altLang="en-US" sz="1200" smtClean="0">
+                <a:ln>
+                  <a:solidFill>
+                    <a:schemeClr val="tx1">
+                      <a:alpha val="29000"/>
+                    </a:schemeClr>
+                  </a:solidFill>
+                </a:ln>
+                <a:latin typeface="+mn-ea"/>
+                <a:cs typeface="맑은 고딕 Semilight" panose="020B0502040204020203" pitchFamily="50" charset="-127"/>
+              </a:rPr>
+              <a:t>지금까지 </a:t>
+            </a:r>
+            <a:r>
+              <a:rPr lang="ko-KR" altLang="en-US" sz="1200">
+                <a:ln>
+                  <a:solidFill>
+                    <a:schemeClr val="tx1">
+                      <a:alpha val="29000"/>
+                    </a:schemeClr>
+                  </a:solidFill>
+                </a:ln>
+                <a:latin typeface="+mn-ea"/>
+                <a:cs typeface="맑은 고딕 Semilight" panose="020B0502040204020203" pitchFamily="50" charset="-127"/>
+              </a:rPr>
+              <a:t>우리가 살펴본 배열은 </a:t>
+            </a:r>
+            <a:r>
+              <a:rPr lang="en-US" altLang="ko-KR" sz="1200">
+                <a:ln>
+                  <a:solidFill>
+                    <a:schemeClr val="tx1">
+                      <a:alpha val="29000"/>
+                    </a:schemeClr>
+                  </a:solidFill>
+                </a:ln>
+                <a:latin typeface="+mn-ea"/>
+                <a:cs typeface="맑은 고딕 Semilight" panose="020B0502040204020203" pitchFamily="50" charset="-127"/>
+              </a:rPr>
+              <a:t>1</a:t>
+            </a:r>
+            <a:r>
+              <a:rPr lang="ko-KR" altLang="en-US" sz="1200">
+                <a:ln>
+                  <a:solidFill>
+                    <a:schemeClr val="tx1">
+                      <a:alpha val="29000"/>
+                    </a:schemeClr>
+                  </a:solidFill>
+                </a:ln>
+                <a:latin typeface="+mn-ea"/>
+                <a:cs typeface="맑은 고딕 Semilight" panose="020B0502040204020203" pitchFamily="50" charset="-127"/>
+              </a:rPr>
+              <a:t>차원 배열</a:t>
+            </a:r>
+          </a:p>
+          <a:p>
+            <a:pPr marL="851916" lvl="2" indent="-228600">
+              <a:lnSpc>
+                <a:spcPct val="150000"/>
+              </a:lnSpc>
+              <a:buFont typeface="+mj-lt"/>
+              <a:buAutoNum type="arabicParenR"/>
+              <a:tabLst>
+                <a:tab pos="182563" algn="l"/>
+                <a:tab pos="449263" algn="l"/>
+              </a:tabLst>
+            </a:pPr>
+            <a:r>
+              <a:rPr lang="en-US" altLang="ko-KR" sz="1200" smtClean="0">
+                <a:ln>
+                  <a:solidFill>
+                    <a:schemeClr val="tx1">
+                      <a:alpha val="29000"/>
+                    </a:schemeClr>
+                  </a:solidFill>
+                </a:ln>
+                <a:latin typeface="+mn-ea"/>
+                <a:cs typeface="맑은 고딕 Semilight" panose="020B0502040204020203" pitchFamily="50" charset="-127"/>
+              </a:rPr>
+              <a:t>2</a:t>
+            </a:r>
+            <a:r>
+              <a:rPr lang="ko-KR" altLang="en-US" sz="1200">
+                <a:ln>
+                  <a:solidFill>
+                    <a:schemeClr val="tx1">
+                      <a:alpha val="29000"/>
+                    </a:schemeClr>
+                  </a:solidFill>
+                </a:ln>
+                <a:latin typeface="+mn-ea"/>
+                <a:cs typeface="맑은 고딕 Semilight" panose="020B0502040204020203" pitchFamily="50" charset="-127"/>
+              </a:rPr>
+              <a:t>차원 배열이란 배열 요소가 </a:t>
+            </a:r>
+            <a:r>
+              <a:rPr lang="en-US" altLang="ko-KR" sz="1200">
+                <a:ln>
+                  <a:solidFill>
+                    <a:schemeClr val="tx1">
+                      <a:alpha val="29000"/>
+                    </a:schemeClr>
+                  </a:solidFill>
+                </a:ln>
+                <a:latin typeface="+mn-ea"/>
+                <a:cs typeface="맑은 고딕 Semilight" panose="020B0502040204020203" pitchFamily="50" charset="-127"/>
+              </a:rPr>
+              <a:t>1</a:t>
+            </a:r>
+            <a:r>
+              <a:rPr lang="ko-KR" altLang="en-US" sz="1200">
+                <a:ln>
+                  <a:solidFill>
+                    <a:schemeClr val="tx1">
+                      <a:alpha val="29000"/>
+                    </a:schemeClr>
+                  </a:solidFill>
+                </a:ln>
+                <a:latin typeface="+mn-ea"/>
+                <a:cs typeface="맑은 고딕 Semilight" panose="020B0502040204020203" pitchFamily="50" charset="-127"/>
+              </a:rPr>
+              <a:t>차원 배열인 배열을 의미</a:t>
+            </a:r>
+          </a:p>
+          <a:p>
+            <a:pPr marL="851916" lvl="2" indent="-228600">
+              <a:lnSpc>
+                <a:spcPct val="150000"/>
+              </a:lnSpc>
+              <a:buFont typeface="+mj-lt"/>
+              <a:buAutoNum type="arabicParenR"/>
+              <a:tabLst>
+                <a:tab pos="182563" algn="l"/>
+                <a:tab pos="449263" algn="l"/>
+              </a:tabLst>
+            </a:pPr>
+            <a:r>
+              <a:rPr lang="en-US" altLang="ko-KR" sz="1200" smtClean="0">
+                <a:ln>
+                  <a:solidFill>
+                    <a:schemeClr val="tx1">
+                      <a:alpha val="29000"/>
+                    </a:schemeClr>
+                  </a:solidFill>
+                </a:ln>
+                <a:latin typeface="+mn-ea"/>
+                <a:cs typeface="맑은 고딕 Semilight" panose="020B0502040204020203" pitchFamily="50" charset="-127"/>
+              </a:rPr>
+              <a:t>3</a:t>
+            </a:r>
+            <a:r>
+              <a:rPr lang="ko-KR" altLang="en-US" sz="1200">
+                <a:ln>
+                  <a:solidFill>
+                    <a:schemeClr val="tx1">
+                      <a:alpha val="29000"/>
+                    </a:schemeClr>
+                  </a:solidFill>
+                </a:ln>
+                <a:latin typeface="+mn-ea"/>
+                <a:cs typeface="맑은 고딕 Semilight" panose="020B0502040204020203" pitchFamily="50" charset="-127"/>
+              </a:rPr>
+              <a:t>차원 배열이란 배열 요소가 </a:t>
+            </a:r>
+            <a:r>
+              <a:rPr lang="en-US" altLang="ko-KR" sz="1200">
+                <a:ln>
+                  <a:solidFill>
+                    <a:schemeClr val="tx1">
+                      <a:alpha val="29000"/>
+                    </a:schemeClr>
+                  </a:solidFill>
+                </a:ln>
+                <a:latin typeface="+mn-ea"/>
+                <a:cs typeface="맑은 고딕 Semilight" panose="020B0502040204020203" pitchFamily="50" charset="-127"/>
+              </a:rPr>
+              <a:t>2</a:t>
+            </a:r>
+            <a:r>
+              <a:rPr lang="ko-KR" altLang="en-US" sz="1200">
+                <a:ln>
+                  <a:solidFill>
+                    <a:schemeClr val="tx1">
+                      <a:alpha val="29000"/>
+                    </a:schemeClr>
+                  </a:solidFill>
+                </a:ln>
+                <a:latin typeface="+mn-ea"/>
+                <a:cs typeface="맑은 고딕 Semilight" panose="020B0502040204020203" pitchFamily="50" charset="-127"/>
+              </a:rPr>
+              <a:t>차원 배열인 </a:t>
+            </a:r>
+            <a:r>
+              <a:rPr lang="ko-KR" altLang="en-US" sz="1200">
+                <a:ln>
+                  <a:solidFill>
+                    <a:schemeClr val="tx1">
+                      <a:alpha val="29000"/>
+                    </a:schemeClr>
+                  </a:solidFill>
+                </a:ln>
+                <a:latin typeface="+mn-ea"/>
+                <a:cs typeface="맑은 고딕 Semilight" panose="020B0502040204020203" pitchFamily="50" charset="-127"/>
+              </a:rPr>
+              <a:t>배열을 </a:t>
+            </a:r>
+            <a:r>
+              <a:rPr lang="ko-KR" altLang="en-US" sz="1200" smtClean="0">
+                <a:ln>
+                  <a:solidFill>
+                    <a:schemeClr val="tx1">
+                      <a:alpha val="29000"/>
+                    </a:schemeClr>
+                  </a:solidFill>
+                </a:ln>
+                <a:latin typeface="+mn-ea"/>
+                <a:cs typeface="맑은 고딕 Semilight" panose="020B0502040204020203" pitchFamily="50" charset="-127"/>
+              </a:rPr>
+              <a:t>의미</a:t>
+            </a:r>
+            <a:endParaRPr lang="ko-KR" altLang="en-US" sz="1200">
+              <a:ln>
+                <a:solidFill>
+                  <a:schemeClr val="tx1">
+                    <a:alpha val="29000"/>
+                  </a:schemeClr>
+                </a:solidFill>
+              </a:ln>
+              <a:latin typeface="+mn-ea"/>
+              <a:cs typeface="맑은 고딕 Semilight" panose="020B0502040204020203" pitchFamily="50" charset="-127"/>
+            </a:endParaRPr>
+          </a:p>
+          <a:p>
+            <a:pPr marL="449263" lvl="1" indent="-182563">
+              <a:lnSpc>
+                <a:spcPct val="150000"/>
+              </a:lnSpc>
+              <a:buFontTx/>
+              <a:buChar char="-"/>
+              <a:tabLst>
+                <a:tab pos="182563" algn="l"/>
+                <a:tab pos="449263" algn="l"/>
+              </a:tabLst>
+            </a:pPr>
+            <a:r>
+              <a:rPr lang="en-US" altLang="ko-KR" sz="1400">
+                <a:ln>
+                  <a:solidFill>
+                    <a:schemeClr val="tx1">
+                      <a:alpha val="29000"/>
+                    </a:schemeClr>
+                  </a:solidFill>
+                </a:ln>
+                <a:latin typeface="+mn-ea"/>
+                <a:cs typeface="맑은 고딕 Semilight" panose="020B0502040204020203" pitchFamily="50" charset="-127"/>
+              </a:rPr>
+              <a:t>2</a:t>
+            </a:r>
+            <a:r>
+              <a:rPr lang="ko-KR" altLang="en-US" sz="1400">
+                <a:ln>
+                  <a:solidFill>
+                    <a:schemeClr val="tx1">
+                      <a:alpha val="29000"/>
+                    </a:schemeClr>
+                  </a:solidFill>
+                </a:ln>
+                <a:latin typeface="+mn-ea"/>
+                <a:cs typeface="맑은 고딕 Semilight" panose="020B0502040204020203" pitchFamily="50" charset="-127"/>
+              </a:rPr>
+              <a:t>차원 배열을 이해하면 그 이상의 배열 또한 같은 방식으로 이해할 </a:t>
+            </a:r>
+            <a:r>
+              <a:rPr lang="ko-KR" altLang="en-US" sz="1400">
+                <a:ln>
+                  <a:solidFill>
+                    <a:schemeClr val="tx1">
+                      <a:alpha val="29000"/>
+                    </a:schemeClr>
+                  </a:solidFill>
+                </a:ln>
+                <a:latin typeface="+mn-ea"/>
+                <a:cs typeface="맑은 고딕 Semilight" panose="020B0502040204020203" pitchFamily="50" charset="-127"/>
+              </a:rPr>
+              <a:t>수 </a:t>
+            </a:r>
+            <a:r>
+              <a:rPr lang="ko-KR" altLang="en-US" sz="1400" smtClean="0">
+                <a:ln>
+                  <a:solidFill>
+                    <a:schemeClr val="tx1">
+                      <a:alpha val="29000"/>
+                    </a:schemeClr>
+                  </a:solidFill>
+                </a:ln>
+                <a:latin typeface="+mn-ea"/>
+                <a:cs typeface="맑은 고딕 Semilight" panose="020B0502040204020203" pitchFamily="50" charset="-127"/>
+              </a:rPr>
+              <a:t>있음</a:t>
+            </a:r>
+            <a:endParaRPr lang="en-US" altLang="ko-KR" sz="1400" smtClean="0">
+              <a:ln>
+                <a:solidFill>
+                  <a:schemeClr val="tx1">
+                    <a:alpha val="29000"/>
+                  </a:schemeClr>
+                </a:solidFill>
+              </a:ln>
+              <a:latin typeface="+mn-ea"/>
+              <a:cs typeface="맑은 고딕 Semilight" panose="020B0502040204020203" pitchFamily="50" charset="-127"/>
+            </a:endParaRPr>
+          </a:p>
+        </p:txBody>
+      </p:sp>
+      <p:pic>
+        <p:nvPicPr>
+          <p:cNvPr id="3" name="그림 2"/>
+          <p:cNvPicPr>
+            <a:picLocks noChangeAspect="1"/>
+          </p:cNvPicPr>
+          <p:nvPr/>
+        </p:nvPicPr>
+        <p:blipFill>
+          <a:blip r:embed="rId3"/>
+          <a:stretch>
+            <a:fillRect/>
+          </a:stretch>
+        </p:blipFill>
+        <p:spPr>
+          <a:xfrm>
+            <a:off x="2065337" y="3095224"/>
+            <a:ext cx="6029325" cy="2266950"/>
+          </a:xfrm>
+          <a:prstGeom prst="rect">
+            <a:avLst/>
+          </a:prstGeom>
+        </p:spPr>
+      </p:pic>
+    </p:spTree>
+    <p:extLst>
+      <p:ext uri="{BB962C8B-B14F-4D97-AF65-F5344CB8AC3E}">
+        <p14:creationId xmlns:p14="http://schemas.microsoft.com/office/powerpoint/2010/main" val="1359617680"/>
+      </p:ext>
+    </p:extLst>
+  </p:cSld>
+  <p:clrMapOvr>
+    <a:masterClrMapping/>
+  </p:clrMapOvr>
+  <p:timing>
+    <p:tnLst>
+      <p:par>
+        <p:cTn id="1" dur="indefinite" restart="never" nodeType="tmRoot"/>
+      </p:par>
+    </p:tnLst>
+  </p:timing>
+</p:sld>
+</file>
+
+<file path=ppt/slides/slide15.xml><?xml version="1.0" encoding="utf-8"?>
+<p:sld xmlns:a="http://schemas.openxmlformats.org/drawingml/2006/main" xmlns:r="http://schemas.openxmlformats.org/officeDocument/2006/relationships" xmlns:p="http://schemas.openxmlformats.org/presentationml/2006/main">
+  <p:cSld>
+    <p:spTree>
+      <p:nvGrpSpPr>
+        <p:cNvPr id="1" name=""/>
+        <p:cNvGrpSpPr/>
+        <p:nvPr/>
+      </p:nvGrpSpPr>
+      <p:grpSpPr>
+        <a:xfrm>
+          <a:off x="0" y="0"/>
+          <a:ext cx="0" cy="0"/>
+          <a:chOff x="0" y="0"/>
+          <a:chExt cx="0" cy="0"/>
+        </a:xfrm>
+      </p:grpSpPr>
+      <p:cxnSp>
+        <p:nvCxnSpPr>
+          <p:cNvPr id="7" name="직선 연결선 6"/>
+          <p:cNvCxnSpPr/>
+          <p:nvPr/>
+        </p:nvCxnSpPr>
+        <p:spPr>
+          <a:xfrm>
+            <a:off x="0" y="683316"/>
+            <a:ext cx="2650435" cy="0"/>
+          </a:xfrm>
+          <a:prstGeom prst="line">
+            <a:avLst/>
+          </a:prstGeom>
+          <a:ln w="28575">
+            <a:solidFill>
+              <a:srgbClr val="ED553B"/>
+            </a:solidFill>
+            <a:tailEnd type="oval" w="lg" len="lg"/>
+          </a:ln>
+        </p:spPr>
+        <p:style>
+          <a:lnRef idx="1">
+            <a:schemeClr val="accent1"/>
+          </a:lnRef>
+          <a:fillRef idx="0">
+            <a:schemeClr val="accent1"/>
+          </a:fillRef>
+          <a:effectRef idx="0">
+            <a:schemeClr val="accent1"/>
+          </a:effectRef>
+          <a:fontRef idx="minor">
+            <a:schemeClr val="tx1"/>
+          </a:fontRef>
+        </p:style>
+      </p:cxnSp>
+      <p:sp>
+        <p:nvSpPr>
+          <p:cNvPr id="9" name="TextBox 8"/>
+          <p:cNvSpPr txBox="1"/>
+          <p:nvPr/>
+        </p:nvSpPr>
+        <p:spPr>
+          <a:xfrm>
+            <a:off x="322413" y="140957"/>
+            <a:ext cx="5552787" cy="400110"/>
+          </a:xfrm>
+          <a:prstGeom prst="rect">
+            <a:avLst/>
+          </a:prstGeom>
+          <a:noFill/>
+        </p:spPr>
+        <p:txBody>
+          <a:bodyPr wrap="square" rtlCol="0">
+            <a:spAutoFit/>
+          </a:bodyPr>
+          <a:lstStyle/>
+          <a:p>
+            <a:r>
+              <a:rPr lang="en-US" altLang="ko-KR" sz="2000" smtClean="0">
+                <a:ln>
+                  <a:solidFill>
+                    <a:schemeClr val="tx1">
+                      <a:alpha val="29000"/>
+                    </a:schemeClr>
+                  </a:solidFill>
+                </a:ln>
+                <a:latin typeface="+mn-ea"/>
+                <a:cs typeface="맑은 고딕 Semilight" panose="020B0502040204020203" pitchFamily="50" charset="-127"/>
+              </a:rPr>
+              <a:t>JavaScript</a:t>
+            </a:r>
+            <a:r>
+              <a:rPr lang="ko-KR" altLang="en-US" sz="2000" smtClean="0">
+                <a:ln>
+                  <a:solidFill>
+                    <a:schemeClr val="tx1">
+                      <a:alpha val="29000"/>
+                    </a:schemeClr>
+                  </a:solidFill>
+                </a:ln>
+                <a:latin typeface="+mn-ea"/>
+                <a:cs typeface="맑은 고딕 Semilight" panose="020B0502040204020203" pitchFamily="50" charset="-127"/>
+              </a:rPr>
+              <a:t>의 배열 </a:t>
+            </a:r>
+            <a:endParaRPr lang="en-US" altLang="ko-KR" sz="2000" dirty="0">
+              <a:ln>
+                <a:solidFill>
+                  <a:schemeClr val="tx1">
+                    <a:alpha val="29000"/>
+                  </a:schemeClr>
+                </a:solidFill>
+              </a:ln>
+              <a:latin typeface="+mn-ea"/>
+              <a:cs typeface="맑은 고딕 Semilight" panose="020B0502040204020203" pitchFamily="50" charset="-127"/>
+            </a:endParaRPr>
+          </a:p>
+        </p:txBody>
+      </p:sp>
+      <p:sp>
+        <p:nvSpPr>
+          <p:cNvPr id="74" name="TextBox 73"/>
+          <p:cNvSpPr txBox="1"/>
+          <p:nvPr/>
+        </p:nvSpPr>
+        <p:spPr>
+          <a:xfrm>
+            <a:off x="267599" y="825566"/>
+            <a:ext cx="9578660" cy="2446824"/>
+          </a:xfrm>
+          <a:prstGeom prst="rect">
+            <a:avLst/>
+          </a:prstGeom>
+          <a:noFill/>
+        </p:spPr>
+        <p:txBody>
+          <a:bodyPr wrap="square" rtlCol="0">
+            <a:spAutoFit/>
+          </a:bodyPr>
+          <a:lstStyle/>
+          <a:p>
+            <a:pPr marL="285750" indent="-285750">
+              <a:lnSpc>
+                <a:spcPct val="150000"/>
+              </a:lnSpc>
+              <a:buFont typeface="Arial" panose="020B0604020202020204" pitchFamily="34" charset="0"/>
+              <a:buChar char="•"/>
+            </a:pPr>
+            <a:r>
+              <a:rPr lang="ko-KR" altLang="en-US" sz="1800">
+                <a:ln>
+                  <a:solidFill>
+                    <a:schemeClr val="tx1">
+                      <a:alpha val="29000"/>
+                    </a:schemeClr>
+                  </a:solidFill>
+                </a:ln>
+                <a:latin typeface="+mn-ea"/>
+                <a:cs typeface="맑은 고딕 Semilight" panose="020B0502040204020203" pitchFamily="50" charset="-127"/>
+                <a:sym typeface="Wingdings" panose="05000000000000000000" pitchFamily="2" charset="2"/>
+              </a:rPr>
+              <a:t>연관 배열</a:t>
+            </a:r>
+            <a:r>
+              <a:rPr lang="en-US" altLang="ko-KR" sz="1800">
+                <a:ln>
+                  <a:solidFill>
+                    <a:schemeClr val="tx1">
+                      <a:alpha val="29000"/>
+                    </a:schemeClr>
+                  </a:solidFill>
+                </a:ln>
+                <a:latin typeface="+mn-ea"/>
+                <a:cs typeface="맑은 고딕 Semilight" panose="020B0502040204020203" pitchFamily="50" charset="-127"/>
+                <a:sym typeface="Wingdings" panose="05000000000000000000" pitchFamily="2" charset="2"/>
+              </a:rPr>
+              <a:t>(associative </a:t>
+            </a:r>
+            <a:r>
+              <a:rPr lang="en-US" altLang="ko-KR" sz="1800">
+                <a:ln>
+                  <a:solidFill>
+                    <a:schemeClr val="tx1">
+                      <a:alpha val="29000"/>
+                    </a:schemeClr>
+                  </a:solidFill>
+                </a:ln>
+                <a:latin typeface="+mn-ea"/>
+                <a:cs typeface="맑은 고딕 Semilight" panose="020B0502040204020203" pitchFamily="50" charset="-127"/>
+                <a:sym typeface="Wingdings" panose="05000000000000000000" pitchFamily="2" charset="2"/>
+              </a:rPr>
+              <a:t>array</a:t>
+            </a:r>
+            <a:r>
+              <a:rPr lang="en-US" altLang="ko-KR" sz="1800" smtClean="0">
+                <a:ln>
+                  <a:solidFill>
+                    <a:schemeClr val="tx1">
+                      <a:alpha val="29000"/>
+                    </a:schemeClr>
+                  </a:solidFill>
+                </a:ln>
+                <a:latin typeface="+mn-ea"/>
+                <a:cs typeface="맑은 고딕 Semilight" panose="020B0502040204020203" pitchFamily="50" charset="-127"/>
+                <a:sym typeface="Wingdings" panose="05000000000000000000" pitchFamily="2" charset="2"/>
+              </a:rPr>
+              <a:t>)</a:t>
+            </a:r>
+            <a:endParaRPr lang="en-US" altLang="ko-KR" sz="1800" dirty="0">
+              <a:ln>
+                <a:solidFill>
+                  <a:schemeClr val="tx1">
+                    <a:alpha val="29000"/>
+                  </a:schemeClr>
+                </a:solidFill>
+              </a:ln>
+              <a:latin typeface="+mn-ea"/>
+              <a:cs typeface="맑은 고딕 Semilight" panose="020B0502040204020203" pitchFamily="50" charset="-127"/>
+              <a:sym typeface="Wingdings" panose="05000000000000000000" pitchFamily="2" charset="2"/>
+            </a:endParaRPr>
+          </a:p>
+          <a:p>
+            <a:pPr marL="449263" lvl="1" indent="-182563">
+              <a:lnSpc>
+                <a:spcPct val="150000"/>
+              </a:lnSpc>
+              <a:buFontTx/>
+              <a:buChar char="-"/>
+              <a:tabLst>
+                <a:tab pos="182563" algn="l"/>
+                <a:tab pos="449263" algn="l"/>
+              </a:tabLst>
+            </a:pPr>
+            <a:r>
+              <a:rPr lang="ko-KR" altLang="en-US" sz="1400">
+                <a:ln>
+                  <a:solidFill>
+                    <a:schemeClr val="tx1">
+                      <a:alpha val="29000"/>
+                    </a:schemeClr>
+                  </a:solidFill>
+                </a:ln>
+                <a:latin typeface="+mn-ea"/>
+                <a:cs typeface="맑은 고딕 Semilight" panose="020B0502040204020203" pitchFamily="50" charset="-127"/>
+              </a:rPr>
+              <a:t>자바스크립트에서 배열의 인덱스에는 </a:t>
+            </a:r>
+            <a:r>
+              <a:rPr lang="en-US" altLang="ko-KR" sz="1400">
+                <a:ln>
+                  <a:solidFill>
+                    <a:schemeClr val="tx1">
+                      <a:alpha val="29000"/>
+                    </a:schemeClr>
+                  </a:solidFill>
+                </a:ln>
+                <a:latin typeface="+mn-ea"/>
+                <a:cs typeface="맑은 고딕 Semilight" panose="020B0502040204020203" pitchFamily="50" charset="-127"/>
+              </a:rPr>
+              <a:t>0</a:t>
+            </a:r>
+            <a:r>
+              <a:rPr lang="ko-KR" altLang="en-US" sz="1400">
+                <a:ln>
+                  <a:solidFill>
+                    <a:schemeClr val="tx1">
+                      <a:alpha val="29000"/>
+                    </a:schemeClr>
+                  </a:solidFill>
+                </a:ln>
+                <a:latin typeface="+mn-ea"/>
+                <a:cs typeface="맑은 고딕 Semilight" panose="020B0502040204020203" pitchFamily="50" charset="-127"/>
+              </a:rPr>
+              <a:t>을 포함한 양의 정수만을 사용할 </a:t>
+            </a:r>
+            <a:r>
+              <a:rPr lang="ko-KR" altLang="en-US" sz="1400">
+                <a:ln>
+                  <a:solidFill>
+                    <a:schemeClr val="tx1">
+                      <a:alpha val="29000"/>
+                    </a:schemeClr>
+                  </a:solidFill>
+                </a:ln>
+                <a:latin typeface="+mn-ea"/>
+                <a:cs typeface="맑은 고딕 Semilight" panose="020B0502040204020203" pitchFamily="50" charset="-127"/>
+              </a:rPr>
+              <a:t>수 </a:t>
+            </a:r>
+            <a:r>
+              <a:rPr lang="ko-KR" altLang="en-US" sz="1400" smtClean="0">
+                <a:ln>
+                  <a:solidFill>
+                    <a:schemeClr val="tx1">
+                      <a:alpha val="29000"/>
+                    </a:schemeClr>
+                  </a:solidFill>
+                </a:ln>
+                <a:latin typeface="+mn-ea"/>
+                <a:cs typeface="맑은 고딕 Semilight" panose="020B0502040204020203" pitchFamily="50" charset="-127"/>
+              </a:rPr>
+              <a:t>있음</a:t>
+            </a:r>
+            <a:endParaRPr lang="en-US" altLang="ko-KR" sz="1400">
+              <a:ln>
+                <a:solidFill>
+                  <a:schemeClr val="tx1">
+                    <a:alpha val="29000"/>
+                  </a:schemeClr>
+                </a:solidFill>
+              </a:ln>
+              <a:latin typeface="+mn-ea"/>
+              <a:cs typeface="맑은 고딕 Semilight" panose="020B0502040204020203" pitchFamily="50" charset="-127"/>
+            </a:endParaRPr>
+          </a:p>
+          <a:p>
+            <a:pPr marL="449263" lvl="1" indent="-182563">
+              <a:lnSpc>
+                <a:spcPct val="150000"/>
+              </a:lnSpc>
+              <a:buFontTx/>
+              <a:buChar char="-"/>
+              <a:tabLst>
+                <a:tab pos="182563" algn="l"/>
+                <a:tab pos="449263" algn="l"/>
+              </a:tabLst>
+            </a:pPr>
+            <a:r>
+              <a:rPr lang="ko-KR" altLang="en-US" sz="1400">
+                <a:ln>
+                  <a:solidFill>
+                    <a:schemeClr val="tx1">
+                      <a:alpha val="29000"/>
+                    </a:schemeClr>
+                  </a:solidFill>
+                </a:ln>
+                <a:latin typeface="+mn-ea"/>
+                <a:cs typeface="맑은 고딕 Semilight" panose="020B0502040204020203" pitchFamily="50" charset="-127"/>
+              </a:rPr>
+              <a:t>이렇게 숫자로 된 인덱스 대신에 문자열로 된 키</a:t>
+            </a:r>
+            <a:r>
+              <a:rPr lang="en-US" altLang="ko-KR" sz="1400">
+                <a:ln>
+                  <a:solidFill>
+                    <a:schemeClr val="tx1">
+                      <a:alpha val="29000"/>
+                    </a:schemeClr>
+                  </a:solidFill>
+                </a:ln>
+                <a:latin typeface="+mn-ea"/>
+                <a:cs typeface="맑은 고딕 Semilight" panose="020B0502040204020203" pitchFamily="50" charset="-127"/>
+              </a:rPr>
+              <a:t>(key)</a:t>
+            </a:r>
+            <a:r>
+              <a:rPr lang="ko-KR" altLang="en-US" sz="1400">
+                <a:ln>
+                  <a:solidFill>
+                    <a:schemeClr val="tx1">
+                      <a:alpha val="29000"/>
+                    </a:schemeClr>
+                  </a:solidFill>
+                </a:ln>
+                <a:latin typeface="+mn-ea"/>
+                <a:cs typeface="맑은 고딕 Semilight" panose="020B0502040204020203" pitchFamily="50" charset="-127"/>
+              </a:rPr>
+              <a:t>를 사용하는 배열을 연관 배열</a:t>
+            </a:r>
+            <a:r>
+              <a:rPr lang="en-US" altLang="ko-KR" sz="1400">
+                <a:ln>
+                  <a:solidFill>
+                    <a:schemeClr val="tx1">
+                      <a:alpha val="29000"/>
+                    </a:schemeClr>
+                  </a:solidFill>
+                </a:ln>
+                <a:latin typeface="+mn-ea"/>
+                <a:cs typeface="맑은 고딕 Semilight" panose="020B0502040204020203" pitchFamily="50" charset="-127"/>
+              </a:rPr>
+              <a:t>(associative </a:t>
+            </a:r>
+            <a:r>
+              <a:rPr lang="en-US" altLang="ko-KR" sz="1400">
+                <a:ln>
+                  <a:solidFill>
+                    <a:schemeClr val="tx1">
+                      <a:alpha val="29000"/>
+                    </a:schemeClr>
+                  </a:solidFill>
+                </a:ln>
+                <a:latin typeface="+mn-ea"/>
+                <a:cs typeface="맑은 고딕 Semilight" panose="020B0502040204020203" pitchFamily="50" charset="-127"/>
+              </a:rPr>
+              <a:t>array</a:t>
+            </a:r>
+            <a:r>
+              <a:rPr lang="en-US" altLang="ko-KR" sz="1400" smtClean="0">
+                <a:ln>
+                  <a:solidFill>
+                    <a:schemeClr val="tx1">
+                      <a:alpha val="29000"/>
+                    </a:schemeClr>
+                  </a:solidFill>
+                </a:ln>
+                <a:latin typeface="+mn-ea"/>
+                <a:cs typeface="맑은 고딕 Semilight" panose="020B0502040204020203" pitchFamily="50" charset="-127"/>
+              </a:rPr>
+              <a:t>)</a:t>
+            </a:r>
+            <a:endParaRPr lang="en-US" altLang="ko-KR" sz="1400">
+              <a:ln>
+                <a:solidFill>
+                  <a:schemeClr val="tx1">
+                    <a:alpha val="29000"/>
+                  </a:schemeClr>
+                </a:solidFill>
+              </a:ln>
+              <a:latin typeface="+mn-ea"/>
+              <a:cs typeface="맑은 고딕 Semilight" panose="020B0502040204020203" pitchFamily="50" charset="-127"/>
+            </a:endParaRPr>
+          </a:p>
+          <a:p>
+            <a:pPr marL="449263" lvl="1" indent="-182563">
+              <a:lnSpc>
+                <a:spcPct val="150000"/>
+              </a:lnSpc>
+              <a:buFontTx/>
+              <a:buChar char="-"/>
+              <a:tabLst>
+                <a:tab pos="182563" algn="l"/>
+                <a:tab pos="449263" algn="l"/>
+              </a:tabLst>
+            </a:pPr>
+            <a:r>
+              <a:rPr lang="ko-KR" altLang="en-US" sz="1400" smtClean="0">
+                <a:ln>
+                  <a:solidFill>
+                    <a:schemeClr val="tx1">
+                      <a:alpha val="29000"/>
+                    </a:schemeClr>
+                  </a:solidFill>
+                </a:ln>
+                <a:latin typeface="+mn-ea"/>
+                <a:cs typeface="맑은 고딕 Semilight" panose="020B0502040204020203" pitchFamily="50" charset="-127"/>
+              </a:rPr>
+              <a:t>대부분의 </a:t>
+            </a:r>
+            <a:r>
+              <a:rPr lang="ko-KR" altLang="en-US" sz="1400">
+                <a:ln>
+                  <a:solidFill>
+                    <a:schemeClr val="tx1">
+                      <a:alpha val="29000"/>
+                    </a:schemeClr>
+                  </a:solidFill>
+                </a:ln>
+                <a:latin typeface="+mn-ea"/>
+                <a:cs typeface="맑은 고딕 Semilight" panose="020B0502040204020203" pitchFamily="50" charset="-127"/>
+              </a:rPr>
+              <a:t>프로그래밍 언어가 지원하는 연관 배열을 자바스크립트는 별도로 </a:t>
+            </a:r>
+            <a:r>
+              <a:rPr lang="ko-KR" altLang="en-US" sz="1400">
+                <a:ln>
+                  <a:solidFill>
+                    <a:schemeClr val="tx1">
+                      <a:alpha val="29000"/>
+                    </a:schemeClr>
+                  </a:solidFill>
+                </a:ln>
+                <a:latin typeface="+mn-ea"/>
+                <a:cs typeface="맑은 고딕 Semilight" panose="020B0502040204020203" pitchFamily="50" charset="-127"/>
+              </a:rPr>
+              <a:t>제공하지는 </a:t>
+            </a:r>
+            <a:r>
+              <a:rPr lang="ko-KR" altLang="en-US" sz="1400" smtClean="0">
+                <a:ln>
+                  <a:solidFill>
+                    <a:schemeClr val="tx1">
+                      <a:alpha val="29000"/>
+                    </a:schemeClr>
+                  </a:solidFill>
+                </a:ln>
+                <a:latin typeface="+mn-ea"/>
+                <a:cs typeface="맑은 고딕 Semilight" panose="020B0502040204020203" pitchFamily="50" charset="-127"/>
+              </a:rPr>
+              <a:t>않음</a:t>
+            </a:r>
+            <a:endParaRPr lang="en-US" altLang="ko-KR" sz="1400">
+              <a:ln>
+                <a:solidFill>
+                  <a:schemeClr val="tx1">
+                    <a:alpha val="29000"/>
+                  </a:schemeClr>
+                </a:solidFill>
+              </a:ln>
+              <a:latin typeface="+mn-ea"/>
+              <a:cs typeface="맑은 고딕 Semilight" panose="020B0502040204020203" pitchFamily="50" charset="-127"/>
+            </a:endParaRPr>
+          </a:p>
+          <a:p>
+            <a:pPr marL="449263" lvl="1" indent="-182563">
+              <a:lnSpc>
+                <a:spcPct val="150000"/>
+              </a:lnSpc>
+              <a:buFontTx/>
+              <a:buChar char="-"/>
+              <a:tabLst>
+                <a:tab pos="182563" algn="l"/>
+                <a:tab pos="449263" algn="l"/>
+              </a:tabLst>
+            </a:pPr>
+            <a:r>
+              <a:rPr lang="ko-KR" altLang="en-US" sz="1400">
+                <a:ln>
+                  <a:solidFill>
+                    <a:schemeClr val="tx1">
+                      <a:alpha val="29000"/>
+                    </a:schemeClr>
+                  </a:solidFill>
+                </a:ln>
+                <a:latin typeface="+mn-ea"/>
+                <a:cs typeface="맑은 고딕 Semilight" panose="020B0502040204020203" pitchFamily="50" charset="-127"/>
+              </a:rPr>
+              <a:t>대신에 인덱스로 문자열을 사용하여 연관 배열처럼 사용할 수 있는 객체</a:t>
+            </a:r>
+            <a:r>
+              <a:rPr lang="en-US" altLang="ko-KR" sz="1400">
+                <a:ln>
+                  <a:solidFill>
+                    <a:schemeClr val="tx1">
+                      <a:alpha val="29000"/>
+                    </a:schemeClr>
+                  </a:solidFill>
+                </a:ln>
+                <a:latin typeface="+mn-ea"/>
+                <a:cs typeface="맑은 고딕 Semilight" panose="020B0502040204020203" pitchFamily="50" charset="-127"/>
+              </a:rPr>
+              <a:t>(object)</a:t>
+            </a:r>
+            <a:r>
+              <a:rPr lang="ko-KR" altLang="en-US" sz="1400">
+                <a:ln>
+                  <a:solidFill>
+                    <a:schemeClr val="tx1">
+                      <a:alpha val="29000"/>
+                    </a:schemeClr>
+                  </a:solidFill>
+                </a:ln>
+                <a:latin typeface="+mn-ea"/>
+                <a:cs typeface="맑은 고딕 Semilight" panose="020B0502040204020203" pitchFamily="50" charset="-127"/>
+              </a:rPr>
+              <a:t>를 만들 </a:t>
+            </a:r>
+            <a:r>
+              <a:rPr lang="ko-KR" altLang="en-US" sz="1400">
+                <a:ln>
+                  <a:solidFill>
+                    <a:schemeClr val="tx1">
+                      <a:alpha val="29000"/>
+                    </a:schemeClr>
+                  </a:solidFill>
+                </a:ln>
+                <a:latin typeface="+mn-ea"/>
+                <a:cs typeface="맑은 고딕 Semilight" panose="020B0502040204020203" pitchFamily="50" charset="-127"/>
+              </a:rPr>
+              <a:t>수 </a:t>
+            </a:r>
+            <a:r>
+              <a:rPr lang="ko-KR" altLang="en-US" sz="1400" smtClean="0">
+                <a:ln>
+                  <a:solidFill>
+                    <a:schemeClr val="tx1">
+                      <a:alpha val="29000"/>
+                    </a:schemeClr>
+                  </a:solidFill>
+                </a:ln>
+                <a:latin typeface="+mn-ea"/>
+                <a:cs typeface="맑은 고딕 Semilight" panose="020B0502040204020203" pitchFamily="50" charset="-127"/>
+              </a:rPr>
+              <a:t>있음</a:t>
+            </a:r>
+            <a:endParaRPr lang="en-US" altLang="ko-KR" sz="1400">
+              <a:ln>
+                <a:solidFill>
+                  <a:schemeClr val="tx1">
+                    <a:alpha val="29000"/>
+                  </a:schemeClr>
+                </a:solidFill>
+              </a:ln>
+              <a:latin typeface="+mn-ea"/>
+              <a:cs typeface="맑은 고딕 Semilight" panose="020B0502040204020203" pitchFamily="50" charset="-127"/>
+            </a:endParaRPr>
+          </a:p>
+          <a:p>
+            <a:pPr marL="449263" lvl="1" indent="-182563">
+              <a:lnSpc>
+                <a:spcPct val="150000"/>
+              </a:lnSpc>
+              <a:buFontTx/>
+              <a:buChar char="-"/>
+              <a:tabLst>
+                <a:tab pos="182563" algn="l"/>
+                <a:tab pos="449263" algn="l"/>
+              </a:tabLst>
+            </a:pPr>
+            <a:r>
+              <a:rPr lang="ko-KR" altLang="en-US" sz="1400">
+                <a:ln>
+                  <a:solidFill>
+                    <a:schemeClr val="tx1">
+                      <a:alpha val="29000"/>
+                    </a:schemeClr>
+                  </a:solidFill>
+                </a:ln>
+                <a:latin typeface="+mn-ea"/>
+                <a:cs typeface="맑은 고딕 Semilight" panose="020B0502040204020203" pitchFamily="50" charset="-127"/>
+              </a:rPr>
+              <a:t>하지만 이렇게 생성된 배열은 자바스크립트 내부적으로 </a:t>
+            </a:r>
+            <a:r>
+              <a:rPr lang="en-US" altLang="ko-KR" sz="1400">
+                <a:ln>
+                  <a:solidFill>
+                    <a:schemeClr val="tx1">
+                      <a:alpha val="29000"/>
+                    </a:schemeClr>
+                  </a:solidFill>
+                </a:ln>
+                <a:latin typeface="+mn-ea"/>
+                <a:cs typeface="맑은 고딕 Semilight" panose="020B0502040204020203" pitchFamily="50" charset="-127"/>
+              </a:rPr>
+              <a:t>Array </a:t>
+            </a:r>
+            <a:r>
+              <a:rPr lang="ko-KR" altLang="en-US" sz="1400">
+                <a:ln>
+                  <a:solidFill>
+                    <a:schemeClr val="tx1">
+                      <a:alpha val="29000"/>
+                    </a:schemeClr>
+                  </a:solidFill>
+                </a:ln>
+                <a:latin typeface="+mn-ea"/>
+                <a:cs typeface="맑은 고딕 Semilight" panose="020B0502040204020203" pitchFamily="50" charset="-127"/>
+              </a:rPr>
+              <a:t>객체에서 기본 </a:t>
+            </a:r>
+            <a:r>
+              <a:rPr lang="ko-KR" altLang="en-US" sz="1400">
+                <a:ln>
+                  <a:solidFill>
+                    <a:schemeClr val="tx1">
+                      <a:alpha val="29000"/>
+                    </a:schemeClr>
+                  </a:solidFill>
+                </a:ln>
+                <a:latin typeface="+mn-ea"/>
+                <a:cs typeface="맑은 고딕 Semilight" panose="020B0502040204020203" pitchFamily="50" charset="-127"/>
+              </a:rPr>
+              <a:t>객체로 </a:t>
+            </a:r>
+            <a:r>
+              <a:rPr lang="ko-KR" altLang="en-US" sz="1400" smtClean="0">
+                <a:ln>
+                  <a:solidFill>
+                    <a:schemeClr val="tx1">
+                      <a:alpha val="29000"/>
+                    </a:schemeClr>
+                  </a:solidFill>
+                </a:ln>
+                <a:latin typeface="+mn-ea"/>
+                <a:cs typeface="맑은 고딕 Semilight" panose="020B0502040204020203" pitchFamily="50" charset="-127"/>
+              </a:rPr>
+              <a:t>재선언</a:t>
+            </a:r>
+            <a:endParaRPr lang="en-US" altLang="ko-KR" sz="1400">
+              <a:ln>
+                <a:solidFill>
+                  <a:schemeClr val="tx1">
+                    <a:alpha val="29000"/>
+                  </a:schemeClr>
+                </a:solidFill>
+              </a:ln>
+              <a:latin typeface="+mn-ea"/>
+              <a:cs typeface="맑은 고딕 Semilight" panose="020B0502040204020203" pitchFamily="50" charset="-127"/>
+            </a:endParaRPr>
+          </a:p>
+          <a:p>
+            <a:pPr marL="449263" lvl="1" indent="-182563">
+              <a:lnSpc>
+                <a:spcPct val="150000"/>
+              </a:lnSpc>
+              <a:buFontTx/>
+              <a:buChar char="-"/>
+              <a:tabLst>
+                <a:tab pos="182563" algn="l"/>
+                <a:tab pos="449263" algn="l"/>
+              </a:tabLst>
+            </a:pPr>
+            <a:r>
+              <a:rPr lang="ko-KR" altLang="en-US" sz="1400">
+                <a:ln>
+                  <a:solidFill>
+                    <a:schemeClr val="tx1">
+                      <a:alpha val="29000"/>
+                    </a:schemeClr>
+                  </a:solidFill>
+                </a:ln>
+                <a:latin typeface="+mn-ea"/>
+                <a:cs typeface="맑은 고딕 Semilight" panose="020B0502040204020203" pitchFamily="50" charset="-127"/>
+              </a:rPr>
+              <a:t>따라서 기존에 사용할 수 있었던 모든 </a:t>
+            </a:r>
+            <a:r>
+              <a:rPr lang="en-US" altLang="ko-KR" sz="1400">
+                <a:ln>
+                  <a:solidFill>
+                    <a:schemeClr val="tx1">
+                      <a:alpha val="29000"/>
+                    </a:schemeClr>
+                  </a:solidFill>
+                </a:ln>
+                <a:latin typeface="+mn-ea"/>
+                <a:cs typeface="맑은 고딕 Semilight" panose="020B0502040204020203" pitchFamily="50" charset="-127"/>
+              </a:rPr>
+              <a:t>Array </a:t>
+            </a:r>
+            <a:r>
+              <a:rPr lang="ko-KR" altLang="en-US" sz="1400">
+                <a:ln>
+                  <a:solidFill>
+                    <a:schemeClr val="tx1">
+                      <a:alpha val="29000"/>
+                    </a:schemeClr>
+                  </a:solidFill>
+                </a:ln>
+                <a:latin typeface="+mn-ea"/>
+                <a:cs typeface="맑은 고딕 Semilight" panose="020B0502040204020203" pitchFamily="50" charset="-127"/>
+              </a:rPr>
+              <a:t>메소드와 프로퍼티가 정확하지 않은 결괏값을 반환하게 </a:t>
+            </a:r>
+            <a:r>
+              <a:rPr lang="ko-KR" altLang="en-US" sz="1400">
+                <a:ln>
+                  <a:solidFill>
+                    <a:schemeClr val="tx1">
+                      <a:alpha val="29000"/>
+                    </a:schemeClr>
+                  </a:solidFill>
+                </a:ln>
+                <a:latin typeface="+mn-ea"/>
+                <a:cs typeface="맑은 고딕 Semilight" panose="020B0502040204020203" pitchFamily="50" charset="-127"/>
+              </a:rPr>
+              <a:t>될 </a:t>
+            </a:r>
+            <a:r>
+              <a:rPr lang="ko-KR" altLang="en-US" sz="1400" smtClean="0">
+                <a:ln>
+                  <a:solidFill>
+                    <a:schemeClr val="tx1">
+                      <a:alpha val="29000"/>
+                    </a:schemeClr>
+                  </a:solidFill>
+                </a:ln>
+                <a:latin typeface="+mn-ea"/>
+                <a:cs typeface="맑은 고딕 Semilight" panose="020B0502040204020203" pitchFamily="50" charset="-127"/>
+              </a:rPr>
+              <a:t>것</a:t>
+            </a:r>
+            <a:endParaRPr lang="en-US" altLang="ko-KR" sz="1400" smtClean="0">
+              <a:ln>
+                <a:solidFill>
+                  <a:schemeClr val="tx1">
+                    <a:alpha val="29000"/>
+                  </a:schemeClr>
+                </a:solidFill>
+              </a:ln>
+              <a:latin typeface="+mn-ea"/>
+              <a:cs typeface="맑은 고딕 Semilight" panose="020B0502040204020203" pitchFamily="50" charset="-127"/>
+            </a:endParaRPr>
+          </a:p>
+        </p:txBody>
+      </p:sp>
+    </p:spTree>
+    <p:extLst>
+      <p:ext uri="{BB962C8B-B14F-4D97-AF65-F5344CB8AC3E}">
+        <p14:creationId xmlns:p14="http://schemas.microsoft.com/office/powerpoint/2010/main" val="2492535328"/>
+      </p:ext>
+    </p:extLst>
+  </p:cSld>
+  <p:clrMapOvr>
+    <a:masterClrMapping/>
+  </p:clrMapOvr>
+  <p:timing>
+    <p:tnLst>
+      <p:par>
+        <p:cTn id="1" dur="indefinite" restart="never" nodeType="tmRoot"/>
+      </p:par>
+    </p:tnLst>
+  </p:timing>
+</p:sld>
+</file>
+
+<file path=ppt/slides/slide16.xml><?xml version="1.0" encoding="utf-8"?>
+<p:sld xmlns:a="http://schemas.openxmlformats.org/drawingml/2006/main" xmlns:r="http://schemas.openxmlformats.org/officeDocument/2006/relationships" xmlns:p="http://schemas.openxmlformats.org/presentationml/2006/main">
+  <p:cSld>
+    <p:spTree>
+      <p:nvGrpSpPr>
+        <p:cNvPr id="1" name=""/>
+        <p:cNvGrpSpPr/>
+        <p:nvPr/>
+      </p:nvGrpSpPr>
+      <p:grpSpPr>
+        <a:xfrm>
+          <a:off x="0" y="0"/>
+          <a:ext cx="0" cy="0"/>
+          <a:chOff x="0" y="0"/>
+          <a:chExt cx="0" cy="0"/>
+        </a:xfrm>
+      </p:grpSpPr>
+      <p:cxnSp>
+        <p:nvCxnSpPr>
+          <p:cNvPr id="7" name="직선 연결선 6"/>
+          <p:cNvCxnSpPr/>
+          <p:nvPr/>
+        </p:nvCxnSpPr>
+        <p:spPr>
+          <a:xfrm>
+            <a:off x="0" y="683316"/>
+            <a:ext cx="2650435" cy="0"/>
+          </a:xfrm>
+          <a:prstGeom prst="line">
+            <a:avLst/>
+          </a:prstGeom>
+          <a:ln w="28575">
+            <a:solidFill>
+              <a:srgbClr val="ED553B"/>
+            </a:solidFill>
+            <a:tailEnd type="oval" w="lg" len="lg"/>
+          </a:ln>
+        </p:spPr>
+        <p:style>
+          <a:lnRef idx="1">
+            <a:schemeClr val="accent1"/>
+          </a:lnRef>
+          <a:fillRef idx="0">
+            <a:schemeClr val="accent1"/>
+          </a:fillRef>
+          <a:effectRef idx="0">
+            <a:schemeClr val="accent1"/>
+          </a:effectRef>
+          <a:fontRef idx="minor">
+            <a:schemeClr val="tx1"/>
+          </a:fontRef>
+        </p:style>
+      </p:cxnSp>
+      <p:sp>
+        <p:nvSpPr>
+          <p:cNvPr id="9" name="TextBox 8"/>
+          <p:cNvSpPr txBox="1"/>
+          <p:nvPr/>
+        </p:nvSpPr>
+        <p:spPr>
+          <a:xfrm>
+            <a:off x="322413" y="140957"/>
+            <a:ext cx="5552787" cy="400110"/>
+          </a:xfrm>
+          <a:prstGeom prst="rect">
+            <a:avLst/>
+          </a:prstGeom>
+          <a:noFill/>
+        </p:spPr>
+        <p:txBody>
+          <a:bodyPr wrap="square" rtlCol="0">
+            <a:spAutoFit/>
+          </a:bodyPr>
+          <a:lstStyle/>
+          <a:p>
+            <a:r>
+              <a:rPr lang="en-US" altLang="ko-KR" sz="2000" smtClean="0">
+                <a:ln>
+                  <a:solidFill>
+                    <a:schemeClr val="tx1">
+                      <a:alpha val="29000"/>
+                    </a:schemeClr>
+                  </a:solidFill>
+                </a:ln>
+                <a:latin typeface="+mn-ea"/>
+                <a:cs typeface="맑은 고딕 Semilight" panose="020B0502040204020203" pitchFamily="50" charset="-127"/>
+              </a:rPr>
+              <a:t>JavaScript</a:t>
+            </a:r>
+            <a:r>
+              <a:rPr lang="ko-KR" altLang="en-US" sz="2000" smtClean="0">
+                <a:ln>
+                  <a:solidFill>
+                    <a:schemeClr val="tx1">
+                      <a:alpha val="29000"/>
+                    </a:schemeClr>
+                  </a:solidFill>
+                </a:ln>
+                <a:latin typeface="+mn-ea"/>
+                <a:cs typeface="맑은 고딕 Semilight" panose="020B0502040204020203" pitchFamily="50" charset="-127"/>
+              </a:rPr>
+              <a:t>의 배열 </a:t>
+            </a:r>
+            <a:endParaRPr lang="en-US" altLang="ko-KR" sz="2000" dirty="0">
+              <a:ln>
+                <a:solidFill>
+                  <a:schemeClr val="tx1">
+                    <a:alpha val="29000"/>
+                  </a:schemeClr>
+                </a:solidFill>
+              </a:ln>
+              <a:latin typeface="+mn-ea"/>
+              <a:cs typeface="맑은 고딕 Semilight" panose="020B0502040204020203" pitchFamily="50" charset="-127"/>
+            </a:endParaRPr>
+          </a:p>
+        </p:txBody>
+      </p:sp>
+      <p:sp>
+        <p:nvSpPr>
+          <p:cNvPr id="74" name="TextBox 73"/>
+          <p:cNvSpPr txBox="1"/>
+          <p:nvPr/>
+        </p:nvSpPr>
+        <p:spPr>
+          <a:xfrm>
+            <a:off x="267599" y="825566"/>
+            <a:ext cx="9578660" cy="830997"/>
+          </a:xfrm>
+          <a:prstGeom prst="rect">
+            <a:avLst/>
+          </a:prstGeom>
+          <a:noFill/>
+        </p:spPr>
+        <p:txBody>
+          <a:bodyPr wrap="square" rtlCol="0">
+            <a:spAutoFit/>
+          </a:bodyPr>
+          <a:lstStyle/>
+          <a:p>
+            <a:pPr marL="285750" indent="-285750">
+              <a:lnSpc>
+                <a:spcPct val="150000"/>
+              </a:lnSpc>
+              <a:buFont typeface="Arial" panose="020B0604020202020204" pitchFamily="34" charset="0"/>
+              <a:buChar char="•"/>
+            </a:pPr>
+            <a:r>
+              <a:rPr lang="ko-KR" altLang="en-US" sz="1800">
+                <a:ln>
+                  <a:solidFill>
+                    <a:schemeClr val="tx1">
+                      <a:alpha val="29000"/>
+                    </a:schemeClr>
+                  </a:solidFill>
+                </a:ln>
+                <a:latin typeface="+mn-ea"/>
+                <a:cs typeface="맑은 고딕 Semilight" panose="020B0502040204020203" pitchFamily="50" charset="-127"/>
+                <a:sym typeface="Wingdings" panose="05000000000000000000" pitchFamily="2" charset="2"/>
+              </a:rPr>
+              <a:t>연관 배열</a:t>
+            </a:r>
+            <a:r>
+              <a:rPr lang="en-US" altLang="ko-KR" sz="1800">
+                <a:ln>
+                  <a:solidFill>
+                    <a:schemeClr val="tx1">
+                      <a:alpha val="29000"/>
+                    </a:schemeClr>
+                  </a:solidFill>
+                </a:ln>
+                <a:latin typeface="+mn-ea"/>
+                <a:cs typeface="맑은 고딕 Semilight" panose="020B0502040204020203" pitchFamily="50" charset="-127"/>
+                <a:sym typeface="Wingdings" panose="05000000000000000000" pitchFamily="2" charset="2"/>
+              </a:rPr>
+              <a:t>(associative </a:t>
+            </a:r>
+            <a:r>
+              <a:rPr lang="en-US" altLang="ko-KR" sz="1800">
+                <a:ln>
+                  <a:solidFill>
+                    <a:schemeClr val="tx1">
+                      <a:alpha val="29000"/>
+                    </a:schemeClr>
+                  </a:solidFill>
+                </a:ln>
+                <a:latin typeface="+mn-ea"/>
+                <a:cs typeface="맑은 고딕 Semilight" panose="020B0502040204020203" pitchFamily="50" charset="-127"/>
+                <a:sym typeface="Wingdings" panose="05000000000000000000" pitchFamily="2" charset="2"/>
+              </a:rPr>
+              <a:t>array</a:t>
+            </a:r>
+            <a:r>
+              <a:rPr lang="en-US" altLang="ko-KR" sz="1800" smtClean="0">
+                <a:ln>
+                  <a:solidFill>
+                    <a:schemeClr val="tx1">
+                      <a:alpha val="29000"/>
+                    </a:schemeClr>
+                  </a:solidFill>
+                </a:ln>
+                <a:latin typeface="+mn-ea"/>
+                <a:cs typeface="맑은 고딕 Semilight" panose="020B0502040204020203" pitchFamily="50" charset="-127"/>
+                <a:sym typeface="Wingdings" panose="05000000000000000000" pitchFamily="2" charset="2"/>
+              </a:rPr>
+              <a:t>)</a:t>
+            </a:r>
+            <a:endParaRPr lang="en-US" altLang="ko-KR" sz="1800" dirty="0">
+              <a:ln>
+                <a:solidFill>
+                  <a:schemeClr val="tx1">
+                    <a:alpha val="29000"/>
+                  </a:schemeClr>
+                </a:solidFill>
+              </a:ln>
+              <a:latin typeface="+mn-ea"/>
+              <a:cs typeface="맑은 고딕 Semilight" panose="020B0502040204020203" pitchFamily="50" charset="-127"/>
+              <a:sym typeface="Wingdings" panose="05000000000000000000" pitchFamily="2" charset="2"/>
+            </a:endParaRPr>
+          </a:p>
+          <a:p>
+            <a:pPr marL="449263" lvl="1" indent="-182563">
+              <a:lnSpc>
+                <a:spcPct val="150000"/>
+              </a:lnSpc>
+              <a:buFontTx/>
+              <a:buChar char="-"/>
+              <a:tabLst>
+                <a:tab pos="182563" algn="l"/>
+                <a:tab pos="449263" algn="l"/>
+              </a:tabLst>
+            </a:pPr>
+            <a:r>
+              <a:rPr lang="ko-KR" altLang="en-US" sz="1400" smtClean="0">
+                <a:ln>
+                  <a:solidFill>
+                    <a:schemeClr val="tx1">
+                      <a:alpha val="29000"/>
+                    </a:schemeClr>
+                  </a:solidFill>
+                </a:ln>
+                <a:latin typeface="+mn-ea"/>
+                <a:cs typeface="맑은 고딕 Semilight" panose="020B0502040204020203" pitchFamily="50" charset="-127"/>
+              </a:rPr>
+              <a:t>에제</a:t>
+            </a:r>
+            <a:endParaRPr lang="en-US" altLang="ko-KR" sz="1400" smtClean="0">
+              <a:ln>
+                <a:solidFill>
+                  <a:schemeClr val="tx1">
+                    <a:alpha val="29000"/>
+                  </a:schemeClr>
+                </a:solidFill>
+              </a:ln>
+              <a:latin typeface="+mn-ea"/>
+              <a:cs typeface="맑은 고딕 Semilight" panose="020B0502040204020203" pitchFamily="50" charset="-127"/>
+            </a:endParaRPr>
+          </a:p>
+        </p:txBody>
+      </p:sp>
+      <p:pic>
+        <p:nvPicPr>
+          <p:cNvPr id="2" name="그림 1"/>
+          <p:cNvPicPr>
+            <a:picLocks noChangeAspect="1"/>
+          </p:cNvPicPr>
+          <p:nvPr/>
+        </p:nvPicPr>
+        <p:blipFill>
+          <a:blip r:embed="rId3"/>
+          <a:stretch>
+            <a:fillRect/>
+          </a:stretch>
+        </p:blipFill>
+        <p:spPr>
+          <a:xfrm>
+            <a:off x="2070100" y="2372139"/>
+            <a:ext cx="6019800" cy="2057400"/>
+          </a:xfrm>
+          <a:prstGeom prst="rect">
+            <a:avLst/>
+          </a:prstGeom>
+        </p:spPr>
+      </p:pic>
+    </p:spTree>
+    <p:extLst>
+      <p:ext uri="{BB962C8B-B14F-4D97-AF65-F5344CB8AC3E}">
+        <p14:creationId xmlns:p14="http://schemas.microsoft.com/office/powerpoint/2010/main" val="2447310806"/>
+      </p:ext>
+    </p:extLst>
+  </p:cSld>
+  <p:clrMapOvr>
+    <a:masterClrMapping/>
+  </p:clrMapOvr>
+  <p:timing>
+    <p:tnLst>
+      <p:par>
+        <p:cTn id="1" dur="indefinite" restart="never" nodeType="tmRoot"/>
+      </p:par>
+    </p:tnLst>
+  </p:timing>
+</p:sld>
+</file>
+
+<file path=ppt/slides/slide17.xml><?xml version="1.0" encoding="utf-8"?>
+<p:sld xmlns:a="http://schemas.openxmlformats.org/drawingml/2006/main" xmlns:r="http://schemas.openxmlformats.org/officeDocument/2006/relationships" xmlns:p="http://schemas.openxmlformats.org/presentationml/2006/main">
+  <p:cSld>
+    <p:spTree>
+      <p:nvGrpSpPr>
+        <p:cNvPr id="1" name=""/>
+        <p:cNvGrpSpPr/>
+        <p:nvPr/>
+      </p:nvGrpSpPr>
+      <p:grpSpPr>
+        <a:xfrm>
+          <a:off x="0" y="0"/>
+          <a:ext cx="0" cy="0"/>
+          <a:chOff x="0" y="0"/>
+          <a:chExt cx="0" cy="0"/>
+        </a:xfrm>
+      </p:grpSpPr>
+      <p:cxnSp>
+        <p:nvCxnSpPr>
+          <p:cNvPr id="7" name="직선 연결선 6"/>
+          <p:cNvCxnSpPr/>
+          <p:nvPr/>
+        </p:nvCxnSpPr>
+        <p:spPr>
+          <a:xfrm>
+            <a:off x="0" y="683316"/>
+            <a:ext cx="2650435" cy="0"/>
+          </a:xfrm>
+          <a:prstGeom prst="line">
+            <a:avLst/>
+          </a:prstGeom>
+          <a:ln w="28575">
+            <a:solidFill>
+              <a:srgbClr val="ED553B"/>
+            </a:solidFill>
+            <a:tailEnd type="oval" w="lg" len="lg"/>
+          </a:ln>
+        </p:spPr>
+        <p:style>
+          <a:lnRef idx="1">
+            <a:schemeClr val="accent1"/>
+          </a:lnRef>
+          <a:fillRef idx="0">
+            <a:schemeClr val="accent1"/>
+          </a:fillRef>
+          <a:effectRef idx="0">
+            <a:schemeClr val="accent1"/>
+          </a:effectRef>
+          <a:fontRef idx="minor">
+            <a:schemeClr val="tx1"/>
+          </a:fontRef>
+        </p:style>
+      </p:cxnSp>
+      <p:sp>
+        <p:nvSpPr>
+          <p:cNvPr id="9" name="TextBox 8"/>
+          <p:cNvSpPr txBox="1"/>
+          <p:nvPr/>
+        </p:nvSpPr>
+        <p:spPr>
+          <a:xfrm>
+            <a:off x="322413" y="140957"/>
+            <a:ext cx="5552787" cy="400110"/>
+          </a:xfrm>
+          <a:prstGeom prst="rect">
+            <a:avLst/>
+          </a:prstGeom>
+          <a:noFill/>
+        </p:spPr>
+        <p:txBody>
+          <a:bodyPr wrap="square" rtlCol="0">
+            <a:spAutoFit/>
+          </a:bodyPr>
+          <a:lstStyle/>
+          <a:p>
+            <a:r>
+              <a:rPr lang="en-US" altLang="ko-KR" sz="2000" smtClean="0">
+                <a:ln>
+                  <a:solidFill>
+                    <a:schemeClr val="tx1">
+                      <a:alpha val="29000"/>
+                    </a:schemeClr>
+                  </a:solidFill>
+                </a:ln>
+                <a:latin typeface="+mn-ea"/>
+                <a:cs typeface="맑은 고딕 Semilight" panose="020B0502040204020203" pitchFamily="50" charset="-127"/>
+              </a:rPr>
+              <a:t>JavaScript</a:t>
+            </a:r>
+            <a:r>
+              <a:rPr lang="ko-KR" altLang="en-US" sz="2000" smtClean="0">
+                <a:ln>
+                  <a:solidFill>
+                    <a:schemeClr val="tx1">
+                      <a:alpha val="29000"/>
+                    </a:schemeClr>
+                  </a:solidFill>
+                </a:ln>
+                <a:latin typeface="+mn-ea"/>
+                <a:cs typeface="맑은 고딕 Semilight" panose="020B0502040204020203" pitchFamily="50" charset="-127"/>
+              </a:rPr>
+              <a:t>의 배열 </a:t>
+            </a:r>
+            <a:endParaRPr lang="en-US" altLang="ko-KR" sz="2000" dirty="0">
+              <a:ln>
+                <a:solidFill>
+                  <a:schemeClr val="tx1">
+                    <a:alpha val="29000"/>
+                  </a:schemeClr>
+                </a:solidFill>
+              </a:ln>
+              <a:latin typeface="+mn-ea"/>
+              <a:cs typeface="맑은 고딕 Semilight" panose="020B0502040204020203" pitchFamily="50" charset="-127"/>
+            </a:endParaRPr>
+          </a:p>
+        </p:txBody>
+      </p:sp>
+      <p:sp>
+        <p:nvSpPr>
+          <p:cNvPr id="74" name="TextBox 73"/>
+          <p:cNvSpPr txBox="1"/>
+          <p:nvPr/>
+        </p:nvSpPr>
+        <p:spPr>
+          <a:xfrm>
+            <a:off x="267599" y="825566"/>
+            <a:ext cx="9578660" cy="1477328"/>
+          </a:xfrm>
+          <a:prstGeom prst="rect">
+            <a:avLst/>
+          </a:prstGeom>
+          <a:noFill/>
+        </p:spPr>
+        <p:txBody>
+          <a:bodyPr wrap="square" rtlCol="0">
+            <a:spAutoFit/>
+          </a:bodyPr>
+          <a:lstStyle/>
+          <a:p>
+            <a:pPr marL="285750" indent="-285750">
+              <a:lnSpc>
+                <a:spcPct val="150000"/>
+              </a:lnSpc>
+              <a:buFont typeface="Arial" panose="020B0604020202020204" pitchFamily="34" charset="0"/>
+              <a:buChar char="•"/>
+            </a:pPr>
+            <a:r>
+              <a:rPr lang="ko-KR" altLang="en-US" sz="1800">
+                <a:ln>
+                  <a:solidFill>
+                    <a:schemeClr val="tx1">
+                      <a:alpha val="29000"/>
+                    </a:schemeClr>
+                  </a:solidFill>
+                </a:ln>
+                <a:latin typeface="+mn-ea"/>
+                <a:cs typeface="맑은 고딕 Semilight" panose="020B0502040204020203" pitchFamily="50" charset="-127"/>
+                <a:sym typeface="Wingdings" panose="05000000000000000000" pitchFamily="2" charset="2"/>
+              </a:rPr>
+              <a:t>연관 배열</a:t>
+            </a:r>
+            <a:r>
+              <a:rPr lang="en-US" altLang="ko-KR" sz="1800">
+                <a:ln>
+                  <a:solidFill>
+                    <a:schemeClr val="tx1">
+                      <a:alpha val="29000"/>
+                    </a:schemeClr>
+                  </a:solidFill>
+                </a:ln>
+                <a:latin typeface="+mn-ea"/>
+                <a:cs typeface="맑은 고딕 Semilight" panose="020B0502040204020203" pitchFamily="50" charset="-127"/>
+                <a:sym typeface="Wingdings" panose="05000000000000000000" pitchFamily="2" charset="2"/>
+              </a:rPr>
+              <a:t>(associative </a:t>
+            </a:r>
+            <a:r>
+              <a:rPr lang="en-US" altLang="ko-KR" sz="1800">
+                <a:ln>
+                  <a:solidFill>
+                    <a:schemeClr val="tx1">
+                      <a:alpha val="29000"/>
+                    </a:schemeClr>
+                  </a:solidFill>
+                </a:ln>
+                <a:latin typeface="+mn-ea"/>
+                <a:cs typeface="맑은 고딕 Semilight" panose="020B0502040204020203" pitchFamily="50" charset="-127"/>
+                <a:sym typeface="Wingdings" panose="05000000000000000000" pitchFamily="2" charset="2"/>
+              </a:rPr>
+              <a:t>array</a:t>
+            </a:r>
+            <a:r>
+              <a:rPr lang="en-US" altLang="ko-KR" sz="1800" smtClean="0">
+                <a:ln>
+                  <a:solidFill>
+                    <a:schemeClr val="tx1">
+                      <a:alpha val="29000"/>
+                    </a:schemeClr>
+                  </a:solidFill>
+                </a:ln>
+                <a:latin typeface="+mn-ea"/>
+                <a:cs typeface="맑은 고딕 Semilight" panose="020B0502040204020203" pitchFamily="50" charset="-127"/>
+                <a:sym typeface="Wingdings" panose="05000000000000000000" pitchFamily="2" charset="2"/>
+              </a:rPr>
+              <a:t>)</a:t>
+            </a:r>
+            <a:endParaRPr lang="en-US" altLang="ko-KR" sz="1800" dirty="0">
+              <a:ln>
+                <a:solidFill>
+                  <a:schemeClr val="tx1">
+                    <a:alpha val="29000"/>
+                  </a:schemeClr>
+                </a:solidFill>
+              </a:ln>
+              <a:latin typeface="+mn-ea"/>
+              <a:cs typeface="맑은 고딕 Semilight" panose="020B0502040204020203" pitchFamily="50" charset="-127"/>
+              <a:sym typeface="Wingdings" panose="05000000000000000000" pitchFamily="2" charset="2"/>
+            </a:endParaRPr>
+          </a:p>
+          <a:p>
+            <a:pPr marL="449263" lvl="1" indent="-182563">
+              <a:lnSpc>
+                <a:spcPct val="150000"/>
+              </a:lnSpc>
+              <a:buFontTx/>
+              <a:buChar char="-"/>
+              <a:tabLst>
+                <a:tab pos="182563" algn="l"/>
+                <a:tab pos="449263" algn="l"/>
+              </a:tabLst>
+            </a:pPr>
+            <a:r>
+              <a:rPr lang="ko-KR" altLang="en-US" sz="1400">
+                <a:ln>
+                  <a:solidFill>
+                    <a:schemeClr val="tx1">
+                      <a:alpha val="29000"/>
+                    </a:schemeClr>
+                  </a:solidFill>
+                </a:ln>
+                <a:latin typeface="+mn-ea"/>
+                <a:cs typeface="맑은 고딕 Semilight" panose="020B0502040204020203" pitchFamily="50" charset="-127"/>
+              </a:rPr>
+              <a:t>위의 예제에서 연관 배열인 </a:t>
+            </a:r>
+            <a:r>
+              <a:rPr lang="en-US" altLang="ko-KR" sz="1400">
+                <a:ln>
+                  <a:solidFill>
+                    <a:schemeClr val="tx1">
+                      <a:alpha val="29000"/>
+                    </a:schemeClr>
+                  </a:solidFill>
+                </a:ln>
+                <a:latin typeface="+mn-ea"/>
+                <a:cs typeface="맑은 고딕 Semilight" panose="020B0502040204020203" pitchFamily="50" charset="-127"/>
+              </a:rPr>
+              <a:t>arr</a:t>
+            </a:r>
+            <a:r>
+              <a:rPr lang="ko-KR" altLang="en-US" sz="1400">
+                <a:ln>
+                  <a:solidFill>
+                    <a:schemeClr val="tx1">
+                      <a:alpha val="29000"/>
+                    </a:schemeClr>
+                  </a:solidFill>
+                </a:ln>
+                <a:latin typeface="+mn-ea"/>
+                <a:cs typeface="맑은 고딕 Semilight" panose="020B0502040204020203" pitchFamily="50" charset="-127"/>
+              </a:rPr>
+              <a:t>은 </a:t>
+            </a:r>
+            <a:r>
+              <a:rPr lang="en-US" altLang="ko-KR" sz="1400">
+                <a:ln>
+                  <a:solidFill>
+                    <a:schemeClr val="tx1">
+                      <a:alpha val="29000"/>
+                    </a:schemeClr>
+                  </a:solidFill>
+                </a:ln>
+                <a:latin typeface="+mn-ea"/>
+                <a:cs typeface="맑은 고딕 Semilight" panose="020B0502040204020203" pitchFamily="50" charset="-127"/>
+              </a:rPr>
+              <a:t>length </a:t>
+            </a:r>
+            <a:r>
+              <a:rPr lang="ko-KR" altLang="en-US" sz="1400">
+                <a:ln>
+                  <a:solidFill>
+                    <a:schemeClr val="tx1">
+                      <a:alpha val="29000"/>
+                    </a:schemeClr>
+                  </a:solidFill>
+                </a:ln>
+                <a:latin typeface="+mn-ea"/>
+                <a:cs typeface="맑은 고딕 Semilight" panose="020B0502040204020203" pitchFamily="50" charset="-127"/>
+              </a:rPr>
+              <a:t>프로퍼티의 값으로 </a:t>
+            </a:r>
+            <a:r>
+              <a:rPr lang="en-US" altLang="ko-KR" sz="1400">
+                <a:ln>
+                  <a:solidFill>
+                    <a:schemeClr val="tx1">
+                      <a:alpha val="29000"/>
+                    </a:schemeClr>
+                  </a:solidFill>
+                </a:ln>
+                <a:latin typeface="+mn-ea"/>
+                <a:cs typeface="맑은 고딕 Semilight" panose="020B0502040204020203" pitchFamily="50" charset="-127"/>
+              </a:rPr>
+              <a:t>0</a:t>
+            </a:r>
+            <a:r>
+              <a:rPr lang="ko-KR" altLang="en-US" sz="1400">
+                <a:ln>
+                  <a:solidFill>
+                    <a:schemeClr val="tx1">
+                      <a:alpha val="29000"/>
+                    </a:schemeClr>
+                  </a:solidFill>
+                </a:ln>
+                <a:latin typeface="+mn-ea"/>
+                <a:cs typeface="맑은 고딕 Semilight" panose="020B0502040204020203" pitchFamily="50" charset="-127"/>
+              </a:rPr>
+              <a:t>을 </a:t>
+            </a:r>
+            <a:r>
+              <a:rPr lang="ko-KR" altLang="en-US" sz="1400" smtClean="0">
+                <a:ln>
+                  <a:solidFill>
+                    <a:schemeClr val="tx1">
+                      <a:alpha val="29000"/>
+                    </a:schemeClr>
+                  </a:solidFill>
+                </a:ln>
+                <a:latin typeface="+mn-ea"/>
+                <a:cs typeface="맑은 고딕 Semilight" panose="020B0502040204020203" pitchFamily="50" charset="-127"/>
+              </a:rPr>
+              <a:t>반환</a:t>
+            </a:r>
+            <a:endParaRPr lang="en-US" altLang="ko-KR" sz="1400">
+              <a:ln>
+                <a:solidFill>
+                  <a:schemeClr val="tx1">
+                    <a:alpha val="29000"/>
+                  </a:schemeClr>
+                </a:solidFill>
+              </a:ln>
+              <a:latin typeface="+mn-ea"/>
+              <a:cs typeface="맑은 고딕 Semilight" panose="020B0502040204020203" pitchFamily="50" charset="-127"/>
+            </a:endParaRPr>
+          </a:p>
+          <a:p>
+            <a:pPr marL="449263" lvl="1" indent="-182563">
+              <a:lnSpc>
+                <a:spcPct val="150000"/>
+              </a:lnSpc>
+              <a:buFontTx/>
+              <a:buChar char="-"/>
+              <a:tabLst>
+                <a:tab pos="182563" algn="l"/>
+                <a:tab pos="449263" algn="l"/>
+              </a:tabLst>
+            </a:pPr>
+            <a:r>
+              <a:rPr lang="ko-KR" altLang="en-US" sz="1400">
+                <a:ln>
+                  <a:solidFill>
+                    <a:schemeClr val="tx1">
+                      <a:alpha val="29000"/>
+                    </a:schemeClr>
+                  </a:solidFill>
+                </a:ln>
+                <a:latin typeface="+mn-ea"/>
+                <a:cs typeface="맑은 고딕 Semilight" panose="020B0502040204020203" pitchFamily="50" charset="-127"/>
+              </a:rPr>
+              <a:t>이처럼 자바스크립트에서 연관 배열은 </a:t>
+            </a:r>
+            <a:r>
+              <a:rPr lang="en-US" altLang="ko-KR" sz="1400">
+                <a:ln>
+                  <a:solidFill>
+                    <a:schemeClr val="tx1">
+                      <a:alpha val="29000"/>
+                    </a:schemeClr>
+                  </a:solidFill>
+                </a:ln>
+                <a:latin typeface="+mn-ea"/>
+                <a:cs typeface="맑은 고딕 Semilight" panose="020B0502040204020203" pitchFamily="50" charset="-127"/>
+              </a:rPr>
+              <a:t>Array </a:t>
+            </a:r>
+            <a:r>
+              <a:rPr lang="ko-KR" altLang="en-US" sz="1400">
+                <a:ln>
+                  <a:solidFill>
+                    <a:schemeClr val="tx1">
+                      <a:alpha val="29000"/>
+                    </a:schemeClr>
+                  </a:solidFill>
+                </a:ln>
+                <a:latin typeface="+mn-ea"/>
+                <a:cs typeface="맑은 고딕 Semilight" panose="020B0502040204020203" pitchFamily="50" charset="-127"/>
+              </a:rPr>
+              <a:t>객체가 아닌 기본 객체이므로</a:t>
+            </a:r>
+            <a:r>
+              <a:rPr lang="en-US" altLang="ko-KR" sz="1400">
+                <a:ln>
+                  <a:solidFill>
+                    <a:schemeClr val="tx1">
+                      <a:alpha val="29000"/>
+                    </a:schemeClr>
+                  </a:solidFill>
+                </a:ln>
+                <a:latin typeface="+mn-ea"/>
+                <a:cs typeface="맑은 고딕 Semilight" panose="020B0502040204020203" pitchFamily="50" charset="-127"/>
+              </a:rPr>
+              <a:t>, </a:t>
+            </a:r>
+            <a:r>
+              <a:rPr lang="ko-KR" altLang="en-US" sz="1400">
+                <a:ln>
+                  <a:solidFill>
+                    <a:schemeClr val="tx1">
+                      <a:alpha val="29000"/>
+                    </a:schemeClr>
+                  </a:solidFill>
+                </a:ln>
+                <a:latin typeface="+mn-ea"/>
+                <a:cs typeface="맑은 고딕 Semilight" panose="020B0502040204020203" pitchFamily="50" charset="-127"/>
+              </a:rPr>
+              <a:t>정확히 말하면 </a:t>
+            </a:r>
+            <a:r>
+              <a:rPr lang="ko-KR" altLang="en-US" sz="1400">
+                <a:ln>
+                  <a:solidFill>
+                    <a:schemeClr val="tx1">
+                      <a:alpha val="29000"/>
+                    </a:schemeClr>
+                  </a:solidFill>
+                </a:ln>
+                <a:latin typeface="+mn-ea"/>
+                <a:cs typeface="맑은 고딕 Semilight" panose="020B0502040204020203" pitchFamily="50" charset="-127"/>
+              </a:rPr>
+              <a:t>배열이 </a:t>
+            </a:r>
+            <a:r>
+              <a:rPr lang="en-US" altLang="ko-KR" sz="1400">
+                <a:ln>
+                  <a:solidFill>
+                    <a:schemeClr val="tx1">
+                      <a:alpha val="29000"/>
+                    </a:schemeClr>
+                  </a:solidFill>
+                </a:ln>
+                <a:latin typeface="+mn-ea"/>
+                <a:cs typeface="맑은 고딕 Semilight" panose="020B0502040204020203" pitchFamily="50" charset="-127"/>
+              </a:rPr>
+              <a:t>X</a:t>
+            </a:r>
+          </a:p>
+          <a:p>
+            <a:pPr marL="449263" lvl="1" indent="-182563">
+              <a:lnSpc>
+                <a:spcPct val="150000"/>
+              </a:lnSpc>
+              <a:buFontTx/>
+              <a:buChar char="-"/>
+              <a:tabLst>
+                <a:tab pos="182563" algn="l"/>
+                <a:tab pos="449263" algn="l"/>
+              </a:tabLst>
+            </a:pPr>
+            <a:r>
+              <a:rPr lang="en-US" altLang="ko-KR" sz="1400">
+                <a:ln>
+                  <a:solidFill>
+                    <a:schemeClr val="tx1">
+                      <a:alpha val="29000"/>
+                    </a:schemeClr>
+                  </a:solidFill>
+                </a:ln>
+                <a:latin typeface="+mn-ea"/>
+                <a:cs typeface="맑은 고딕 Semilight" panose="020B0502040204020203" pitchFamily="50" charset="-127"/>
+              </a:rPr>
+              <a:t>ECMAScript 6</a:t>
+            </a:r>
+            <a:r>
+              <a:rPr lang="ko-KR" altLang="en-US" sz="1400">
+                <a:ln>
+                  <a:solidFill>
+                    <a:schemeClr val="tx1">
+                      <a:alpha val="29000"/>
+                    </a:schemeClr>
+                  </a:solidFill>
+                </a:ln>
+                <a:latin typeface="+mn-ea"/>
+                <a:cs typeface="맑은 고딕 Semilight" panose="020B0502040204020203" pitchFamily="50" charset="-127"/>
+              </a:rPr>
+              <a:t>부터는 이러한 불편함을 해결하기 위해 새로운 데이터 구조인 </a:t>
+            </a:r>
+            <a:r>
+              <a:rPr lang="en-US" altLang="ko-KR" sz="1400">
+                <a:ln>
+                  <a:solidFill>
+                    <a:schemeClr val="tx1">
+                      <a:alpha val="29000"/>
+                    </a:schemeClr>
+                  </a:solidFill>
+                </a:ln>
+                <a:latin typeface="+mn-ea"/>
+                <a:cs typeface="맑은 고딕 Semilight" panose="020B0502040204020203" pitchFamily="50" charset="-127"/>
+              </a:rPr>
+              <a:t>Map </a:t>
+            </a:r>
+            <a:r>
+              <a:rPr lang="ko-KR" altLang="en-US" sz="1400">
+                <a:ln>
+                  <a:solidFill>
+                    <a:schemeClr val="tx1">
+                      <a:alpha val="29000"/>
+                    </a:schemeClr>
+                  </a:solidFill>
+                </a:ln>
+                <a:latin typeface="+mn-ea"/>
+                <a:cs typeface="맑은 고딕 Semilight" panose="020B0502040204020203" pitchFamily="50" charset="-127"/>
+              </a:rPr>
+              <a:t>객체를 </a:t>
+            </a:r>
+            <a:r>
+              <a:rPr lang="ko-KR" altLang="en-US" sz="1400">
+                <a:ln>
+                  <a:solidFill>
+                    <a:schemeClr val="tx1">
+                      <a:alpha val="29000"/>
+                    </a:schemeClr>
+                  </a:solidFill>
+                </a:ln>
+                <a:latin typeface="+mn-ea"/>
+                <a:cs typeface="맑은 고딕 Semilight" panose="020B0502040204020203" pitchFamily="50" charset="-127"/>
+              </a:rPr>
+              <a:t>별도로 </a:t>
+            </a:r>
+            <a:r>
+              <a:rPr lang="ko-KR" altLang="en-US" sz="1400" smtClean="0">
+                <a:ln>
+                  <a:solidFill>
+                    <a:schemeClr val="tx1">
+                      <a:alpha val="29000"/>
+                    </a:schemeClr>
+                  </a:solidFill>
+                </a:ln>
+                <a:latin typeface="+mn-ea"/>
+                <a:cs typeface="맑은 고딕 Semilight" panose="020B0502040204020203" pitchFamily="50" charset="-127"/>
+              </a:rPr>
+              <a:t>제공</a:t>
+            </a:r>
+            <a:endParaRPr lang="en-US" altLang="ko-KR" sz="1400">
+              <a:ln>
+                <a:solidFill>
+                  <a:schemeClr val="tx1">
+                    <a:alpha val="29000"/>
+                  </a:schemeClr>
+                </a:solidFill>
+              </a:ln>
+              <a:latin typeface="+mn-ea"/>
+              <a:cs typeface="맑은 고딕 Semilight" panose="020B0502040204020203" pitchFamily="50" charset="-127"/>
+            </a:endParaRPr>
+          </a:p>
+        </p:txBody>
+      </p:sp>
+    </p:spTree>
+    <p:extLst>
+      <p:ext uri="{BB962C8B-B14F-4D97-AF65-F5344CB8AC3E}">
+        <p14:creationId xmlns:p14="http://schemas.microsoft.com/office/powerpoint/2010/main" val="3988126663"/>
+      </p:ext>
+    </p:extLst>
+  </p:cSld>
+  <p:clrMapOvr>
+    <a:masterClrMapping/>
+  </p:clrMapOvr>
+  <p:timing>
+    <p:tnLst>
+      <p:par>
+        <p:cTn id="1" dur="indefinite" restart="never" nodeType="tmRoot"/>
+      </p:par>
+    </p:tnLst>
+  </p:timing>
+</p:sld>
+</file>
+
+<file path=ppt/slides/slide18.xml><?xml version="1.0" encoding="utf-8"?>
+<p:sld xmlns:a="http://schemas.openxmlformats.org/drawingml/2006/main" xmlns:r="http://schemas.openxmlformats.org/officeDocument/2006/relationships" xmlns:p="http://schemas.openxmlformats.org/presentationml/2006/main">
+  <p:cSld>
+    <p:spTree>
+      <p:nvGrpSpPr>
+        <p:cNvPr id="1" name=""/>
+        <p:cNvGrpSpPr/>
+        <p:nvPr/>
+      </p:nvGrpSpPr>
+      <p:grpSpPr>
+        <a:xfrm>
+          <a:off x="0" y="0"/>
+          <a:ext cx="0" cy="0"/>
+          <a:chOff x="0" y="0"/>
+          <a:chExt cx="0" cy="0"/>
+        </a:xfrm>
+      </p:grpSpPr>
+      <p:cxnSp>
+        <p:nvCxnSpPr>
+          <p:cNvPr id="7" name="직선 연결선 6"/>
+          <p:cNvCxnSpPr/>
+          <p:nvPr/>
+        </p:nvCxnSpPr>
+        <p:spPr>
+          <a:xfrm>
+            <a:off x="0" y="683316"/>
+            <a:ext cx="2650435" cy="0"/>
+          </a:xfrm>
+          <a:prstGeom prst="line">
+            <a:avLst/>
+          </a:prstGeom>
+          <a:ln w="28575">
+            <a:solidFill>
+              <a:srgbClr val="ED553B"/>
+            </a:solidFill>
+            <a:tailEnd type="oval" w="lg" len="lg"/>
+          </a:ln>
+        </p:spPr>
+        <p:style>
+          <a:lnRef idx="1">
+            <a:schemeClr val="accent1"/>
+          </a:lnRef>
+          <a:fillRef idx="0">
+            <a:schemeClr val="accent1"/>
+          </a:fillRef>
+          <a:effectRef idx="0">
+            <a:schemeClr val="accent1"/>
+          </a:effectRef>
+          <a:fontRef idx="minor">
+            <a:schemeClr val="tx1"/>
+          </a:fontRef>
+        </p:style>
+      </p:cxnSp>
+      <p:sp>
+        <p:nvSpPr>
+          <p:cNvPr id="9" name="TextBox 8"/>
+          <p:cNvSpPr txBox="1"/>
+          <p:nvPr/>
+        </p:nvSpPr>
+        <p:spPr>
+          <a:xfrm>
+            <a:off x="322413" y="140957"/>
+            <a:ext cx="5552787" cy="400110"/>
+          </a:xfrm>
+          <a:prstGeom prst="rect">
+            <a:avLst/>
+          </a:prstGeom>
+          <a:noFill/>
+        </p:spPr>
+        <p:txBody>
+          <a:bodyPr wrap="square" rtlCol="0">
+            <a:spAutoFit/>
+          </a:bodyPr>
+          <a:lstStyle/>
+          <a:p>
+            <a:r>
+              <a:rPr lang="en-US" altLang="ko-KR" sz="2000" smtClean="0">
+                <a:ln>
+                  <a:solidFill>
+                    <a:schemeClr val="tx1">
+                      <a:alpha val="29000"/>
+                    </a:schemeClr>
+                  </a:solidFill>
+                </a:ln>
+                <a:latin typeface="+mn-ea"/>
+                <a:cs typeface="맑은 고딕 Semilight" panose="020B0502040204020203" pitchFamily="50" charset="-127"/>
+              </a:rPr>
+              <a:t>JavaScript</a:t>
+            </a:r>
+            <a:r>
+              <a:rPr lang="ko-KR" altLang="en-US" sz="2000" smtClean="0">
+                <a:ln>
+                  <a:solidFill>
+                    <a:schemeClr val="tx1">
+                      <a:alpha val="29000"/>
+                    </a:schemeClr>
+                  </a:solidFill>
+                </a:ln>
+                <a:latin typeface="+mn-ea"/>
+                <a:cs typeface="맑은 고딕 Semilight" panose="020B0502040204020203" pitchFamily="50" charset="-127"/>
+              </a:rPr>
+              <a:t>의 배열 </a:t>
+            </a:r>
+            <a:endParaRPr lang="en-US" altLang="ko-KR" sz="2000" dirty="0">
+              <a:ln>
+                <a:solidFill>
+                  <a:schemeClr val="tx1">
+                    <a:alpha val="29000"/>
+                  </a:schemeClr>
+                </a:solidFill>
+              </a:ln>
+              <a:latin typeface="+mn-ea"/>
+              <a:cs typeface="맑은 고딕 Semilight" panose="020B0502040204020203" pitchFamily="50" charset="-127"/>
+            </a:endParaRPr>
+          </a:p>
+        </p:txBody>
+      </p:sp>
+      <p:sp>
+        <p:nvSpPr>
+          <p:cNvPr id="74" name="TextBox 73"/>
+          <p:cNvSpPr txBox="1"/>
+          <p:nvPr/>
+        </p:nvSpPr>
+        <p:spPr>
+          <a:xfrm>
+            <a:off x="267599" y="825566"/>
+            <a:ext cx="9578660" cy="1800493"/>
+          </a:xfrm>
+          <a:prstGeom prst="rect">
+            <a:avLst/>
+          </a:prstGeom>
+          <a:noFill/>
+        </p:spPr>
+        <p:txBody>
+          <a:bodyPr wrap="square" rtlCol="0">
+            <a:spAutoFit/>
+          </a:bodyPr>
+          <a:lstStyle/>
+          <a:p>
+            <a:pPr marL="285750" indent="-285750">
+              <a:lnSpc>
+                <a:spcPct val="150000"/>
+              </a:lnSpc>
+              <a:buFont typeface="Arial" panose="020B0604020202020204" pitchFamily="34" charset="0"/>
+              <a:buChar char="•"/>
+            </a:pPr>
+            <a:r>
+              <a:rPr lang="ko-KR" altLang="en-US" sz="1800">
+                <a:ln>
+                  <a:solidFill>
+                    <a:schemeClr val="tx1">
+                      <a:alpha val="29000"/>
+                    </a:schemeClr>
+                  </a:solidFill>
+                </a:ln>
+                <a:latin typeface="+mn-ea"/>
+                <a:cs typeface="맑은 고딕 Semilight" panose="020B0502040204020203" pitchFamily="50" charset="-127"/>
+                <a:sym typeface="Wingdings" panose="05000000000000000000" pitchFamily="2" charset="2"/>
+              </a:rPr>
+              <a:t>문자열을 </a:t>
+            </a:r>
+            <a:r>
+              <a:rPr lang="ko-KR" altLang="en-US" sz="1800">
+                <a:ln>
+                  <a:solidFill>
+                    <a:schemeClr val="tx1">
+                      <a:alpha val="29000"/>
+                    </a:schemeClr>
+                  </a:solidFill>
+                </a:ln>
+                <a:latin typeface="+mn-ea"/>
+                <a:cs typeface="맑은 고딕 Semilight" panose="020B0502040204020203" pitchFamily="50" charset="-127"/>
+                <a:sym typeface="Wingdings" panose="05000000000000000000" pitchFamily="2" charset="2"/>
+              </a:rPr>
+              <a:t>배열처럼 </a:t>
+            </a:r>
+            <a:r>
+              <a:rPr lang="ko-KR" altLang="en-US" sz="1800" smtClean="0">
+                <a:ln>
+                  <a:solidFill>
+                    <a:schemeClr val="tx1">
+                      <a:alpha val="29000"/>
+                    </a:schemeClr>
+                  </a:solidFill>
+                </a:ln>
+                <a:latin typeface="+mn-ea"/>
+                <a:cs typeface="맑은 고딕 Semilight" panose="020B0502040204020203" pitchFamily="50" charset="-127"/>
+                <a:sym typeface="Wingdings" panose="05000000000000000000" pitchFamily="2" charset="2"/>
+              </a:rPr>
+              <a:t>접근하기</a:t>
+            </a:r>
+            <a:endParaRPr lang="en-US" altLang="ko-KR" sz="1800" dirty="0">
+              <a:ln>
+                <a:solidFill>
+                  <a:schemeClr val="tx1">
+                    <a:alpha val="29000"/>
+                  </a:schemeClr>
+                </a:solidFill>
+              </a:ln>
+              <a:latin typeface="+mn-ea"/>
+              <a:cs typeface="맑은 고딕 Semilight" panose="020B0502040204020203" pitchFamily="50" charset="-127"/>
+              <a:sym typeface="Wingdings" panose="05000000000000000000" pitchFamily="2" charset="2"/>
+            </a:endParaRPr>
+          </a:p>
+          <a:p>
+            <a:pPr marL="449263" lvl="1" indent="-182563">
+              <a:lnSpc>
+                <a:spcPct val="150000"/>
+              </a:lnSpc>
+              <a:buFontTx/>
+              <a:buChar char="-"/>
+              <a:tabLst>
+                <a:tab pos="182563" algn="l"/>
+                <a:tab pos="449263" algn="l"/>
+              </a:tabLst>
+            </a:pPr>
+            <a:r>
+              <a:rPr lang="ko-KR" altLang="en-US" sz="1400">
+                <a:ln>
+                  <a:solidFill>
+                    <a:schemeClr val="tx1">
+                      <a:alpha val="29000"/>
+                    </a:schemeClr>
+                  </a:solidFill>
+                </a:ln>
+                <a:latin typeface="+mn-ea"/>
+                <a:cs typeface="맑은 고딕 Semilight" panose="020B0502040204020203" pitchFamily="50" charset="-127"/>
+              </a:rPr>
+              <a:t>자바스크립트에서 문자열은 변하지 않는 값이므로</a:t>
+            </a:r>
+            <a:r>
+              <a:rPr lang="en-US" altLang="ko-KR" sz="1400">
+                <a:ln>
+                  <a:solidFill>
+                    <a:schemeClr val="tx1">
+                      <a:alpha val="29000"/>
+                    </a:schemeClr>
+                  </a:solidFill>
+                </a:ln>
+                <a:latin typeface="+mn-ea"/>
+                <a:cs typeface="맑은 고딕 Semilight" panose="020B0502040204020203" pitchFamily="50" charset="-127"/>
+              </a:rPr>
+              <a:t>, </a:t>
+            </a:r>
+            <a:r>
+              <a:rPr lang="ko-KR" altLang="en-US" sz="1400">
+                <a:ln>
+                  <a:solidFill>
+                    <a:schemeClr val="tx1">
+                      <a:alpha val="29000"/>
+                    </a:schemeClr>
+                  </a:solidFill>
+                </a:ln>
+                <a:latin typeface="+mn-ea"/>
+                <a:cs typeface="맑은 고딕 Semilight" panose="020B0502040204020203" pitchFamily="50" charset="-127"/>
+              </a:rPr>
+              <a:t>읽기 전용 배열로서 다룰 수 있음</a:t>
+            </a:r>
+          </a:p>
+          <a:p>
+            <a:pPr marL="449263" lvl="1" indent="-182563">
+              <a:lnSpc>
+                <a:spcPct val="150000"/>
+              </a:lnSpc>
+              <a:buFontTx/>
+              <a:buChar char="-"/>
+              <a:tabLst>
+                <a:tab pos="182563" algn="l"/>
+                <a:tab pos="449263" algn="l"/>
+              </a:tabLst>
+            </a:pPr>
+            <a:r>
+              <a:rPr lang="ko-KR" altLang="en-US" sz="1400">
+                <a:ln>
+                  <a:solidFill>
+                    <a:schemeClr val="tx1">
+                      <a:alpha val="29000"/>
+                    </a:schemeClr>
+                  </a:solidFill>
+                </a:ln>
+                <a:latin typeface="+mn-ea"/>
+                <a:cs typeface="맑은 고딕 Semilight" panose="020B0502040204020203" pitchFamily="50" charset="-127"/>
+              </a:rPr>
+              <a:t>따라서 배열처럼 </a:t>
+            </a:r>
+            <a:r>
+              <a:rPr lang="en-US" altLang="ko-KR" sz="1400">
+                <a:ln>
+                  <a:solidFill>
+                    <a:schemeClr val="tx1">
+                      <a:alpha val="29000"/>
+                    </a:schemeClr>
+                  </a:solidFill>
+                </a:ln>
+                <a:latin typeface="+mn-ea"/>
+                <a:cs typeface="맑은 고딕 Semilight" panose="020B0502040204020203" pitchFamily="50" charset="-127"/>
+              </a:rPr>
+              <a:t>[] </a:t>
+            </a:r>
+            <a:r>
+              <a:rPr lang="ko-KR" altLang="en-US" sz="1400">
+                <a:ln>
+                  <a:solidFill>
+                    <a:schemeClr val="tx1">
+                      <a:alpha val="29000"/>
+                    </a:schemeClr>
+                  </a:solidFill>
+                </a:ln>
+                <a:latin typeface="+mn-ea"/>
+                <a:cs typeface="맑은 고딕 Semilight" panose="020B0502040204020203" pitchFamily="50" charset="-127"/>
+              </a:rPr>
+              <a:t>연산자를 사용하여 문자열을 구성하는 각 문자에 바로 접근할 수 있음</a:t>
+            </a:r>
+          </a:p>
+          <a:p>
+            <a:pPr marL="449263" lvl="1" indent="-182563">
+              <a:lnSpc>
+                <a:spcPct val="150000"/>
+              </a:lnSpc>
+              <a:buFontTx/>
+              <a:buChar char="-"/>
+              <a:tabLst>
+                <a:tab pos="182563" algn="l"/>
+                <a:tab pos="449263" algn="l"/>
+              </a:tabLst>
+            </a:pPr>
+            <a:r>
+              <a:rPr lang="ko-KR" altLang="en-US" sz="1400">
+                <a:ln>
+                  <a:solidFill>
+                    <a:schemeClr val="tx1">
+                      <a:alpha val="29000"/>
+                    </a:schemeClr>
+                  </a:solidFill>
+                </a:ln>
+                <a:latin typeface="+mn-ea"/>
+                <a:cs typeface="맑은 고딕 Semilight" panose="020B0502040204020203" pitchFamily="50" charset="-127"/>
+              </a:rPr>
+              <a:t>또한</a:t>
+            </a:r>
+            <a:r>
+              <a:rPr lang="en-US" altLang="ko-KR" sz="1400">
+                <a:ln>
+                  <a:solidFill>
+                    <a:schemeClr val="tx1">
+                      <a:alpha val="29000"/>
+                    </a:schemeClr>
+                  </a:solidFill>
+                </a:ln>
+                <a:latin typeface="+mn-ea"/>
+                <a:cs typeface="맑은 고딕 Semilight" panose="020B0502040204020203" pitchFamily="50" charset="-127"/>
+              </a:rPr>
+              <a:t>, Array </a:t>
+            </a:r>
+            <a:r>
+              <a:rPr lang="ko-KR" altLang="en-US" sz="1400">
+                <a:ln>
+                  <a:solidFill>
+                    <a:schemeClr val="tx1">
+                      <a:alpha val="29000"/>
+                    </a:schemeClr>
+                  </a:solidFill>
+                </a:ln>
+                <a:latin typeface="+mn-ea"/>
+                <a:cs typeface="맑은 고딕 Semilight" panose="020B0502040204020203" pitchFamily="50" charset="-127"/>
+              </a:rPr>
+              <a:t>객체가 제공하는 모든 범용 메소드도 사용할 수 있음</a:t>
+            </a:r>
+          </a:p>
+          <a:p>
+            <a:pPr marL="449263" lvl="1" indent="-182563">
+              <a:lnSpc>
+                <a:spcPct val="150000"/>
+              </a:lnSpc>
+              <a:buFontTx/>
+              <a:buChar char="-"/>
+              <a:tabLst>
+                <a:tab pos="182563" algn="l"/>
+                <a:tab pos="449263" algn="l"/>
+              </a:tabLst>
+            </a:pPr>
+            <a:r>
+              <a:rPr lang="ko-KR" altLang="en-US" sz="1400">
+                <a:ln>
+                  <a:solidFill>
+                    <a:schemeClr val="tx1">
+                      <a:alpha val="29000"/>
+                    </a:schemeClr>
+                  </a:solidFill>
+                </a:ln>
+                <a:latin typeface="+mn-ea"/>
+                <a:cs typeface="맑은 고딕 Semilight" panose="020B0502040204020203" pitchFamily="50" charset="-127"/>
+              </a:rPr>
+              <a:t>문자열의 각 문자는 </a:t>
+            </a:r>
+            <a:r>
+              <a:rPr lang="en-US" altLang="ko-KR" sz="1400">
+                <a:ln>
+                  <a:solidFill>
+                    <a:schemeClr val="tx1">
+                      <a:alpha val="29000"/>
+                    </a:schemeClr>
+                  </a:solidFill>
+                </a:ln>
+                <a:latin typeface="+mn-ea"/>
+                <a:cs typeface="맑은 고딕 Semilight" panose="020B0502040204020203" pitchFamily="50" charset="-127"/>
+              </a:rPr>
+              <a:t>String </a:t>
+            </a:r>
+            <a:r>
+              <a:rPr lang="ko-KR" altLang="en-US" sz="1400">
+                <a:ln>
+                  <a:solidFill>
+                    <a:schemeClr val="tx1">
+                      <a:alpha val="29000"/>
+                    </a:schemeClr>
+                  </a:solidFill>
+                </a:ln>
+                <a:latin typeface="+mn-ea"/>
+                <a:cs typeface="맑은 고딕 Semilight" panose="020B0502040204020203" pitchFamily="50" charset="-127"/>
+              </a:rPr>
+              <a:t>객체에서 제공하는 </a:t>
+            </a:r>
+            <a:r>
+              <a:rPr lang="en-US" altLang="ko-KR" sz="1400">
+                <a:ln>
+                  <a:solidFill>
+                    <a:schemeClr val="tx1">
+                      <a:alpha val="29000"/>
+                    </a:schemeClr>
+                  </a:solidFill>
+                </a:ln>
+                <a:latin typeface="+mn-ea"/>
+                <a:cs typeface="맑은 고딕 Semilight" panose="020B0502040204020203" pitchFamily="50" charset="-127"/>
+              </a:rPr>
+              <a:t>charAt() </a:t>
+            </a:r>
+            <a:r>
+              <a:rPr lang="ko-KR" altLang="en-US" sz="1400">
+                <a:ln>
+                  <a:solidFill>
+                    <a:schemeClr val="tx1">
+                      <a:alpha val="29000"/>
+                    </a:schemeClr>
+                  </a:solidFill>
+                </a:ln>
+                <a:latin typeface="+mn-ea"/>
+                <a:cs typeface="맑은 고딕 Semilight" panose="020B0502040204020203" pitchFamily="50" charset="-127"/>
+              </a:rPr>
+              <a:t>메소드를 사용해도 접근할 </a:t>
+            </a:r>
+            <a:r>
+              <a:rPr lang="ko-KR" altLang="en-US" sz="1400">
+                <a:ln>
+                  <a:solidFill>
+                    <a:schemeClr val="tx1">
+                      <a:alpha val="29000"/>
+                    </a:schemeClr>
+                  </a:solidFill>
+                </a:ln>
+                <a:latin typeface="+mn-ea"/>
+                <a:cs typeface="맑은 고딕 Semilight" panose="020B0502040204020203" pitchFamily="50" charset="-127"/>
+              </a:rPr>
+              <a:t>수 </a:t>
+            </a:r>
+            <a:r>
+              <a:rPr lang="ko-KR" altLang="en-US" sz="1400" smtClean="0">
+                <a:ln>
+                  <a:solidFill>
+                    <a:schemeClr val="tx1">
+                      <a:alpha val="29000"/>
+                    </a:schemeClr>
+                  </a:solidFill>
+                </a:ln>
+                <a:latin typeface="+mn-ea"/>
+                <a:cs typeface="맑은 고딕 Semilight" panose="020B0502040204020203" pitchFamily="50" charset="-127"/>
+              </a:rPr>
+              <a:t>있음</a:t>
+            </a:r>
+            <a:endParaRPr lang="en-US" altLang="ko-KR" sz="1400">
+              <a:ln>
+                <a:solidFill>
+                  <a:schemeClr val="tx1">
+                    <a:alpha val="29000"/>
+                  </a:schemeClr>
+                </a:solidFill>
+              </a:ln>
+              <a:latin typeface="+mn-ea"/>
+              <a:cs typeface="맑은 고딕 Semilight" panose="020B0502040204020203" pitchFamily="50" charset="-127"/>
+            </a:endParaRPr>
+          </a:p>
+        </p:txBody>
+      </p:sp>
+      <p:pic>
+        <p:nvPicPr>
+          <p:cNvPr id="2" name="그림 1"/>
+          <p:cNvPicPr>
+            <a:picLocks noChangeAspect="1"/>
+          </p:cNvPicPr>
+          <p:nvPr/>
+        </p:nvPicPr>
+        <p:blipFill>
+          <a:blip r:embed="rId3"/>
+          <a:stretch>
+            <a:fillRect/>
+          </a:stretch>
+        </p:blipFill>
+        <p:spPr>
+          <a:xfrm>
+            <a:off x="2055812" y="3265005"/>
+            <a:ext cx="6048375" cy="1066800"/>
+          </a:xfrm>
+          <a:prstGeom prst="rect">
+            <a:avLst/>
+          </a:prstGeom>
+        </p:spPr>
+      </p:pic>
+    </p:spTree>
+    <p:extLst>
+      <p:ext uri="{BB962C8B-B14F-4D97-AF65-F5344CB8AC3E}">
+        <p14:creationId xmlns:p14="http://schemas.microsoft.com/office/powerpoint/2010/main" val="27112178"/>
+      </p:ext>
+    </p:extLst>
+  </p:cSld>
+  <p:clrMapOvr>
+    <a:masterClrMapping/>
+  </p:clrMapOvr>
+  <p:timing>
+    <p:tnLst>
+      <p:par>
+        <p:cTn id="1" dur="indefinite" restart="never" nodeType="tmRoot"/>
+      </p:par>
+    </p:tnLst>
+  </p:timing>
+</p:sld>
+</file>
+
+<file path=ppt/slides/slide19.xml><?xml version="1.0" encoding="utf-8"?>
+<p:sld xmlns:a="http://schemas.openxmlformats.org/drawingml/2006/main" xmlns:r="http://schemas.openxmlformats.org/officeDocument/2006/relationships" xmlns:p="http://schemas.openxmlformats.org/presentationml/2006/main">
+  <p:cSld>
+    <p:spTree>
+      <p:nvGrpSpPr>
+        <p:cNvPr id="1" name=""/>
+        <p:cNvGrpSpPr/>
+        <p:nvPr/>
+      </p:nvGrpSpPr>
+      <p:grpSpPr>
+        <a:xfrm>
+          <a:off x="0" y="0"/>
+          <a:ext cx="0" cy="0"/>
+          <a:chOff x="0" y="0"/>
+          <a:chExt cx="0" cy="0"/>
+        </a:xfrm>
+      </p:grpSpPr>
+      <p:cxnSp>
+        <p:nvCxnSpPr>
+          <p:cNvPr id="7" name="직선 연결선 6"/>
+          <p:cNvCxnSpPr/>
+          <p:nvPr/>
+        </p:nvCxnSpPr>
+        <p:spPr>
+          <a:xfrm>
+            <a:off x="0" y="683316"/>
+            <a:ext cx="2650435" cy="0"/>
+          </a:xfrm>
+          <a:prstGeom prst="line">
+            <a:avLst/>
+          </a:prstGeom>
+          <a:ln w="28575">
+            <a:solidFill>
+              <a:srgbClr val="ED553B"/>
+            </a:solidFill>
+            <a:tailEnd type="oval" w="lg" len="lg"/>
+          </a:ln>
+        </p:spPr>
+        <p:style>
+          <a:lnRef idx="1">
+            <a:schemeClr val="accent1"/>
+          </a:lnRef>
+          <a:fillRef idx="0">
+            <a:schemeClr val="accent1"/>
+          </a:fillRef>
+          <a:effectRef idx="0">
+            <a:schemeClr val="accent1"/>
+          </a:effectRef>
+          <a:fontRef idx="minor">
+            <a:schemeClr val="tx1"/>
+          </a:fontRef>
+        </p:style>
+      </p:cxnSp>
+      <p:sp>
+        <p:nvSpPr>
+          <p:cNvPr id="9" name="TextBox 8"/>
+          <p:cNvSpPr txBox="1"/>
+          <p:nvPr/>
+        </p:nvSpPr>
+        <p:spPr>
+          <a:xfrm>
+            <a:off x="322413" y="140957"/>
+            <a:ext cx="5552787" cy="400110"/>
+          </a:xfrm>
+          <a:prstGeom prst="rect">
+            <a:avLst/>
+          </a:prstGeom>
+          <a:noFill/>
+        </p:spPr>
+        <p:txBody>
+          <a:bodyPr wrap="square" rtlCol="0">
+            <a:spAutoFit/>
+          </a:bodyPr>
+          <a:lstStyle/>
+          <a:p>
+            <a:r>
+              <a:rPr lang="en-US" altLang="ko-KR" sz="2000" smtClean="0">
+                <a:ln>
+                  <a:solidFill>
+                    <a:schemeClr val="tx1">
+                      <a:alpha val="29000"/>
+                    </a:schemeClr>
+                  </a:solidFill>
+                </a:ln>
+                <a:latin typeface="+mn-ea"/>
+                <a:cs typeface="맑은 고딕 Semilight" panose="020B0502040204020203" pitchFamily="50" charset="-127"/>
+              </a:rPr>
+              <a:t>JavaScript</a:t>
+            </a:r>
+            <a:r>
+              <a:rPr lang="ko-KR" altLang="en-US" sz="2000" smtClean="0">
+                <a:ln>
+                  <a:solidFill>
+                    <a:schemeClr val="tx1">
+                      <a:alpha val="29000"/>
+                    </a:schemeClr>
+                  </a:solidFill>
+                </a:ln>
+                <a:latin typeface="+mn-ea"/>
+                <a:cs typeface="맑은 고딕 Semilight" panose="020B0502040204020203" pitchFamily="50" charset="-127"/>
+              </a:rPr>
+              <a:t>의 배열 </a:t>
+            </a:r>
+            <a:endParaRPr lang="en-US" altLang="ko-KR" sz="2000" dirty="0">
+              <a:ln>
+                <a:solidFill>
+                  <a:schemeClr val="tx1">
+                    <a:alpha val="29000"/>
+                  </a:schemeClr>
+                </a:solidFill>
+              </a:ln>
+              <a:latin typeface="+mn-ea"/>
+              <a:cs typeface="맑은 고딕 Semilight" panose="020B0502040204020203" pitchFamily="50" charset="-127"/>
+            </a:endParaRPr>
+          </a:p>
+        </p:txBody>
+      </p:sp>
+      <p:sp>
+        <p:nvSpPr>
+          <p:cNvPr id="74" name="TextBox 73"/>
+          <p:cNvSpPr txBox="1"/>
+          <p:nvPr/>
+        </p:nvSpPr>
+        <p:spPr>
+          <a:xfrm>
+            <a:off x="267599" y="825566"/>
+            <a:ext cx="9578660" cy="1800493"/>
+          </a:xfrm>
+          <a:prstGeom prst="rect">
+            <a:avLst/>
+          </a:prstGeom>
+          <a:noFill/>
+        </p:spPr>
+        <p:txBody>
+          <a:bodyPr wrap="square" rtlCol="0">
+            <a:spAutoFit/>
+          </a:bodyPr>
+          <a:lstStyle/>
+          <a:p>
+            <a:pPr marL="285750" indent="-285750">
+              <a:lnSpc>
+                <a:spcPct val="150000"/>
+              </a:lnSpc>
+              <a:buFont typeface="Arial" panose="020B0604020202020204" pitchFamily="34" charset="0"/>
+              <a:buChar char="•"/>
+            </a:pPr>
+            <a:r>
+              <a:rPr lang="ko-KR" altLang="en-US" sz="1800">
+                <a:ln>
+                  <a:solidFill>
+                    <a:schemeClr val="tx1">
+                      <a:alpha val="29000"/>
+                    </a:schemeClr>
+                  </a:solidFill>
+                </a:ln>
+                <a:latin typeface="+mn-ea"/>
+                <a:cs typeface="맑은 고딕 Semilight" panose="020B0502040204020203" pitchFamily="50" charset="-127"/>
+                <a:sym typeface="Wingdings" panose="05000000000000000000" pitchFamily="2" charset="2"/>
+              </a:rPr>
+              <a:t>문자열을 </a:t>
+            </a:r>
+            <a:r>
+              <a:rPr lang="ko-KR" altLang="en-US" sz="1800">
+                <a:ln>
+                  <a:solidFill>
+                    <a:schemeClr val="tx1">
+                      <a:alpha val="29000"/>
+                    </a:schemeClr>
+                  </a:solidFill>
+                </a:ln>
+                <a:latin typeface="+mn-ea"/>
+                <a:cs typeface="맑은 고딕 Semilight" panose="020B0502040204020203" pitchFamily="50" charset="-127"/>
+                <a:sym typeface="Wingdings" panose="05000000000000000000" pitchFamily="2" charset="2"/>
+              </a:rPr>
+              <a:t>배열처럼 </a:t>
+            </a:r>
+            <a:r>
+              <a:rPr lang="ko-KR" altLang="en-US" sz="1800" smtClean="0">
+                <a:ln>
+                  <a:solidFill>
+                    <a:schemeClr val="tx1">
+                      <a:alpha val="29000"/>
+                    </a:schemeClr>
+                  </a:solidFill>
+                </a:ln>
+                <a:latin typeface="+mn-ea"/>
+                <a:cs typeface="맑은 고딕 Semilight" panose="020B0502040204020203" pitchFamily="50" charset="-127"/>
+                <a:sym typeface="Wingdings" panose="05000000000000000000" pitchFamily="2" charset="2"/>
+              </a:rPr>
+              <a:t>접근하기</a:t>
+            </a:r>
+            <a:endParaRPr lang="en-US" altLang="ko-KR" sz="1800" dirty="0">
+              <a:ln>
+                <a:solidFill>
+                  <a:schemeClr val="tx1">
+                    <a:alpha val="29000"/>
+                  </a:schemeClr>
+                </a:solidFill>
+              </a:ln>
+              <a:latin typeface="+mn-ea"/>
+              <a:cs typeface="맑은 고딕 Semilight" panose="020B0502040204020203" pitchFamily="50" charset="-127"/>
+              <a:sym typeface="Wingdings" panose="05000000000000000000" pitchFamily="2" charset="2"/>
+            </a:endParaRPr>
+          </a:p>
+          <a:p>
+            <a:pPr marL="449263" lvl="1" indent="-182563">
+              <a:lnSpc>
+                <a:spcPct val="150000"/>
+              </a:lnSpc>
+              <a:buFontTx/>
+              <a:buChar char="-"/>
+              <a:tabLst>
+                <a:tab pos="182563" algn="l"/>
+                <a:tab pos="449263" algn="l"/>
+              </a:tabLst>
+            </a:pPr>
+            <a:r>
+              <a:rPr lang="ko-KR" altLang="en-US" sz="1400">
+                <a:ln>
+                  <a:solidFill>
+                    <a:schemeClr val="tx1">
+                      <a:alpha val="29000"/>
+                    </a:schemeClr>
+                  </a:solidFill>
+                </a:ln>
+                <a:latin typeface="+mn-ea"/>
+                <a:cs typeface="맑은 고딕 Semilight" panose="020B0502040204020203" pitchFamily="50" charset="-127"/>
+              </a:rPr>
+              <a:t>하지만 이렇게 문자열을 배열처럼 접근하는 방법은 인터넷 익스플로러 </a:t>
+            </a:r>
+            <a:r>
+              <a:rPr lang="en-US" altLang="ko-KR" sz="1400">
+                <a:ln>
+                  <a:solidFill>
+                    <a:schemeClr val="tx1">
+                      <a:alpha val="29000"/>
+                    </a:schemeClr>
+                  </a:solidFill>
+                </a:ln>
+                <a:latin typeface="+mn-ea"/>
+                <a:cs typeface="맑은 고딕 Semilight" panose="020B0502040204020203" pitchFamily="50" charset="-127"/>
+              </a:rPr>
+              <a:t>7</a:t>
+            </a:r>
+            <a:r>
+              <a:rPr lang="ko-KR" altLang="en-US" sz="1400">
+                <a:ln>
+                  <a:solidFill>
+                    <a:schemeClr val="tx1">
+                      <a:alpha val="29000"/>
+                    </a:schemeClr>
+                  </a:solidFill>
+                </a:ln>
+                <a:latin typeface="+mn-ea"/>
+                <a:cs typeface="맑은 고딕 Semilight" panose="020B0502040204020203" pitchFamily="50" charset="-127"/>
+              </a:rPr>
+              <a:t>과 그 이전 버전에서는 </a:t>
+            </a:r>
+            <a:r>
+              <a:rPr lang="ko-KR" altLang="en-US" sz="1400">
+                <a:ln>
+                  <a:solidFill>
+                    <a:schemeClr val="tx1">
+                      <a:alpha val="29000"/>
+                    </a:schemeClr>
+                  </a:solidFill>
+                </a:ln>
+                <a:latin typeface="+mn-ea"/>
+                <a:cs typeface="맑은 고딕 Semilight" panose="020B0502040204020203" pitchFamily="50" charset="-127"/>
+              </a:rPr>
+              <a:t>동작하지 </a:t>
+            </a:r>
+            <a:r>
+              <a:rPr lang="en-US" altLang="ko-KR" sz="1400" smtClean="0">
+                <a:ln>
+                  <a:solidFill>
+                    <a:schemeClr val="tx1">
+                      <a:alpha val="29000"/>
+                    </a:schemeClr>
+                  </a:solidFill>
+                </a:ln>
+                <a:latin typeface="+mn-ea"/>
+                <a:cs typeface="맑은 고딕 Semilight" panose="020B0502040204020203" pitchFamily="50" charset="-127"/>
+              </a:rPr>
+              <a:t>X</a:t>
+            </a:r>
+            <a:endParaRPr lang="en-US" altLang="ko-KR" sz="1400">
+              <a:ln>
+                <a:solidFill>
+                  <a:schemeClr val="tx1">
+                    <a:alpha val="29000"/>
+                  </a:schemeClr>
+                </a:solidFill>
+              </a:ln>
+              <a:latin typeface="+mn-ea"/>
+              <a:cs typeface="맑은 고딕 Semilight" panose="020B0502040204020203" pitchFamily="50" charset="-127"/>
+            </a:endParaRPr>
+          </a:p>
+          <a:p>
+            <a:pPr marL="449263" lvl="1" indent="-182563">
+              <a:lnSpc>
+                <a:spcPct val="150000"/>
+              </a:lnSpc>
+              <a:buFontTx/>
+              <a:buChar char="-"/>
+              <a:tabLst>
+                <a:tab pos="182563" algn="l"/>
+                <a:tab pos="449263" algn="l"/>
+              </a:tabLst>
+            </a:pPr>
+            <a:r>
+              <a:rPr lang="ko-KR" altLang="en-US" sz="1400">
+                <a:ln>
+                  <a:solidFill>
+                    <a:schemeClr val="tx1">
+                      <a:alpha val="29000"/>
+                    </a:schemeClr>
+                  </a:solidFill>
+                </a:ln>
+                <a:latin typeface="+mn-ea"/>
+                <a:cs typeface="맑은 고딕 Semilight" panose="020B0502040204020203" pitchFamily="50" charset="-127"/>
+              </a:rPr>
+              <a:t>또한</a:t>
+            </a:r>
+            <a:r>
+              <a:rPr lang="en-US" altLang="ko-KR" sz="1400">
+                <a:ln>
+                  <a:solidFill>
+                    <a:schemeClr val="tx1">
+                      <a:alpha val="29000"/>
+                    </a:schemeClr>
+                  </a:solidFill>
+                </a:ln>
+                <a:latin typeface="+mn-ea"/>
+                <a:cs typeface="맑은 고딕 Semilight" panose="020B0502040204020203" pitchFamily="50" charset="-127"/>
+              </a:rPr>
+              <a:t>, </a:t>
+            </a:r>
+            <a:r>
+              <a:rPr lang="ko-KR" altLang="en-US" sz="1400">
+                <a:ln>
+                  <a:solidFill>
+                    <a:schemeClr val="tx1">
+                      <a:alpha val="29000"/>
+                    </a:schemeClr>
+                  </a:solidFill>
+                </a:ln>
+                <a:latin typeface="+mn-ea"/>
+                <a:cs typeface="맑은 고딕 Semilight" panose="020B0502040204020203" pitchFamily="50" charset="-127"/>
+              </a:rPr>
+              <a:t>문자열을 배열처럼 착각하게 하여</a:t>
+            </a:r>
+            <a:r>
+              <a:rPr lang="en-US" altLang="ko-KR" sz="1400">
+                <a:ln>
+                  <a:solidFill>
+                    <a:schemeClr val="tx1">
+                      <a:alpha val="29000"/>
+                    </a:schemeClr>
+                  </a:solidFill>
+                </a:ln>
+                <a:latin typeface="+mn-ea"/>
+                <a:cs typeface="맑은 고딕 Semilight" panose="020B0502040204020203" pitchFamily="50" charset="-127"/>
+              </a:rPr>
+              <a:t>, </a:t>
+            </a:r>
+            <a:r>
+              <a:rPr lang="ko-KR" altLang="en-US" sz="1400">
+                <a:ln>
+                  <a:solidFill>
+                    <a:schemeClr val="tx1">
+                      <a:alpha val="29000"/>
+                    </a:schemeClr>
+                  </a:solidFill>
+                </a:ln>
+                <a:latin typeface="+mn-ea"/>
+                <a:cs typeface="맑은 고딕 Semilight" panose="020B0502040204020203" pitchFamily="50" charset="-127"/>
+              </a:rPr>
+              <a:t>다음과 같은 실수를 유발할 </a:t>
+            </a:r>
+            <a:r>
+              <a:rPr lang="ko-KR" altLang="en-US" sz="1400">
+                <a:ln>
+                  <a:solidFill>
+                    <a:schemeClr val="tx1">
+                      <a:alpha val="29000"/>
+                    </a:schemeClr>
+                  </a:solidFill>
+                </a:ln>
+                <a:latin typeface="+mn-ea"/>
+                <a:cs typeface="맑은 고딕 Semilight" panose="020B0502040204020203" pitchFamily="50" charset="-127"/>
+              </a:rPr>
+              <a:t>수도 </a:t>
+            </a:r>
+            <a:r>
+              <a:rPr lang="ko-KR" altLang="en-US" sz="1400" smtClean="0">
+                <a:ln>
+                  <a:solidFill>
+                    <a:schemeClr val="tx1">
+                      <a:alpha val="29000"/>
+                    </a:schemeClr>
+                  </a:solidFill>
+                </a:ln>
+                <a:latin typeface="+mn-ea"/>
+                <a:cs typeface="맑은 고딕 Semilight" panose="020B0502040204020203" pitchFamily="50" charset="-127"/>
+              </a:rPr>
+              <a:t>있음</a:t>
+            </a:r>
+            <a:endParaRPr lang="en-US" altLang="ko-KR" sz="1400" smtClean="0">
+              <a:ln>
+                <a:solidFill>
+                  <a:schemeClr val="tx1">
+                    <a:alpha val="29000"/>
+                  </a:schemeClr>
+                </a:solidFill>
+              </a:ln>
+              <a:latin typeface="+mn-ea"/>
+              <a:cs typeface="맑은 고딕 Semilight" panose="020B0502040204020203" pitchFamily="50" charset="-127"/>
+            </a:endParaRPr>
+          </a:p>
+          <a:p>
+            <a:pPr marL="449263" lvl="1" indent="-182563">
+              <a:lnSpc>
+                <a:spcPct val="150000"/>
+              </a:lnSpc>
+              <a:buFontTx/>
+              <a:buChar char="-"/>
+              <a:tabLst>
+                <a:tab pos="182563" algn="l"/>
+                <a:tab pos="449263" algn="l"/>
+              </a:tabLst>
+            </a:pPr>
+            <a:r>
+              <a:rPr lang="ko-KR" altLang="en-US" sz="1400">
+                <a:ln>
+                  <a:solidFill>
+                    <a:schemeClr val="tx1">
+                      <a:alpha val="29000"/>
+                    </a:schemeClr>
+                  </a:solidFill>
+                </a:ln>
+                <a:latin typeface="+mn-ea"/>
+                <a:cs typeface="맑은 고딕 Semilight" panose="020B0502040204020203" pitchFamily="50" charset="-127"/>
+              </a:rPr>
+              <a:t>따라서 문자열을 바로 배열처럼 사용하지 말고</a:t>
+            </a:r>
+            <a:r>
+              <a:rPr lang="en-US" altLang="ko-KR" sz="1400">
+                <a:ln>
+                  <a:solidFill>
+                    <a:schemeClr val="tx1">
+                      <a:alpha val="29000"/>
+                    </a:schemeClr>
+                  </a:solidFill>
+                </a:ln>
+                <a:latin typeface="+mn-ea"/>
+                <a:cs typeface="맑은 고딕 Semilight" panose="020B0502040204020203" pitchFamily="50" charset="-127"/>
+              </a:rPr>
+              <a:t>, split() </a:t>
+            </a:r>
+            <a:r>
+              <a:rPr lang="ko-KR" altLang="en-US" sz="1400">
+                <a:ln>
+                  <a:solidFill>
+                    <a:schemeClr val="tx1">
+                      <a:alpha val="29000"/>
+                    </a:schemeClr>
+                  </a:solidFill>
+                </a:ln>
+                <a:latin typeface="+mn-ea"/>
+                <a:cs typeface="맑은 고딕 Semilight" panose="020B0502040204020203" pitchFamily="50" charset="-127"/>
+              </a:rPr>
+              <a:t>메소드 </a:t>
+            </a:r>
+            <a:r>
+              <a:rPr lang="ko-KR" altLang="en-US" sz="1400">
+                <a:ln>
+                  <a:solidFill>
+                    <a:schemeClr val="tx1">
+                      <a:alpha val="29000"/>
+                    </a:schemeClr>
+                  </a:solidFill>
+                </a:ln>
+                <a:latin typeface="+mn-ea"/>
+                <a:cs typeface="맑은 고딕 Semilight" panose="020B0502040204020203" pitchFamily="50" charset="-127"/>
+              </a:rPr>
+              <a:t>등을 </a:t>
+            </a:r>
+            <a:r>
+              <a:rPr lang="ko-KR" altLang="en-US" sz="1400" smtClean="0">
+                <a:ln>
+                  <a:solidFill>
+                    <a:schemeClr val="tx1">
+                      <a:alpha val="29000"/>
+                    </a:schemeClr>
+                  </a:solidFill>
+                </a:ln>
+                <a:latin typeface="+mn-ea"/>
+                <a:cs typeface="맑은 고딕 Semilight" panose="020B0502040204020203" pitchFamily="50" charset="-127"/>
+              </a:rPr>
+              <a:t>이용해</a:t>
+            </a:r>
+            <a:r>
+              <a:rPr lang="en-US" altLang="ko-KR" sz="1400" smtClean="0">
+                <a:ln>
+                  <a:solidFill>
+                    <a:schemeClr val="tx1">
+                      <a:alpha val="29000"/>
+                    </a:schemeClr>
+                  </a:solidFill>
+                </a:ln>
+                <a:latin typeface="+mn-ea"/>
+                <a:cs typeface="맑은 고딕 Semilight" panose="020B0502040204020203" pitchFamily="50" charset="-127"/>
+              </a:rPr>
+              <a:t/>
+            </a:r>
+            <a:br>
+              <a:rPr lang="en-US" altLang="ko-KR" sz="1400" smtClean="0">
+                <a:ln>
+                  <a:solidFill>
+                    <a:schemeClr val="tx1">
+                      <a:alpha val="29000"/>
+                    </a:schemeClr>
+                  </a:solidFill>
+                </a:ln>
+                <a:latin typeface="+mn-ea"/>
+                <a:cs typeface="맑은 고딕 Semilight" panose="020B0502040204020203" pitchFamily="50" charset="-127"/>
+              </a:rPr>
+            </a:br>
+            <a:r>
+              <a:rPr lang="ko-KR" altLang="en-US" sz="1400" smtClean="0">
+                <a:ln>
+                  <a:solidFill>
+                    <a:schemeClr val="tx1">
+                      <a:alpha val="29000"/>
+                    </a:schemeClr>
+                  </a:solidFill>
+                </a:ln>
+                <a:latin typeface="+mn-ea"/>
+                <a:cs typeface="맑은 고딕 Semilight" panose="020B0502040204020203" pitchFamily="50" charset="-127"/>
+              </a:rPr>
+              <a:t> </a:t>
+            </a:r>
+            <a:r>
+              <a:rPr lang="ko-KR" altLang="en-US" sz="1400">
+                <a:ln>
+                  <a:solidFill>
+                    <a:schemeClr val="tx1">
+                      <a:alpha val="29000"/>
+                    </a:schemeClr>
+                  </a:solidFill>
+                </a:ln>
+                <a:latin typeface="+mn-ea"/>
+                <a:cs typeface="맑은 고딕 Semilight" panose="020B0502040204020203" pitchFamily="50" charset="-127"/>
+              </a:rPr>
+              <a:t>먼저 배열로 변환한 후 사용하는 </a:t>
+            </a:r>
+            <a:r>
+              <a:rPr lang="ko-KR" altLang="en-US" sz="1400">
+                <a:ln>
+                  <a:solidFill>
+                    <a:schemeClr val="tx1">
+                      <a:alpha val="29000"/>
+                    </a:schemeClr>
+                  </a:solidFill>
+                </a:ln>
+                <a:latin typeface="+mn-ea"/>
+                <a:cs typeface="맑은 고딕 Semilight" panose="020B0502040204020203" pitchFamily="50" charset="-127"/>
+              </a:rPr>
+              <a:t>것이 </a:t>
+            </a:r>
+            <a:r>
+              <a:rPr lang="ko-KR" altLang="en-US" sz="1400" smtClean="0">
+                <a:ln>
+                  <a:solidFill>
+                    <a:schemeClr val="tx1">
+                      <a:alpha val="29000"/>
+                    </a:schemeClr>
+                  </a:solidFill>
+                </a:ln>
+                <a:latin typeface="+mn-ea"/>
+                <a:cs typeface="맑은 고딕 Semilight" panose="020B0502040204020203" pitchFamily="50" charset="-127"/>
+              </a:rPr>
+              <a:t>좋음</a:t>
+            </a:r>
+            <a:endParaRPr lang="en-US" altLang="ko-KR" sz="1400">
+              <a:ln>
+                <a:solidFill>
+                  <a:schemeClr val="tx1">
+                    <a:alpha val="29000"/>
+                  </a:schemeClr>
+                </a:solidFill>
+              </a:ln>
+              <a:latin typeface="+mn-ea"/>
+              <a:cs typeface="맑은 고딕 Semilight" panose="020B0502040204020203" pitchFamily="50" charset="-127"/>
+            </a:endParaRPr>
+          </a:p>
+        </p:txBody>
+      </p:sp>
+      <p:pic>
+        <p:nvPicPr>
+          <p:cNvPr id="3" name="그림 2"/>
+          <p:cNvPicPr>
+            <a:picLocks noChangeAspect="1"/>
+          </p:cNvPicPr>
+          <p:nvPr/>
+        </p:nvPicPr>
+        <p:blipFill>
+          <a:blip r:embed="rId3"/>
+          <a:stretch>
+            <a:fillRect/>
+          </a:stretch>
+        </p:blipFill>
+        <p:spPr>
+          <a:xfrm>
+            <a:off x="2070100" y="3163749"/>
+            <a:ext cx="6019800" cy="1057275"/>
+          </a:xfrm>
+          <a:prstGeom prst="rect">
+            <a:avLst/>
+          </a:prstGeom>
+        </p:spPr>
+      </p:pic>
+    </p:spTree>
+    <p:extLst>
+      <p:ext uri="{BB962C8B-B14F-4D97-AF65-F5344CB8AC3E}">
+        <p14:creationId xmlns:p14="http://schemas.microsoft.com/office/powerpoint/2010/main" val="4201063065"/>
       </p:ext>
     </p:extLst>
   </p:cSld>
@@ -6907,21 +11598,7 @@
                 <a:latin typeface="+mn-ea"/>
                 <a:cs typeface="맑은 고딕 Semilight" panose="020B0502040204020203" pitchFamily="50" charset="-127"/>
               </a:rPr>
-              <a:t>의 </a:t>
-            </a:r>
-            <a:r>
-              <a:rPr lang="ko-KR" altLang="en-US" sz="2000" smtClean="0">
-                <a:ln>
-                  <a:solidFill>
-                    <a:schemeClr val="tx1">
-                      <a:alpha val="29000"/>
-                    </a:schemeClr>
-                  </a:solidFill>
-                </a:ln>
-                <a:latin typeface="+mn-ea"/>
-                <a:cs typeface="맑은 고딕 Semilight" panose="020B0502040204020203" pitchFamily="50" charset="-127"/>
-              </a:rPr>
-              <a:t>배열 </a:t>
+              <a:t>의 배열 </a:t>
             </a:r>
             <a:endParaRPr lang="en-US" altLang="ko-KR" sz="2000" dirty="0">
               <a:ln>
@@ -7146,21 +11823,7 @@
                 <a:latin typeface="+mn-ea"/>
                 <a:cs typeface="맑은 고딕 Semilight" panose="020B0502040204020203" pitchFamily="50" charset="-127"/>
               </a:rPr>
-              <a:t>라고 </a:t>
-            </a:r>
-            <a:r>
-              <a:rPr lang="ko-KR" altLang="en-US" sz="1400">
-                <a:ln>
-                  <a:solidFill>
-                    <a:schemeClr val="tx1">
-                      <a:alpha val="29000"/>
-                    </a:schemeClr>
-                  </a:solidFill>
-                </a:ln>
-                <a:latin typeface="+mn-ea"/>
-                <a:cs typeface="맑은 고딕 Semilight" panose="020B0502040204020203" pitchFamily="50" charset="-127"/>
-              </a:rPr>
-              <a:t>하며</a:t>
+              <a:t>라고 하며</a:t>
             </a:r>
             <a:r>
               <a:rPr lang="en-US" altLang="ko-KR" sz="1400" smtClean="0">
@@ -7256,21 +11919,7 @@
                 <a:latin typeface="+mn-ea"/>
                 <a:cs typeface="맑은 고딕 Semilight" panose="020B0502040204020203" pitchFamily="50" charset="-127"/>
               </a:rPr>
-              <a:t>자바스크립트에서 배열의 특징은 </a:t>
-            </a:r>
-            <a:r>
-              <a:rPr lang="ko-KR" altLang="en-US" sz="1400">
-                <a:ln>
-                  <a:solidFill>
-                    <a:schemeClr val="tx1">
-                      <a:alpha val="29000"/>
-                    </a:schemeClr>
-                  </a:solidFill>
-                </a:ln>
-                <a:latin typeface="+mn-ea"/>
-                <a:cs typeface="맑은 고딕 Semilight" panose="020B0502040204020203" pitchFamily="50" charset="-127"/>
-              </a:rPr>
-              <a:t>다음과 </a:t>
+              <a:t>자바스크립트에서 배열의 특징은 다음과 </a:t>
             </a:r>
             <a:r>
               <a:rPr lang="ko-KR" altLang="en-US" sz="1400" smtClean="0">
@@ -7364,21 +12013,7 @@
                 <a:latin typeface="+mn-ea"/>
                 <a:cs typeface="맑은 고딕 Semilight" panose="020B0502040204020203" pitchFamily="50" charset="-127"/>
               </a:rPr>
-              <a:t>같은 배열에 있는 배열 요소끼리의 타입이 서로 다를 </a:t>
-            </a:r>
-            <a:r>
-              <a:rPr lang="ko-KR" altLang="en-US" sz="1200">
-                <a:ln>
-                  <a:solidFill>
-                    <a:schemeClr val="tx1">
-                      <a:alpha val="29000"/>
-                    </a:schemeClr>
-                  </a:solidFill>
-                </a:ln>
-                <a:latin typeface="+mn-ea"/>
-                <a:cs typeface="맑은 고딕 Semilight" panose="020B0502040204020203" pitchFamily="50" charset="-127"/>
-              </a:rPr>
-              <a:t>수도 </a:t>
+              <a:t>같은 배열에 있는 배열 요소끼리의 타입이 서로 다를 수도 </a:t>
             </a:r>
             <a:r>
               <a:rPr lang="ko-KR" altLang="en-US" sz="1200" smtClean="0">
@@ -7472,21 +12107,7 @@
                 <a:latin typeface="+mn-ea"/>
                 <a:cs typeface="맑은 고딕 Semilight" panose="020B0502040204020203" pitchFamily="50" charset="-127"/>
               </a:rPr>
-              <a:t>따라서 특정 배열 요소가 비어 있을 </a:t>
-            </a:r>
-            <a:r>
-              <a:rPr lang="ko-KR" altLang="en-US" sz="1200">
-                <a:ln>
-                  <a:solidFill>
-                    <a:schemeClr val="tx1">
-                      <a:alpha val="29000"/>
-                    </a:schemeClr>
-                  </a:solidFill>
-                </a:ln>
-                <a:latin typeface="+mn-ea"/>
-                <a:cs typeface="맑은 고딕 Semilight" panose="020B0502040204020203" pitchFamily="50" charset="-127"/>
-              </a:rPr>
-              <a:t>수도 </a:t>
+              <a:t>따라서 특정 배열 요소가 비어 있을 수도 </a:t>
             </a:r>
             <a:r>
               <a:rPr lang="ko-KR" altLang="en-US" sz="1200" smtClean="0">
@@ -7614,6 +12235,2053 @@
     <p:extLst>
       <p:ext uri="{BB962C8B-B14F-4D97-AF65-F5344CB8AC3E}">
         <p14:creationId xmlns:p14="http://schemas.microsoft.com/office/powerpoint/2010/main" val="3378598342"/>
+      </p:ext>
+    </p:extLst>
+  </p:cSld>
+  <p:clrMapOvr>
+    <a:masterClrMapping/>
+  </p:clrMapOvr>
+  <p:timing>
+    <p:tnLst>
+      <p:par>
+        <p:cTn id="1" dur="indefinite" restart="never" nodeType="tmRoot"/>
+      </p:par>
+    </p:tnLst>
+  </p:timing>
+</p:sld>
+</file>
+
+<file path=ppt/slides/slide20.xml><?xml version="1.0" encoding="utf-8"?>
+<p:sld xmlns:a="http://schemas.openxmlformats.org/drawingml/2006/main" xmlns:r="http://schemas.openxmlformats.org/officeDocument/2006/relationships" xmlns:p="http://schemas.openxmlformats.org/presentationml/2006/main">
+  <p:cSld>
+    <p:spTree>
+      <p:nvGrpSpPr>
+        <p:cNvPr id="1" name=""/>
+        <p:cNvGrpSpPr/>
+        <p:nvPr/>
+      </p:nvGrpSpPr>
+      <p:grpSpPr>
+        <a:xfrm>
+          <a:off x="0" y="0"/>
+          <a:ext cx="0" cy="0"/>
+          <a:chOff x="0" y="0"/>
+          <a:chExt cx="0" cy="0"/>
+        </a:xfrm>
+      </p:grpSpPr>
+      <p:cxnSp>
+        <p:nvCxnSpPr>
+          <p:cNvPr id="7" name="직선 연결선 6"/>
+          <p:cNvCxnSpPr/>
+          <p:nvPr/>
+        </p:nvCxnSpPr>
+        <p:spPr>
+          <a:xfrm>
+            <a:off x="0" y="683316"/>
+            <a:ext cx="2650435" cy="0"/>
+          </a:xfrm>
+          <a:prstGeom prst="line">
+            <a:avLst/>
+          </a:prstGeom>
+          <a:ln w="28575">
+            <a:solidFill>
+              <a:srgbClr val="ED553B"/>
+            </a:solidFill>
+            <a:tailEnd type="oval" w="lg" len="lg"/>
+          </a:ln>
+        </p:spPr>
+        <p:style>
+          <a:lnRef idx="1">
+            <a:schemeClr val="accent1"/>
+          </a:lnRef>
+          <a:fillRef idx="0">
+            <a:schemeClr val="accent1"/>
+          </a:fillRef>
+          <a:effectRef idx="0">
+            <a:schemeClr val="accent1"/>
+          </a:effectRef>
+          <a:fontRef idx="minor">
+            <a:schemeClr val="tx1"/>
+          </a:fontRef>
+        </p:style>
+      </p:cxnSp>
+      <p:sp>
+        <p:nvSpPr>
+          <p:cNvPr id="9" name="TextBox 8"/>
+          <p:cNvSpPr txBox="1"/>
+          <p:nvPr/>
+        </p:nvSpPr>
+        <p:spPr>
+          <a:xfrm>
+            <a:off x="322413" y="140957"/>
+            <a:ext cx="5552787" cy="400110"/>
+          </a:xfrm>
+          <a:prstGeom prst="rect">
+            <a:avLst/>
+          </a:prstGeom>
+          <a:noFill/>
+        </p:spPr>
+        <p:txBody>
+          <a:bodyPr wrap="square" rtlCol="0">
+            <a:spAutoFit/>
+          </a:bodyPr>
+          <a:lstStyle/>
+          <a:p>
+            <a:r>
+              <a:rPr lang="en-US" altLang="ko-KR" sz="2000" smtClean="0">
+                <a:ln>
+                  <a:solidFill>
+                    <a:schemeClr val="tx1">
+                      <a:alpha val="29000"/>
+                    </a:schemeClr>
+                  </a:solidFill>
+                </a:ln>
+                <a:latin typeface="+mn-ea"/>
+                <a:cs typeface="맑은 고딕 Semilight" panose="020B0502040204020203" pitchFamily="50" charset="-127"/>
+              </a:rPr>
+              <a:t>JavaScript</a:t>
+            </a:r>
+            <a:r>
+              <a:rPr lang="ko-KR" altLang="en-US" sz="2000" smtClean="0">
+                <a:ln>
+                  <a:solidFill>
+                    <a:schemeClr val="tx1">
+                      <a:alpha val="29000"/>
+                    </a:schemeClr>
+                  </a:solidFill>
+                </a:ln>
+                <a:latin typeface="+mn-ea"/>
+                <a:cs typeface="맑은 고딕 Semilight" panose="020B0502040204020203" pitchFamily="50" charset="-127"/>
+              </a:rPr>
+              <a:t>의 배열 </a:t>
+            </a:r>
+            <a:endParaRPr lang="en-US" altLang="ko-KR" sz="2000" dirty="0">
+              <a:ln>
+                <a:solidFill>
+                  <a:schemeClr val="tx1">
+                    <a:alpha val="29000"/>
+                  </a:schemeClr>
+                </a:solidFill>
+              </a:ln>
+              <a:latin typeface="+mn-ea"/>
+              <a:cs typeface="맑은 고딕 Semilight" panose="020B0502040204020203" pitchFamily="50" charset="-127"/>
+            </a:endParaRPr>
+          </a:p>
+        </p:txBody>
+      </p:sp>
+      <p:sp>
+        <p:nvSpPr>
+          <p:cNvPr id="74" name="TextBox 73"/>
+          <p:cNvSpPr txBox="1"/>
+          <p:nvPr/>
+        </p:nvSpPr>
+        <p:spPr>
+          <a:xfrm>
+            <a:off x="267599" y="825566"/>
+            <a:ext cx="9578660" cy="1154162"/>
+          </a:xfrm>
+          <a:prstGeom prst="rect">
+            <a:avLst/>
+          </a:prstGeom>
+          <a:noFill/>
+        </p:spPr>
+        <p:txBody>
+          <a:bodyPr wrap="square" rtlCol="0">
+            <a:spAutoFit/>
+          </a:bodyPr>
+          <a:lstStyle/>
+          <a:p>
+            <a:pPr marL="285750" indent="-285750">
+              <a:lnSpc>
+                <a:spcPct val="150000"/>
+              </a:lnSpc>
+              <a:buFont typeface="Arial" panose="020B0604020202020204" pitchFamily="34" charset="0"/>
+              <a:buChar char="•"/>
+            </a:pPr>
+            <a:r>
+              <a:rPr lang="ko-KR" altLang="en-US" sz="1800">
+                <a:ln>
+                  <a:solidFill>
+                    <a:schemeClr val="tx1">
+                      <a:alpha val="29000"/>
+                    </a:schemeClr>
+                  </a:solidFill>
+                </a:ln>
+                <a:latin typeface="+mn-ea"/>
+                <a:cs typeface="맑은 고딕 Semilight" panose="020B0502040204020203" pitchFamily="50" charset="-127"/>
+                <a:sym typeface="Wingdings" panose="05000000000000000000" pitchFamily="2" charset="2"/>
+              </a:rPr>
+              <a:t>자바스크립트에서 배열 </a:t>
+            </a:r>
+            <a:r>
+              <a:rPr lang="ko-KR" altLang="en-US" sz="1800">
+                <a:ln>
+                  <a:solidFill>
+                    <a:schemeClr val="tx1">
+                      <a:alpha val="29000"/>
+                    </a:schemeClr>
+                  </a:solidFill>
+                </a:ln>
+                <a:latin typeface="+mn-ea"/>
+                <a:cs typeface="맑은 고딕 Semilight" panose="020B0502040204020203" pitchFamily="50" charset="-127"/>
+                <a:sym typeface="Wingdings" panose="05000000000000000000" pitchFamily="2" charset="2"/>
+              </a:rPr>
+              <a:t>여부 </a:t>
+            </a:r>
+            <a:r>
+              <a:rPr lang="ko-KR" altLang="en-US" sz="1800" smtClean="0">
+                <a:ln>
+                  <a:solidFill>
+                    <a:schemeClr val="tx1">
+                      <a:alpha val="29000"/>
+                    </a:schemeClr>
+                  </a:solidFill>
+                </a:ln>
+                <a:latin typeface="+mn-ea"/>
+                <a:cs typeface="맑은 고딕 Semilight" panose="020B0502040204020203" pitchFamily="50" charset="-127"/>
+                <a:sym typeface="Wingdings" panose="05000000000000000000" pitchFamily="2" charset="2"/>
+              </a:rPr>
+              <a:t>확인</a:t>
+            </a:r>
+            <a:endParaRPr lang="en-US" altLang="ko-KR" sz="1800" dirty="0">
+              <a:ln>
+                <a:solidFill>
+                  <a:schemeClr val="tx1">
+                    <a:alpha val="29000"/>
+                  </a:schemeClr>
+                </a:solidFill>
+              </a:ln>
+              <a:latin typeface="+mn-ea"/>
+              <a:cs typeface="맑은 고딕 Semilight" panose="020B0502040204020203" pitchFamily="50" charset="-127"/>
+              <a:sym typeface="Wingdings" panose="05000000000000000000" pitchFamily="2" charset="2"/>
+            </a:endParaRPr>
+          </a:p>
+          <a:p>
+            <a:pPr marL="449263" lvl="1" indent="-182563">
+              <a:lnSpc>
+                <a:spcPct val="150000"/>
+              </a:lnSpc>
+              <a:buFontTx/>
+              <a:buChar char="-"/>
+              <a:tabLst>
+                <a:tab pos="182563" algn="l"/>
+                <a:tab pos="449263" algn="l"/>
+              </a:tabLst>
+            </a:pPr>
+            <a:r>
+              <a:rPr lang="ko-KR" altLang="en-US" sz="1400">
+                <a:ln>
+                  <a:solidFill>
+                    <a:schemeClr val="tx1">
+                      <a:alpha val="29000"/>
+                    </a:schemeClr>
+                  </a:solidFill>
+                </a:ln>
+                <a:latin typeface="+mn-ea"/>
+                <a:cs typeface="맑은 고딕 Semilight" panose="020B0502040204020203" pitchFamily="50" charset="-127"/>
+              </a:rPr>
+              <a:t>자바스크립트에서는 배열이라는 타입</a:t>
+            </a:r>
+            <a:r>
+              <a:rPr lang="en-US" altLang="ko-KR" sz="1400">
+                <a:ln>
+                  <a:solidFill>
+                    <a:schemeClr val="tx1">
+                      <a:alpha val="29000"/>
+                    </a:schemeClr>
+                  </a:solidFill>
+                </a:ln>
+                <a:latin typeface="+mn-ea"/>
+                <a:cs typeface="맑은 고딕 Semilight" panose="020B0502040204020203" pitchFamily="50" charset="-127"/>
+              </a:rPr>
+              <a:t>(type)</a:t>
+            </a:r>
+            <a:r>
+              <a:rPr lang="ko-KR" altLang="en-US" sz="1400">
+                <a:ln>
+                  <a:solidFill>
+                    <a:schemeClr val="tx1">
+                      <a:alpha val="29000"/>
+                    </a:schemeClr>
+                  </a:solidFill>
+                </a:ln>
+                <a:latin typeface="+mn-ea"/>
+                <a:cs typeface="맑은 고딕 Semilight" panose="020B0502040204020203" pitchFamily="50" charset="-127"/>
+              </a:rPr>
+              <a:t>을 별도로 제공하지 않음</a:t>
+            </a:r>
+          </a:p>
+          <a:p>
+            <a:pPr marL="449263" lvl="1" indent="-182563">
+              <a:lnSpc>
+                <a:spcPct val="150000"/>
+              </a:lnSpc>
+              <a:buFontTx/>
+              <a:buChar char="-"/>
+              <a:tabLst>
+                <a:tab pos="182563" algn="l"/>
+                <a:tab pos="449263" algn="l"/>
+              </a:tabLst>
+            </a:pPr>
+            <a:r>
+              <a:rPr lang="ko-KR" altLang="en-US" sz="1400">
+                <a:ln>
+                  <a:solidFill>
+                    <a:schemeClr val="tx1">
+                      <a:alpha val="29000"/>
+                    </a:schemeClr>
+                  </a:solidFill>
+                </a:ln>
+                <a:latin typeface="+mn-ea"/>
+                <a:cs typeface="맑은 고딕 Semilight" panose="020B0502040204020203" pitchFamily="50" charset="-127"/>
+              </a:rPr>
+              <a:t>자바스크립트 배열은 객체</a:t>
+            </a:r>
+            <a:r>
+              <a:rPr lang="en-US" altLang="ko-KR" sz="1400">
+                <a:ln>
+                  <a:solidFill>
+                    <a:schemeClr val="tx1">
+                      <a:alpha val="29000"/>
+                    </a:schemeClr>
+                  </a:solidFill>
+                </a:ln>
+                <a:latin typeface="+mn-ea"/>
+                <a:cs typeface="맑은 고딕 Semilight" panose="020B0502040204020203" pitchFamily="50" charset="-127"/>
+              </a:rPr>
+              <a:t>(object) </a:t>
+            </a:r>
+            <a:r>
+              <a:rPr lang="ko-KR" altLang="en-US" sz="1400">
+                <a:ln>
+                  <a:solidFill>
+                    <a:schemeClr val="tx1">
+                      <a:alpha val="29000"/>
+                    </a:schemeClr>
+                  </a:solidFill>
+                </a:ln>
+                <a:latin typeface="+mn-ea"/>
+                <a:cs typeface="맑은 고딕 Semilight" panose="020B0502040204020203" pitchFamily="50" charset="-127"/>
+              </a:rPr>
+              <a:t>타입이 되며</a:t>
+            </a:r>
+            <a:r>
+              <a:rPr lang="en-US" altLang="ko-KR" sz="1400">
+                <a:ln>
+                  <a:solidFill>
+                    <a:schemeClr val="tx1">
+                      <a:alpha val="29000"/>
+                    </a:schemeClr>
+                  </a:solidFill>
+                </a:ln>
+                <a:latin typeface="+mn-ea"/>
+                <a:cs typeface="맑은 고딕 Semilight" panose="020B0502040204020203" pitchFamily="50" charset="-127"/>
+              </a:rPr>
+              <a:t>, typeof </a:t>
+            </a:r>
+            <a:r>
+              <a:rPr lang="ko-KR" altLang="en-US" sz="1400">
+                <a:ln>
+                  <a:solidFill>
+                    <a:schemeClr val="tx1">
+                      <a:alpha val="29000"/>
+                    </a:schemeClr>
+                  </a:solidFill>
+                </a:ln>
+                <a:latin typeface="+mn-ea"/>
+                <a:cs typeface="맑은 고딕 Semilight" panose="020B0502040204020203" pitchFamily="50" charset="-127"/>
+              </a:rPr>
+              <a:t>연산자를 사용하면 </a:t>
+            </a:r>
+            <a:r>
+              <a:rPr lang="en-US" altLang="ko-KR" sz="1400">
+                <a:ln>
+                  <a:solidFill>
+                    <a:schemeClr val="tx1">
+                      <a:alpha val="29000"/>
+                    </a:schemeClr>
+                  </a:solidFill>
+                </a:ln>
+                <a:latin typeface="+mn-ea"/>
+                <a:cs typeface="맑은 고딕 Semilight" panose="020B0502040204020203" pitchFamily="50" charset="-127"/>
+              </a:rPr>
+              <a:t>'object'</a:t>
+            </a:r>
+            <a:r>
+              <a:rPr lang="ko-KR" altLang="en-US" sz="1400">
+                <a:ln>
+                  <a:solidFill>
+                    <a:schemeClr val="tx1">
+                      <a:alpha val="29000"/>
+                    </a:schemeClr>
+                  </a:solidFill>
+                </a:ln>
+                <a:latin typeface="+mn-ea"/>
+                <a:cs typeface="맑은 고딕 Semilight" panose="020B0502040204020203" pitchFamily="50" charset="-127"/>
+              </a:rPr>
+              <a:t>를 반환</a:t>
+            </a:r>
+            <a:endParaRPr lang="en-US" altLang="ko-KR" sz="1400">
+              <a:ln>
+                <a:solidFill>
+                  <a:schemeClr val="tx1">
+                    <a:alpha val="29000"/>
+                  </a:schemeClr>
+                </a:solidFill>
+              </a:ln>
+              <a:latin typeface="+mn-ea"/>
+              <a:cs typeface="맑은 고딕 Semilight" panose="020B0502040204020203" pitchFamily="50" charset="-127"/>
+            </a:endParaRPr>
+          </a:p>
+        </p:txBody>
+      </p:sp>
+      <p:pic>
+        <p:nvPicPr>
+          <p:cNvPr id="2" name="그림 1"/>
+          <p:cNvPicPr>
+            <a:picLocks noChangeAspect="1"/>
+          </p:cNvPicPr>
+          <p:nvPr/>
+        </p:nvPicPr>
+        <p:blipFill>
+          <a:blip r:embed="rId3"/>
+          <a:stretch>
+            <a:fillRect/>
+          </a:stretch>
+        </p:blipFill>
+        <p:spPr>
+          <a:xfrm>
+            <a:off x="2051050" y="2495550"/>
+            <a:ext cx="6057900" cy="1333500"/>
+          </a:xfrm>
+          <a:prstGeom prst="rect">
+            <a:avLst/>
+          </a:prstGeom>
+        </p:spPr>
+      </p:pic>
+    </p:spTree>
+    <p:extLst>
+      <p:ext uri="{BB962C8B-B14F-4D97-AF65-F5344CB8AC3E}">
+        <p14:creationId xmlns:p14="http://schemas.microsoft.com/office/powerpoint/2010/main" val="3250708916"/>
+      </p:ext>
+    </p:extLst>
+  </p:cSld>
+  <p:clrMapOvr>
+    <a:masterClrMapping/>
+  </p:clrMapOvr>
+  <p:timing>
+    <p:tnLst>
+      <p:par>
+        <p:cTn id="1" dur="indefinite" restart="never" nodeType="tmRoot"/>
+      </p:par>
+    </p:tnLst>
+  </p:timing>
+</p:sld>
+</file>
+
+<file path=ppt/slides/slide21.xml><?xml version="1.0" encoding="utf-8"?>
+<p:sld xmlns:a="http://schemas.openxmlformats.org/drawingml/2006/main" xmlns:r="http://schemas.openxmlformats.org/officeDocument/2006/relationships" xmlns:p="http://schemas.openxmlformats.org/presentationml/2006/main">
+  <p:cSld>
+    <p:spTree>
+      <p:nvGrpSpPr>
+        <p:cNvPr id="1" name=""/>
+        <p:cNvGrpSpPr/>
+        <p:nvPr/>
+      </p:nvGrpSpPr>
+      <p:grpSpPr>
+        <a:xfrm>
+          <a:off x="0" y="0"/>
+          <a:ext cx="0" cy="0"/>
+          <a:chOff x="0" y="0"/>
+          <a:chExt cx="0" cy="0"/>
+        </a:xfrm>
+      </p:grpSpPr>
+      <p:cxnSp>
+        <p:nvCxnSpPr>
+          <p:cNvPr id="7" name="직선 연결선 6"/>
+          <p:cNvCxnSpPr/>
+          <p:nvPr/>
+        </p:nvCxnSpPr>
+        <p:spPr>
+          <a:xfrm>
+            <a:off x="0" y="683316"/>
+            <a:ext cx="2650435" cy="0"/>
+          </a:xfrm>
+          <a:prstGeom prst="line">
+            <a:avLst/>
+          </a:prstGeom>
+          <a:ln w="28575">
+            <a:solidFill>
+              <a:srgbClr val="ED553B"/>
+            </a:solidFill>
+            <a:tailEnd type="oval" w="lg" len="lg"/>
+          </a:ln>
+        </p:spPr>
+        <p:style>
+          <a:lnRef idx="1">
+            <a:schemeClr val="accent1"/>
+          </a:lnRef>
+          <a:fillRef idx="0">
+            <a:schemeClr val="accent1"/>
+          </a:fillRef>
+          <a:effectRef idx="0">
+            <a:schemeClr val="accent1"/>
+          </a:effectRef>
+          <a:fontRef idx="minor">
+            <a:schemeClr val="tx1"/>
+          </a:fontRef>
+        </p:style>
+      </p:cxnSp>
+      <p:sp>
+        <p:nvSpPr>
+          <p:cNvPr id="9" name="TextBox 8"/>
+          <p:cNvSpPr txBox="1"/>
+          <p:nvPr/>
+        </p:nvSpPr>
+        <p:spPr>
+          <a:xfrm>
+            <a:off x="322413" y="140957"/>
+            <a:ext cx="5552787" cy="400110"/>
+          </a:xfrm>
+          <a:prstGeom prst="rect">
+            <a:avLst/>
+          </a:prstGeom>
+          <a:noFill/>
+        </p:spPr>
+        <p:txBody>
+          <a:bodyPr wrap="square" rtlCol="0">
+            <a:spAutoFit/>
+          </a:bodyPr>
+          <a:lstStyle/>
+          <a:p>
+            <a:r>
+              <a:rPr lang="en-US" altLang="ko-KR" sz="2000" smtClean="0">
+                <a:ln>
+                  <a:solidFill>
+                    <a:schemeClr val="tx1">
+                      <a:alpha val="29000"/>
+                    </a:schemeClr>
+                  </a:solidFill>
+                </a:ln>
+                <a:latin typeface="+mn-ea"/>
+                <a:cs typeface="맑은 고딕 Semilight" panose="020B0502040204020203" pitchFamily="50" charset="-127"/>
+              </a:rPr>
+              <a:t>JavaScript</a:t>
+            </a:r>
+            <a:r>
+              <a:rPr lang="ko-KR" altLang="en-US" sz="2000" smtClean="0">
+                <a:ln>
+                  <a:solidFill>
+                    <a:schemeClr val="tx1">
+                      <a:alpha val="29000"/>
+                    </a:schemeClr>
+                  </a:solidFill>
+                </a:ln>
+                <a:latin typeface="+mn-ea"/>
+                <a:cs typeface="맑은 고딕 Semilight" panose="020B0502040204020203" pitchFamily="50" charset="-127"/>
+              </a:rPr>
+              <a:t>의 배열 </a:t>
+            </a:r>
+            <a:endParaRPr lang="en-US" altLang="ko-KR" sz="2000" dirty="0">
+              <a:ln>
+                <a:solidFill>
+                  <a:schemeClr val="tx1">
+                    <a:alpha val="29000"/>
+                  </a:schemeClr>
+                </a:solidFill>
+              </a:ln>
+              <a:latin typeface="+mn-ea"/>
+              <a:cs typeface="맑은 고딕 Semilight" panose="020B0502040204020203" pitchFamily="50" charset="-127"/>
+            </a:endParaRPr>
+          </a:p>
+        </p:txBody>
+      </p:sp>
+      <p:sp>
+        <p:nvSpPr>
+          <p:cNvPr id="74" name="TextBox 73"/>
+          <p:cNvSpPr txBox="1"/>
+          <p:nvPr/>
+        </p:nvSpPr>
+        <p:spPr>
+          <a:xfrm>
+            <a:off x="267599" y="825566"/>
+            <a:ext cx="9578660" cy="1985159"/>
+          </a:xfrm>
+          <a:prstGeom prst="rect">
+            <a:avLst/>
+          </a:prstGeom>
+          <a:noFill/>
+        </p:spPr>
+        <p:txBody>
+          <a:bodyPr wrap="square" rtlCol="0">
+            <a:spAutoFit/>
+          </a:bodyPr>
+          <a:lstStyle/>
+          <a:p>
+            <a:pPr marL="285750" indent="-285750">
+              <a:lnSpc>
+                <a:spcPct val="150000"/>
+              </a:lnSpc>
+              <a:buFont typeface="Arial" panose="020B0604020202020204" pitchFamily="34" charset="0"/>
+              <a:buChar char="•"/>
+            </a:pPr>
+            <a:r>
+              <a:rPr lang="ko-KR" altLang="en-US" sz="1800">
+                <a:ln>
+                  <a:solidFill>
+                    <a:schemeClr val="tx1">
+                      <a:alpha val="29000"/>
+                    </a:schemeClr>
+                  </a:solidFill>
+                </a:ln>
+                <a:latin typeface="+mn-ea"/>
+                <a:cs typeface="맑은 고딕 Semilight" panose="020B0502040204020203" pitchFamily="50" charset="-127"/>
+                <a:sym typeface="Wingdings" panose="05000000000000000000" pitchFamily="2" charset="2"/>
+              </a:rPr>
+              <a:t>자바스크립트에서 배열 </a:t>
+            </a:r>
+            <a:r>
+              <a:rPr lang="ko-KR" altLang="en-US" sz="1800">
+                <a:ln>
+                  <a:solidFill>
+                    <a:schemeClr val="tx1">
+                      <a:alpha val="29000"/>
+                    </a:schemeClr>
+                  </a:solidFill>
+                </a:ln>
+                <a:latin typeface="+mn-ea"/>
+                <a:cs typeface="맑은 고딕 Semilight" panose="020B0502040204020203" pitchFamily="50" charset="-127"/>
+                <a:sym typeface="Wingdings" panose="05000000000000000000" pitchFamily="2" charset="2"/>
+              </a:rPr>
+              <a:t>여부 </a:t>
+            </a:r>
+            <a:r>
+              <a:rPr lang="ko-KR" altLang="en-US" sz="1800" smtClean="0">
+                <a:ln>
+                  <a:solidFill>
+                    <a:schemeClr val="tx1">
+                      <a:alpha val="29000"/>
+                    </a:schemeClr>
+                  </a:solidFill>
+                </a:ln>
+                <a:latin typeface="+mn-ea"/>
+                <a:cs typeface="맑은 고딕 Semilight" panose="020B0502040204020203" pitchFamily="50" charset="-127"/>
+                <a:sym typeface="Wingdings" panose="05000000000000000000" pitchFamily="2" charset="2"/>
+              </a:rPr>
+              <a:t>확인</a:t>
+            </a:r>
+            <a:endParaRPr lang="en-US" altLang="ko-KR" sz="1800" dirty="0">
+              <a:ln>
+                <a:solidFill>
+                  <a:schemeClr val="tx1">
+                    <a:alpha val="29000"/>
+                  </a:schemeClr>
+                </a:solidFill>
+              </a:ln>
+              <a:latin typeface="+mn-ea"/>
+              <a:cs typeface="맑은 고딕 Semilight" panose="020B0502040204020203" pitchFamily="50" charset="-127"/>
+              <a:sym typeface="Wingdings" panose="05000000000000000000" pitchFamily="2" charset="2"/>
+            </a:endParaRPr>
+          </a:p>
+          <a:p>
+            <a:pPr marL="449263" lvl="1" indent="-182563">
+              <a:lnSpc>
+                <a:spcPct val="150000"/>
+              </a:lnSpc>
+              <a:buFontTx/>
+              <a:buChar char="-"/>
+              <a:tabLst>
+                <a:tab pos="182563" algn="l"/>
+                <a:tab pos="449263" algn="l"/>
+              </a:tabLst>
+            </a:pPr>
+            <a:r>
+              <a:rPr lang="ko-KR" altLang="en-US" sz="1400">
+                <a:ln>
+                  <a:solidFill>
+                    <a:schemeClr val="tx1">
+                      <a:alpha val="29000"/>
+                    </a:schemeClr>
+                  </a:solidFill>
+                </a:ln>
+                <a:latin typeface="+mn-ea"/>
+                <a:cs typeface="맑은 고딕 Semilight" panose="020B0502040204020203" pitchFamily="50" charset="-127"/>
+              </a:rPr>
+              <a:t>따라서 자바스크립트에서는 해당 변수가 배열인지 여부를 확인할 수 있도록 다음과 같은 </a:t>
+            </a:r>
+            <a:r>
+              <a:rPr lang="ko-KR" altLang="en-US" sz="1400">
+                <a:ln>
+                  <a:solidFill>
+                    <a:schemeClr val="tx1">
+                      <a:alpha val="29000"/>
+                    </a:schemeClr>
+                  </a:solidFill>
+                </a:ln>
+                <a:latin typeface="+mn-ea"/>
+                <a:cs typeface="맑은 고딕 Semilight" panose="020B0502040204020203" pitchFamily="50" charset="-127"/>
+              </a:rPr>
+              <a:t>방법들을 </a:t>
+            </a:r>
+            <a:r>
+              <a:rPr lang="ko-KR" altLang="en-US" sz="1400" smtClean="0">
+                <a:ln>
+                  <a:solidFill>
+                    <a:schemeClr val="tx1">
+                      <a:alpha val="29000"/>
+                    </a:schemeClr>
+                  </a:solidFill>
+                </a:ln>
+                <a:latin typeface="+mn-ea"/>
+                <a:cs typeface="맑은 고딕 Semilight" panose="020B0502040204020203" pitchFamily="50" charset="-127"/>
+              </a:rPr>
+              <a:t>제공</a:t>
+            </a:r>
+            <a:endParaRPr lang="en-US" altLang="ko-KR" sz="1400">
+              <a:ln>
+                <a:solidFill>
+                  <a:schemeClr val="tx1">
+                    <a:alpha val="29000"/>
+                  </a:schemeClr>
+                </a:solidFill>
+              </a:ln>
+              <a:latin typeface="+mn-ea"/>
+              <a:cs typeface="맑은 고딕 Semilight" panose="020B0502040204020203" pitchFamily="50" charset="-127"/>
+            </a:endParaRPr>
+          </a:p>
+          <a:p>
+            <a:pPr marL="966216" lvl="2" indent="-342900">
+              <a:lnSpc>
+                <a:spcPct val="150000"/>
+              </a:lnSpc>
+              <a:buFont typeface="+mj-lt"/>
+              <a:buAutoNum type="arabicParenR"/>
+              <a:tabLst>
+                <a:tab pos="182563" algn="l"/>
+                <a:tab pos="449263" algn="l"/>
+              </a:tabLst>
+            </a:pPr>
+            <a:r>
+              <a:rPr lang="en-US" altLang="ko-KR" sz="1200" smtClean="0">
+                <a:ln>
+                  <a:solidFill>
+                    <a:schemeClr val="tx1">
+                      <a:alpha val="29000"/>
+                    </a:schemeClr>
+                  </a:solidFill>
+                </a:ln>
+                <a:latin typeface="+mn-ea"/>
+                <a:cs typeface="맑은 고딕 Semilight" panose="020B0502040204020203" pitchFamily="50" charset="-127"/>
+              </a:rPr>
+              <a:t>Array.isArray</a:t>
+            </a:r>
+            <a:r>
+              <a:rPr lang="en-US" altLang="ko-KR" sz="1200">
+                <a:ln>
+                  <a:solidFill>
+                    <a:schemeClr val="tx1">
+                      <a:alpha val="29000"/>
+                    </a:schemeClr>
+                  </a:solidFill>
+                </a:ln>
+                <a:latin typeface="+mn-ea"/>
+                <a:cs typeface="맑은 고딕 Semilight" panose="020B0502040204020203" pitchFamily="50" charset="-127"/>
+              </a:rPr>
+              <a:t>() </a:t>
+            </a:r>
+            <a:r>
+              <a:rPr lang="ko-KR" altLang="en-US" sz="1200" smtClean="0">
+                <a:ln>
+                  <a:solidFill>
+                    <a:schemeClr val="tx1">
+                      <a:alpha val="29000"/>
+                    </a:schemeClr>
+                  </a:solidFill>
+                </a:ln>
+                <a:latin typeface="+mn-ea"/>
+                <a:cs typeface="맑은 고딕 Semilight" panose="020B0502040204020203" pitchFamily="50" charset="-127"/>
+              </a:rPr>
+              <a:t>메소드</a:t>
+            </a:r>
+            <a:endParaRPr lang="ko-KR" altLang="en-US" sz="1200">
+              <a:ln>
+                <a:solidFill>
+                  <a:schemeClr val="tx1">
+                    <a:alpha val="29000"/>
+                  </a:schemeClr>
+                </a:solidFill>
+              </a:ln>
+              <a:latin typeface="+mn-ea"/>
+              <a:cs typeface="맑은 고딕 Semilight" panose="020B0502040204020203" pitchFamily="50" charset="-127"/>
+            </a:endParaRPr>
+          </a:p>
+          <a:p>
+            <a:pPr marL="966216" lvl="2" indent="-342900">
+              <a:lnSpc>
+                <a:spcPct val="150000"/>
+              </a:lnSpc>
+              <a:buFont typeface="+mj-lt"/>
+              <a:buAutoNum type="arabicParenR"/>
+              <a:tabLst>
+                <a:tab pos="182563" algn="l"/>
+                <a:tab pos="449263" algn="l"/>
+              </a:tabLst>
+            </a:pPr>
+            <a:r>
+              <a:rPr lang="en-US" altLang="ko-KR" sz="1200" smtClean="0">
+                <a:ln>
+                  <a:solidFill>
+                    <a:schemeClr val="tx1">
+                      <a:alpha val="29000"/>
+                    </a:schemeClr>
+                  </a:solidFill>
+                </a:ln>
+                <a:latin typeface="+mn-ea"/>
+                <a:cs typeface="맑은 고딕 Semilight" panose="020B0502040204020203" pitchFamily="50" charset="-127"/>
+              </a:rPr>
+              <a:t>instanceof </a:t>
+            </a:r>
+            <a:r>
+              <a:rPr lang="ko-KR" altLang="en-US" sz="1200" smtClean="0">
+                <a:ln>
+                  <a:solidFill>
+                    <a:schemeClr val="tx1">
+                      <a:alpha val="29000"/>
+                    </a:schemeClr>
+                  </a:solidFill>
+                </a:ln>
+                <a:latin typeface="+mn-ea"/>
+                <a:cs typeface="맑은 고딕 Semilight" panose="020B0502040204020203" pitchFamily="50" charset="-127"/>
+              </a:rPr>
+              <a:t>연산자</a:t>
+            </a:r>
+            <a:endParaRPr lang="ko-KR" altLang="en-US" sz="1200">
+              <a:ln>
+                <a:solidFill>
+                  <a:schemeClr val="tx1">
+                    <a:alpha val="29000"/>
+                  </a:schemeClr>
+                </a:solidFill>
+              </a:ln>
+              <a:latin typeface="+mn-ea"/>
+              <a:cs typeface="맑은 고딕 Semilight" panose="020B0502040204020203" pitchFamily="50" charset="-127"/>
+            </a:endParaRPr>
+          </a:p>
+          <a:p>
+            <a:pPr marL="966216" lvl="2" indent="-342900">
+              <a:lnSpc>
+                <a:spcPct val="150000"/>
+              </a:lnSpc>
+              <a:buFont typeface="+mj-lt"/>
+              <a:buAutoNum type="arabicParenR"/>
+              <a:tabLst>
+                <a:tab pos="182563" algn="l"/>
+                <a:tab pos="449263" algn="l"/>
+              </a:tabLst>
+            </a:pPr>
+            <a:r>
+              <a:rPr lang="en-US" altLang="ko-KR" sz="1200" smtClean="0">
+                <a:ln>
+                  <a:solidFill>
+                    <a:schemeClr val="tx1">
+                      <a:alpha val="29000"/>
+                    </a:schemeClr>
+                  </a:solidFill>
+                </a:ln>
+                <a:latin typeface="+mn-ea"/>
+                <a:cs typeface="맑은 고딕 Semilight" panose="020B0502040204020203" pitchFamily="50" charset="-127"/>
+              </a:rPr>
+              <a:t>constructor </a:t>
+            </a:r>
+            <a:r>
+              <a:rPr lang="ko-KR" altLang="en-US" sz="1200" smtClean="0">
+                <a:ln>
+                  <a:solidFill>
+                    <a:schemeClr val="tx1">
+                      <a:alpha val="29000"/>
+                    </a:schemeClr>
+                  </a:solidFill>
+                </a:ln>
+                <a:latin typeface="+mn-ea"/>
+                <a:cs typeface="맑은 고딕 Semilight" panose="020B0502040204020203" pitchFamily="50" charset="-127"/>
+              </a:rPr>
+              <a:t>프로퍼티</a:t>
+            </a:r>
+            <a:endParaRPr lang="ko-KR" altLang="en-US" sz="1200">
+              <a:ln>
+                <a:solidFill>
+                  <a:schemeClr val="tx1">
+                    <a:alpha val="29000"/>
+                  </a:schemeClr>
+                </a:solidFill>
+              </a:ln>
+              <a:latin typeface="+mn-ea"/>
+              <a:cs typeface="맑은 고딕 Semilight" panose="020B0502040204020203" pitchFamily="50" charset="-127"/>
+            </a:endParaRPr>
+          </a:p>
+          <a:p>
+            <a:pPr marL="449263" lvl="1" indent="-182563">
+              <a:lnSpc>
+                <a:spcPct val="150000"/>
+              </a:lnSpc>
+              <a:buFontTx/>
+              <a:buChar char="-"/>
+              <a:tabLst>
+                <a:tab pos="182563" algn="l"/>
+                <a:tab pos="449263" algn="l"/>
+              </a:tabLst>
+            </a:pPr>
+            <a:r>
+              <a:rPr lang="en-US" altLang="ko-KR" sz="1400">
+                <a:ln>
+                  <a:solidFill>
+                    <a:schemeClr val="tx1">
+                      <a:alpha val="29000"/>
+                    </a:schemeClr>
+                  </a:solidFill>
+                </a:ln>
+                <a:latin typeface="+mn-ea"/>
+                <a:cs typeface="맑은 고딕 Semilight" panose="020B0502040204020203" pitchFamily="50" charset="-127"/>
+              </a:rPr>
+              <a:t>ECMAScript 5</a:t>
+            </a:r>
+            <a:r>
+              <a:rPr lang="ko-KR" altLang="en-US" sz="1400">
+                <a:ln>
+                  <a:solidFill>
+                    <a:schemeClr val="tx1">
+                      <a:alpha val="29000"/>
+                    </a:schemeClr>
+                  </a:solidFill>
+                </a:ln>
+                <a:latin typeface="+mn-ea"/>
+                <a:cs typeface="맑은 고딕 Semilight" panose="020B0502040204020203" pitchFamily="50" charset="-127"/>
+              </a:rPr>
+              <a:t>부터는 </a:t>
+            </a:r>
+            <a:r>
+              <a:rPr lang="en-US" altLang="ko-KR" sz="1400">
+                <a:ln>
+                  <a:solidFill>
+                    <a:schemeClr val="tx1">
+                      <a:alpha val="29000"/>
+                    </a:schemeClr>
+                  </a:solidFill>
+                </a:ln>
+                <a:latin typeface="+mn-ea"/>
+                <a:cs typeface="맑은 고딕 Semilight" panose="020B0502040204020203" pitchFamily="50" charset="-127"/>
+              </a:rPr>
+              <a:t>Array </a:t>
+            </a:r>
+            <a:r>
+              <a:rPr lang="ko-KR" altLang="en-US" sz="1400">
+                <a:ln>
+                  <a:solidFill>
+                    <a:schemeClr val="tx1">
+                      <a:alpha val="29000"/>
+                    </a:schemeClr>
+                  </a:solidFill>
+                </a:ln>
+                <a:latin typeface="+mn-ea"/>
+                <a:cs typeface="맑은 고딕 Semilight" panose="020B0502040204020203" pitchFamily="50" charset="-127"/>
+              </a:rPr>
+              <a:t>클래스에 </a:t>
+            </a:r>
+            <a:r>
+              <a:rPr lang="en-US" altLang="ko-KR" sz="1400">
+                <a:ln>
+                  <a:solidFill>
+                    <a:schemeClr val="tx1">
+                      <a:alpha val="29000"/>
+                    </a:schemeClr>
+                  </a:solidFill>
+                </a:ln>
+                <a:latin typeface="+mn-ea"/>
+                <a:cs typeface="맑은 고딕 Semilight" panose="020B0502040204020203" pitchFamily="50" charset="-127"/>
+              </a:rPr>
+              <a:t>isArray()</a:t>
+            </a:r>
+            <a:r>
+              <a:rPr lang="ko-KR" altLang="en-US" sz="1400">
+                <a:ln>
+                  <a:solidFill>
+                    <a:schemeClr val="tx1">
+                      <a:alpha val="29000"/>
+                    </a:schemeClr>
+                  </a:solidFill>
+                </a:ln>
+                <a:latin typeface="+mn-ea"/>
+                <a:cs typeface="맑은 고딕 Semilight" panose="020B0502040204020203" pitchFamily="50" charset="-127"/>
+              </a:rPr>
+              <a:t>라는 배열 여부를 확인할 수 있는 </a:t>
+            </a:r>
+            <a:r>
+              <a:rPr lang="ko-KR" altLang="en-US" sz="1400">
+                <a:ln>
+                  <a:solidFill>
+                    <a:schemeClr val="tx1">
+                      <a:alpha val="29000"/>
+                    </a:schemeClr>
+                  </a:solidFill>
+                </a:ln>
+                <a:latin typeface="+mn-ea"/>
+                <a:cs typeface="맑은 고딕 Semilight" panose="020B0502040204020203" pitchFamily="50" charset="-127"/>
+              </a:rPr>
+              <a:t>메소드를 </a:t>
+            </a:r>
+            <a:r>
+              <a:rPr lang="ko-KR" altLang="en-US" sz="1400" smtClean="0">
+                <a:ln>
+                  <a:solidFill>
+                    <a:schemeClr val="tx1">
+                      <a:alpha val="29000"/>
+                    </a:schemeClr>
+                  </a:solidFill>
+                </a:ln>
+                <a:latin typeface="+mn-ea"/>
+                <a:cs typeface="맑은 고딕 Semilight" panose="020B0502040204020203" pitchFamily="50" charset="-127"/>
+              </a:rPr>
+              <a:t>추가</a:t>
+            </a:r>
+            <a:endParaRPr lang="en-US" altLang="ko-KR" sz="1400">
+              <a:ln>
+                <a:solidFill>
+                  <a:schemeClr val="tx1">
+                    <a:alpha val="29000"/>
+                  </a:schemeClr>
+                </a:solidFill>
+              </a:ln>
+              <a:latin typeface="+mn-ea"/>
+              <a:cs typeface="맑은 고딕 Semilight" panose="020B0502040204020203" pitchFamily="50" charset="-127"/>
+            </a:endParaRPr>
+          </a:p>
+        </p:txBody>
+      </p:sp>
+      <p:pic>
+        <p:nvPicPr>
+          <p:cNvPr id="3" name="그림 2"/>
+          <p:cNvPicPr>
+            <a:picLocks noChangeAspect="1"/>
+          </p:cNvPicPr>
+          <p:nvPr/>
+        </p:nvPicPr>
+        <p:blipFill>
+          <a:blip r:embed="rId3"/>
+          <a:stretch>
+            <a:fillRect/>
+          </a:stretch>
+        </p:blipFill>
+        <p:spPr>
+          <a:xfrm>
+            <a:off x="2046287" y="3293372"/>
+            <a:ext cx="6067425" cy="1381125"/>
+          </a:xfrm>
+          <a:prstGeom prst="rect">
+            <a:avLst/>
+          </a:prstGeom>
+        </p:spPr>
+      </p:pic>
+    </p:spTree>
+    <p:extLst>
+      <p:ext uri="{BB962C8B-B14F-4D97-AF65-F5344CB8AC3E}">
+        <p14:creationId xmlns:p14="http://schemas.microsoft.com/office/powerpoint/2010/main" val="221600123"/>
+      </p:ext>
+    </p:extLst>
+  </p:cSld>
+  <p:clrMapOvr>
+    <a:masterClrMapping/>
+  </p:clrMapOvr>
+  <p:timing>
+    <p:tnLst>
+      <p:par>
+        <p:cTn id="1" dur="indefinite" restart="never" nodeType="tmRoot"/>
+      </p:par>
+    </p:tnLst>
+  </p:timing>
+</p:sld>
+</file>
+
+<file path=ppt/slides/slide22.xml><?xml version="1.0" encoding="utf-8"?>
+<p:sld xmlns:a="http://schemas.openxmlformats.org/drawingml/2006/main" xmlns:r="http://schemas.openxmlformats.org/officeDocument/2006/relationships" xmlns:p="http://schemas.openxmlformats.org/presentationml/2006/main">
+  <p:cSld>
+    <p:spTree>
+      <p:nvGrpSpPr>
+        <p:cNvPr id="1" name=""/>
+        <p:cNvGrpSpPr/>
+        <p:nvPr/>
+      </p:nvGrpSpPr>
+      <p:grpSpPr>
+        <a:xfrm>
+          <a:off x="0" y="0"/>
+          <a:ext cx="0" cy="0"/>
+          <a:chOff x="0" y="0"/>
+          <a:chExt cx="0" cy="0"/>
+        </a:xfrm>
+      </p:grpSpPr>
+      <p:cxnSp>
+        <p:nvCxnSpPr>
+          <p:cNvPr id="7" name="직선 연결선 6"/>
+          <p:cNvCxnSpPr/>
+          <p:nvPr/>
+        </p:nvCxnSpPr>
+        <p:spPr>
+          <a:xfrm>
+            <a:off x="0" y="683316"/>
+            <a:ext cx="2650435" cy="0"/>
+          </a:xfrm>
+          <a:prstGeom prst="line">
+            <a:avLst/>
+          </a:prstGeom>
+          <a:ln w="28575">
+            <a:solidFill>
+              <a:srgbClr val="ED553B"/>
+            </a:solidFill>
+            <a:tailEnd type="oval" w="lg" len="lg"/>
+          </a:ln>
+        </p:spPr>
+        <p:style>
+          <a:lnRef idx="1">
+            <a:schemeClr val="accent1"/>
+          </a:lnRef>
+          <a:fillRef idx="0">
+            <a:schemeClr val="accent1"/>
+          </a:fillRef>
+          <a:effectRef idx="0">
+            <a:schemeClr val="accent1"/>
+          </a:effectRef>
+          <a:fontRef idx="minor">
+            <a:schemeClr val="tx1"/>
+          </a:fontRef>
+        </p:style>
+      </p:cxnSp>
+      <p:sp>
+        <p:nvSpPr>
+          <p:cNvPr id="9" name="TextBox 8"/>
+          <p:cNvSpPr txBox="1"/>
+          <p:nvPr/>
+        </p:nvSpPr>
+        <p:spPr>
+          <a:xfrm>
+            <a:off x="322413" y="140957"/>
+            <a:ext cx="5552787" cy="400110"/>
+          </a:xfrm>
+          <a:prstGeom prst="rect">
+            <a:avLst/>
+          </a:prstGeom>
+          <a:noFill/>
+        </p:spPr>
+        <p:txBody>
+          <a:bodyPr wrap="square" rtlCol="0">
+            <a:spAutoFit/>
+          </a:bodyPr>
+          <a:lstStyle/>
+          <a:p>
+            <a:r>
+              <a:rPr lang="en-US" altLang="ko-KR" sz="2000" smtClean="0">
+                <a:ln>
+                  <a:solidFill>
+                    <a:schemeClr val="tx1">
+                      <a:alpha val="29000"/>
+                    </a:schemeClr>
+                  </a:solidFill>
+                </a:ln>
+                <a:latin typeface="+mn-ea"/>
+                <a:cs typeface="맑은 고딕 Semilight" panose="020B0502040204020203" pitchFamily="50" charset="-127"/>
+              </a:rPr>
+              <a:t>JavaScript</a:t>
+            </a:r>
+            <a:r>
+              <a:rPr lang="ko-KR" altLang="en-US" sz="2000" smtClean="0">
+                <a:ln>
+                  <a:solidFill>
+                    <a:schemeClr val="tx1">
+                      <a:alpha val="29000"/>
+                    </a:schemeClr>
+                  </a:solidFill>
+                </a:ln>
+                <a:latin typeface="+mn-ea"/>
+                <a:cs typeface="맑은 고딕 Semilight" panose="020B0502040204020203" pitchFamily="50" charset="-127"/>
+              </a:rPr>
+              <a:t>의 배열 </a:t>
+            </a:r>
+            <a:endParaRPr lang="en-US" altLang="ko-KR" sz="2000" dirty="0">
+              <a:ln>
+                <a:solidFill>
+                  <a:schemeClr val="tx1">
+                    <a:alpha val="29000"/>
+                  </a:schemeClr>
+                </a:solidFill>
+              </a:ln>
+              <a:latin typeface="+mn-ea"/>
+              <a:cs typeface="맑은 고딕 Semilight" panose="020B0502040204020203" pitchFamily="50" charset="-127"/>
+            </a:endParaRPr>
+          </a:p>
+        </p:txBody>
+      </p:sp>
+      <p:sp>
+        <p:nvSpPr>
+          <p:cNvPr id="74" name="TextBox 73"/>
+          <p:cNvSpPr txBox="1"/>
+          <p:nvPr/>
+        </p:nvSpPr>
+        <p:spPr>
+          <a:xfrm>
+            <a:off x="267599" y="825566"/>
+            <a:ext cx="9578660" cy="1477328"/>
+          </a:xfrm>
+          <a:prstGeom prst="rect">
+            <a:avLst/>
+          </a:prstGeom>
+          <a:noFill/>
+        </p:spPr>
+        <p:txBody>
+          <a:bodyPr wrap="square" rtlCol="0">
+            <a:spAutoFit/>
+          </a:bodyPr>
+          <a:lstStyle/>
+          <a:p>
+            <a:pPr marL="285750" indent="-285750">
+              <a:lnSpc>
+                <a:spcPct val="150000"/>
+              </a:lnSpc>
+              <a:buFont typeface="Arial" panose="020B0604020202020204" pitchFamily="34" charset="0"/>
+              <a:buChar char="•"/>
+            </a:pPr>
+            <a:r>
+              <a:rPr lang="ko-KR" altLang="en-US" sz="1800">
+                <a:ln>
+                  <a:solidFill>
+                    <a:schemeClr val="tx1">
+                      <a:alpha val="29000"/>
+                    </a:schemeClr>
+                  </a:solidFill>
+                </a:ln>
+                <a:latin typeface="+mn-ea"/>
+                <a:cs typeface="맑은 고딕 Semilight" panose="020B0502040204020203" pitchFamily="50" charset="-127"/>
+                <a:sym typeface="Wingdings" panose="05000000000000000000" pitchFamily="2" charset="2"/>
+              </a:rPr>
+              <a:t>자바스크립트에서 배열 </a:t>
+            </a:r>
+            <a:r>
+              <a:rPr lang="ko-KR" altLang="en-US" sz="1800">
+                <a:ln>
+                  <a:solidFill>
+                    <a:schemeClr val="tx1">
+                      <a:alpha val="29000"/>
+                    </a:schemeClr>
+                  </a:solidFill>
+                </a:ln>
+                <a:latin typeface="+mn-ea"/>
+                <a:cs typeface="맑은 고딕 Semilight" panose="020B0502040204020203" pitchFamily="50" charset="-127"/>
+                <a:sym typeface="Wingdings" panose="05000000000000000000" pitchFamily="2" charset="2"/>
+              </a:rPr>
+              <a:t>여부 </a:t>
+            </a:r>
+            <a:r>
+              <a:rPr lang="ko-KR" altLang="en-US" sz="1800" smtClean="0">
+                <a:ln>
+                  <a:solidFill>
+                    <a:schemeClr val="tx1">
+                      <a:alpha val="29000"/>
+                    </a:schemeClr>
+                  </a:solidFill>
+                </a:ln>
+                <a:latin typeface="+mn-ea"/>
+                <a:cs typeface="맑은 고딕 Semilight" panose="020B0502040204020203" pitchFamily="50" charset="-127"/>
+                <a:sym typeface="Wingdings" panose="05000000000000000000" pitchFamily="2" charset="2"/>
+              </a:rPr>
+              <a:t>확인</a:t>
+            </a:r>
+            <a:endParaRPr lang="en-US" altLang="ko-KR" sz="1800" dirty="0">
+              <a:ln>
+                <a:solidFill>
+                  <a:schemeClr val="tx1">
+                    <a:alpha val="29000"/>
+                  </a:schemeClr>
+                </a:solidFill>
+              </a:ln>
+              <a:latin typeface="+mn-ea"/>
+              <a:cs typeface="맑은 고딕 Semilight" panose="020B0502040204020203" pitchFamily="50" charset="-127"/>
+              <a:sym typeface="Wingdings" panose="05000000000000000000" pitchFamily="2" charset="2"/>
+            </a:endParaRPr>
+          </a:p>
+          <a:p>
+            <a:pPr marL="449263" lvl="1" indent="-182563">
+              <a:lnSpc>
+                <a:spcPct val="150000"/>
+              </a:lnSpc>
+              <a:buFontTx/>
+              <a:buChar char="-"/>
+              <a:tabLst>
+                <a:tab pos="182563" algn="l"/>
+                <a:tab pos="449263" algn="l"/>
+              </a:tabLst>
+            </a:pPr>
+            <a:r>
+              <a:rPr lang="ko-KR" altLang="en-US" sz="1400">
+                <a:ln>
+                  <a:solidFill>
+                    <a:schemeClr val="tx1">
+                      <a:alpha val="29000"/>
+                    </a:schemeClr>
+                  </a:solidFill>
+                </a:ln>
+                <a:latin typeface="+mn-ea"/>
+                <a:cs typeface="맑은 고딕 Semilight" panose="020B0502040204020203" pitchFamily="50" charset="-127"/>
+              </a:rPr>
+              <a:t>하지만 구형 버전의 브라우저는 </a:t>
+            </a:r>
+            <a:r>
+              <a:rPr lang="en-US" altLang="ko-KR" sz="1400">
+                <a:ln>
+                  <a:solidFill>
+                    <a:schemeClr val="tx1">
+                      <a:alpha val="29000"/>
+                    </a:schemeClr>
+                  </a:solidFill>
+                </a:ln>
+                <a:latin typeface="+mn-ea"/>
+                <a:cs typeface="맑은 고딕 Semilight" panose="020B0502040204020203" pitchFamily="50" charset="-127"/>
+              </a:rPr>
+              <a:t>ECMAScript 5</a:t>
+            </a:r>
+            <a:r>
+              <a:rPr lang="ko-KR" altLang="en-US" sz="1400">
+                <a:ln>
+                  <a:solidFill>
+                    <a:schemeClr val="tx1">
+                      <a:alpha val="29000"/>
+                    </a:schemeClr>
+                  </a:solidFill>
+                </a:ln>
+                <a:latin typeface="+mn-ea"/>
+                <a:cs typeface="맑은 고딕 Semilight" panose="020B0502040204020203" pitchFamily="50" charset="-127"/>
+              </a:rPr>
+              <a:t>를 지원하지 않으므로</a:t>
+            </a:r>
+            <a:r>
+              <a:rPr lang="en-US" altLang="ko-KR" sz="1400">
+                <a:ln>
+                  <a:solidFill>
+                    <a:schemeClr val="tx1">
+                      <a:alpha val="29000"/>
+                    </a:schemeClr>
+                  </a:solidFill>
+                </a:ln>
+                <a:latin typeface="+mn-ea"/>
+                <a:cs typeface="맑은 고딕 Semilight" panose="020B0502040204020203" pitchFamily="50" charset="-127"/>
+              </a:rPr>
+              <a:t>, Array.isArray() </a:t>
+            </a:r>
+            <a:r>
+              <a:rPr lang="ko-KR" altLang="en-US" sz="1400">
+                <a:ln>
+                  <a:solidFill>
+                    <a:schemeClr val="tx1">
+                      <a:alpha val="29000"/>
+                    </a:schemeClr>
+                  </a:solidFill>
+                </a:ln>
+                <a:latin typeface="+mn-ea"/>
+                <a:cs typeface="맑은 고딕 Semilight" panose="020B0502040204020203" pitchFamily="50" charset="-127"/>
+              </a:rPr>
+              <a:t>메소드가 정상적으로 동작하지 않을 </a:t>
+            </a:r>
+            <a:r>
+              <a:rPr lang="ko-KR" altLang="en-US" sz="1400">
+                <a:ln>
+                  <a:solidFill>
+                    <a:schemeClr val="tx1">
+                      <a:alpha val="29000"/>
+                    </a:schemeClr>
+                  </a:solidFill>
+                </a:ln>
+                <a:latin typeface="+mn-ea"/>
+                <a:cs typeface="맑은 고딕 Semilight" panose="020B0502040204020203" pitchFamily="50" charset="-127"/>
+              </a:rPr>
+              <a:t>수도 </a:t>
+            </a:r>
+            <a:r>
+              <a:rPr lang="ko-KR" altLang="en-US" sz="1400" smtClean="0">
+                <a:ln>
+                  <a:solidFill>
+                    <a:schemeClr val="tx1">
+                      <a:alpha val="29000"/>
+                    </a:schemeClr>
+                  </a:solidFill>
+                </a:ln>
+                <a:latin typeface="+mn-ea"/>
+                <a:cs typeface="맑은 고딕 Semilight" panose="020B0502040204020203" pitchFamily="50" charset="-127"/>
+              </a:rPr>
+              <a:t>있음</a:t>
+            </a:r>
+            <a:endParaRPr lang="en-US" altLang="ko-KR" sz="1400">
+              <a:ln>
+                <a:solidFill>
+                  <a:schemeClr val="tx1">
+                    <a:alpha val="29000"/>
+                  </a:schemeClr>
+                </a:solidFill>
+              </a:ln>
+              <a:latin typeface="+mn-ea"/>
+              <a:cs typeface="맑은 고딕 Semilight" panose="020B0502040204020203" pitchFamily="50" charset="-127"/>
+            </a:endParaRPr>
+          </a:p>
+          <a:p>
+            <a:pPr marL="449263" lvl="1" indent="-182563">
+              <a:lnSpc>
+                <a:spcPct val="150000"/>
+              </a:lnSpc>
+              <a:buFontTx/>
+              <a:buChar char="-"/>
+              <a:tabLst>
+                <a:tab pos="182563" algn="l"/>
+                <a:tab pos="449263" algn="l"/>
+              </a:tabLst>
+            </a:pPr>
+            <a:r>
+              <a:rPr lang="ko-KR" altLang="en-US" sz="1400">
+                <a:ln>
+                  <a:solidFill>
+                    <a:schemeClr val="tx1">
+                      <a:alpha val="29000"/>
+                    </a:schemeClr>
+                  </a:solidFill>
+                </a:ln>
+                <a:latin typeface="+mn-ea"/>
+                <a:cs typeface="맑은 고딕 Semilight" panose="020B0502040204020203" pitchFamily="50" charset="-127"/>
+              </a:rPr>
+              <a:t>따라서 </a:t>
+            </a:r>
+            <a:r>
+              <a:rPr lang="ko-KR" altLang="en-US" sz="1400">
+                <a:ln>
+                  <a:solidFill>
+                    <a:schemeClr val="tx1">
+                      <a:alpha val="29000"/>
+                    </a:schemeClr>
+                  </a:solidFill>
+                </a:ln>
+                <a:latin typeface="+mn-ea"/>
+                <a:cs typeface="맑은 고딕 Semilight" panose="020B0502040204020203" pitchFamily="50" charset="-127"/>
+              </a:rPr>
+              <a:t>이때는 </a:t>
+            </a:r>
+            <a:r>
+              <a:rPr lang="en-US" altLang="ko-KR" sz="1400" smtClean="0">
+                <a:ln>
+                  <a:solidFill>
+                    <a:schemeClr val="tx1">
+                      <a:alpha val="29000"/>
+                    </a:schemeClr>
+                  </a:solidFill>
+                </a:ln>
+                <a:latin typeface="+mn-ea"/>
+                <a:cs typeface="맑은 고딕 Semilight" panose="020B0502040204020203" pitchFamily="50" charset="-127"/>
+              </a:rPr>
+              <a:t>instanceof </a:t>
+            </a:r>
+            <a:r>
+              <a:rPr lang="ko-KR" altLang="en-US" sz="1400">
+                <a:ln>
+                  <a:solidFill>
+                    <a:schemeClr val="tx1">
+                      <a:alpha val="29000"/>
+                    </a:schemeClr>
+                  </a:solidFill>
+                </a:ln>
+                <a:latin typeface="+mn-ea"/>
+                <a:cs typeface="맑은 고딕 Semilight" panose="020B0502040204020203" pitchFamily="50" charset="-127"/>
+              </a:rPr>
+              <a:t>연산자를 사용하여 해당 변수가 </a:t>
+            </a:r>
+            <a:r>
+              <a:rPr lang="en-US" altLang="ko-KR" sz="1400">
+                <a:ln>
+                  <a:solidFill>
+                    <a:schemeClr val="tx1">
+                      <a:alpha val="29000"/>
+                    </a:schemeClr>
+                  </a:solidFill>
+                </a:ln>
+                <a:latin typeface="+mn-ea"/>
+                <a:cs typeface="맑은 고딕 Semilight" panose="020B0502040204020203" pitchFamily="50" charset="-127"/>
+              </a:rPr>
+              <a:t>Array </a:t>
+            </a:r>
+            <a:r>
+              <a:rPr lang="ko-KR" altLang="en-US" sz="1400">
+                <a:ln>
+                  <a:solidFill>
+                    <a:schemeClr val="tx1">
+                      <a:alpha val="29000"/>
+                    </a:schemeClr>
+                  </a:solidFill>
+                </a:ln>
+                <a:latin typeface="+mn-ea"/>
+                <a:cs typeface="맑은 고딕 Semilight" panose="020B0502040204020203" pitchFamily="50" charset="-127"/>
+              </a:rPr>
+              <a:t>객체인지를 판단하여 배열 </a:t>
+            </a:r>
+            <a:r>
+              <a:rPr lang="ko-KR" altLang="en-US" sz="1400">
+                <a:ln>
+                  <a:solidFill>
+                    <a:schemeClr val="tx1">
+                      <a:alpha val="29000"/>
+                    </a:schemeClr>
+                  </a:solidFill>
+                </a:ln>
+                <a:latin typeface="+mn-ea"/>
+                <a:cs typeface="맑은 고딕 Semilight" panose="020B0502040204020203" pitchFamily="50" charset="-127"/>
+              </a:rPr>
+              <a:t>여부를 </a:t>
+            </a:r>
+            <a:r>
+              <a:rPr lang="ko-KR" altLang="en-US" sz="1400" smtClean="0">
+                <a:ln>
+                  <a:solidFill>
+                    <a:schemeClr val="tx1">
+                      <a:alpha val="29000"/>
+                    </a:schemeClr>
+                  </a:solidFill>
+                </a:ln>
+                <a:latin typeface="+mn-ea"/>
+                <a:cs typeface="맑은 고딕 Semilight" panose="020B0502040204020203" pitchFamily="50" charset="-127"/>
+              </a:rPr>
+              <a:t>확인</a:t>
+            </a:r>
+            <a:endParaRPr lang="en-US" altLang="ko-KR" sz="1400">
+              <a:ln>
+                <a:solidFill>
+                  <a:schemeClr val="tx1">
+                    <a:alpha val="29000"/>
+                  </a:schemeClr>
+                </a:solidFill>
+              </a:ln>
+              <a:latin typeface="+mn-ea"/>
+              <a:cs typeface="맑은 고딕 Semilight" panose="020B0502040204020203" pitchFamily="50" charset="-127"/>
+            </a:endParaRPr>
+          </a:p>
+        </p:txBody>
+      </p:sp>
+      <p:pic>
+        <p:nvPicPr>
+          <p:cNvPr id="2" name="그림 1"/>
+          <p:cNvPicPr>
+            <a:picLocks noChangeAspect="1"/>
+          </p:cNvPicPr>
+          <p:nvPr/>
+        </p:nvPicPr>
+        <p:blipFill>
+          <a:blip r:embed="rId3"/>
+          <a:stretch>
+            <a:fillRect/>
+          </a:stretch>
+        </p:blipFill>
+        <p:spPr>
+          <a:xfrm>
+            <a:off x="2046287" y="2853359"/>
+            <a:ext cx="6067425" cy="1333500"/>
+          </a:xfrm>
+          <a:prstGeom prst="rect">
+            <a:avLst/>
+          </a:prstGeom>
+        </p:spPr>
+      </p:pic>
+    </p:spTree>
+    <p:extLst>
+      <p:ext uri="{BB962C8B-B14F-4D97-AF65-F5344CB8AC3E}">
+        <p14:creationId xmlns:p14="http://schemas.microsoft.com/office/powerpoint/2010/main" val="183078101"/>
+      </p:ext>
+    </p:extLst>
+  </p:cSld>
+  <p:clrMapOvr>
+    <a:masterClrMapping/>
+  </p:clrMapOvr>
+  <p:timing>
+    <p:tnLst>
+      <p:par>
+        <p:cTn id="1" dur="indefinite" restart="never" nodeType="tmRoot"/>
+      </p:par>
+    </p:tnLst>
+  </p:timing>
+</p:sld>
+</file>
+
+<file path=ppt/slides/slide23.xml><?xml version="1.0" encoding="utf-8"?>
+<p:sld xmlns:a="http://schemas.openxmlformats.org/drawingml/2006/main" xmlns:r="http://schemas.openxmlformats.org/officeDocument/2006/relationships" xmlns:p="http://schemas.openxmlformats.org/presentationml/2006/main">
+  <p:cSld>
+    <p:spTree>
+      <p:nvGrpSpPr>
+        <p:cNvPr id="1" name=""/>
+        <p:cNvGrpSpPr/>
+        <p:nvPr/>
+      </p:nvGrpSpPr>
+      <p:grpSpPr>
+        <a:xfrm>
+          <a:off x="0" y="0"/>
+          <a:ext cx="0" cy="0"/>
+          <a:chOff x="0" y="0"/>
+          <a:chExt cx="0" cy="0"/>
+        </a:xfrm>
+      </p:grpSpPr>
+      <p:cxnSp>
+        <p:nvCxnSpPr>
+          <p:cNvPr id="7" name="직선 연결선 6"/>
+          <p:cNvCxnSpPr/>
+          <p:nvPr/>
+        </p:nvCxnSpPr>
+        <p:spPr>
+          <a:xfrm>
+            <a:off x="0" y="683316"/>
+            <a:ext cx="2650435" cy="0"/>
+          </a:xfrm>
+          <a:prstGeom prst="line">
+            <a:avLst/>
+          </a:prstGeom>
+          <a:ln w="28575">
+            <a:solidFill>
+              <a:srgbClr val="ED553B"/>
+            </a:solidFill>
+            <a:tailEnd type="oval" w="lg" len="lg"/>
+          </a:ln>
+        </p:spPr>
+        <p:style>
+          <a:lnRef idx="1">
+            <a:schemeClr val="accent1"/>
+          </a:lnRef>
+          <a:fillRef idx="0">
+            <a:schemeClr val="accent1"/>
+          </a:fillRef>
+          <a:effectRef idx="0">
+            <a:schemeClr val="accent1"/>
+          </a:effectRef>
+          <a:fontRef idx="minor">
+            <a:schemeClr val="tx1"/>
+          </a:fontRef>
+        </p:style>
+      </p:cxnSp>
+      <p:sp>
+        <p:nvSpPr>
+          <p:cNvPr id="9" name="TextBox 8"/>
+          <p:cNvSpPr txBox="1"/>
+          <p:nvPr/>
+        </p:nvSpPr>
+        <p:spPr>
+          <a:xfrm>
+            <a:off x="322413" y="140957"/>
+            <a:ext cx="5552787" cy="400110"/>
+          </a:xfrm>
+          <a:prstGeom prst="rect">
+            <a:avLst/>
+          </a:prstGeom>
+          <a:noFill/>
+        </p:spPr>
+        <p:txBody>
+          <a:bodyPr wrap="square" rtlCol="0">
+            <a:spAutoFit/>
+          </a:bodyPr>
+          <a:lstStyle/>
+          <a:p>
+            <a:r>
+              <a:rPr lang="en-US" altLang="ko-KR" sz="2000" smtClean="0">
+                <a:ln>
+                  <a:solidFill>
+                    <a:schemeClr val="tx1">
+                      <a:alpha val="29000"/>
+                    </a:schemeClr>
+                  </a:solidFill>
+                </a:ln>
+                <a:latin typeface="+mn-ea"/>
+                <a:cs typeface="맑은 고딕 Semilight" panose="020B0502040204020203" pitchFamily="50" charset="-127"/>
+              </a:rPr>
+              <a:t>JavaScript</a:t>
+            </a:r>
+            <a:r>
+              <a:rPr lang="ko-KR" altLang="en-US" sz="2000" smtClean="0">
+                <a:ln>
+                  <a:solidFill>
+                    <a:schemeClr val="tx1">
+                      <a:alpha val="29000"/>
+                    </a:schemeClr>
+                  </a:solidFill>
+                </a:ln>
+                <a:latin typeface="+mn-ea"/>
+                <a:cs typeface="맑은 고딕 Semilight" panose="020B0502040204020203" pitchFamily="50" charset="-127"/>
+              </a:rPr>
+              <a:t>의 배열 </a:t>
+            </a:r>
+            <a:endParaRPr lang="en-US" altLang="ko-KR" sz="2000" dirty="0">
+              <a:ln>
+                <a:solidFill>
+                  <a:schemeClr val="tx1">
+                    <a:alpha val="29000"/>
+                  </a:schemeClr>
+                </a:solidFill>
+              </a:ln>
+              <a:latin typeface="+mn-ea"/>
+              <a:cs typeface="맑은 고딕 Semilight" panose="020B0502040204020203" pitchFamily="50" charset="-127"/>
+            </a:endParaRPr>
+          </a:p>
+        </p:txBody>
+      </p:sp>
+      <p:sp>
+        <p:nvSpPr>
+          <p:cNvPr id="74" name="TextBox 73"/>
+          <p:cNvSpPr txBox="1"/>
+          <p:nvPr/>
+        </p:nvSpPr>
+        <p:spPr>
+          <a:xfrm>
+            <a:off x="267599" y="825566"/>
+            <a:ext cx="9578660" cy="1154162"/>
+          </a:xfrm>
+          <a:prstGeom prst="rect">
+            <a:avLst/>
+          </a:prstGeom>
+          <a:noFill/>
+        </p:spPr>
+        <p:txBody>
+          <a:bodyPr wrap="square" rtlCol="0">
+            <a:spAutoFit/>
+          </a:bodyPr>
+          <a:lstStyle/>
+          <a:p>
+            <a:pPr marL="285750" indent="-285750">
+              <a:lnSpc>
+                <a:spcPct val="150000"/>
+              </a:lnSpc>
+              <a:buFont typeface="Arial" panose="020B0604020202020204" pitchFamily="34" charset="0"/>
+              <a:buChar char="•"/>
+            </a:pPr>
+            <a:r>
+              <a:rPr lang="ko-KR" altLang="en-US" sz="1800">
+                <a:ln>
+                  <a:solidFill>
+                    <a:schemeClr val="tx1">
+                      <a:alpha val="29000"/>
+                    </a:schemeClr>
+                  </a:solidFill>
+                </a:ln>
+                <a:latin typeface="+mn-ea"/>
+                <a:cs typeface="맑은 고딕 Semilight" panose="020B0502040204020203" pitchFamily="50" charset="-127"/>
+                <a:sym typeface="Wingdings" panose="05000000000000000000" pitchFamily="2" charset="2"/>
+              </a:rPr>
+              <a:t>자바스크립트에서 배열 </a:t>
+            </a:r>
+            <a:r>
+              <a:rPr lang="ko-KR" altLang="en-US" sz="1800">
+                <a:ln>
+                  <a:solidFill>
+                    <a:schemeClr val="tx1">
+                      <a:alpha val="29000"/>
+                    </a:schemeClr>
+                  </a:solidFill>
+                </a:ln>
+                <a:latin typeface="+mn-ea"/>
+                <a:cs typeface="맑은 고딕 Semilight" panose="020B0502040204020203" pitchFamily="50" charset="-127"/>
+                <a:sym typeface="Wingdings" panose="05000000000000000000" pitchFamily="2" charset="2"/>
+              </a:rPr>
+              <a:t>여부 </a:t>
+            </a:r>
+            <a:r>
+              <a:rPr lang="ko-KR" altLang="en-US" sz="1800" smtClean="0">
+                <a:ln>
+                  <a:solidFill>
+                    <a:schemeClr val="tx1">
+                      <a:alpha val="29000"/>
+                    </a:schemeClr>
+                  </a:solidFill>
+                </a:ln>
+                <a:latin typeface="+mn-ea"/>
+                <a:cs typeface="맑은 고딕 Semilight" panose="020B0502040204020203" pitchFamily="50" charset="-127"/>
+                <a:sym typeface="Wingdings" panose="05000000000000000000" pitchFamily="2" charset="2"/>
+              </a:rPr>
+              <a:t>확인</a:t>
+            </a:r>
+            <a:endParaRPr lang="en-US" altLang="ko-KR" sz="1800" dirty="0">
+              <a:ln>
+                <a:solidFill>
+                  <a:schemeClr val="tx1">
+                    <a:alpha val="29000"/>
+                  </a:schemeClr>
+                </a:solidFill>
+              </a:ln>
+              <a:latin typeface="+mn-ea"/>
+              <a:cs typeface="맑은 고딕 Semilight" panose="020B0502040204020203" pitchFamily="50" charset="-127"/>
+              <a:sym typeface="Wingdings" panose="05000000000000000000" pitchFamily="2" charset="2"/>
+            </a:endParaRPr>
+          </a:p>
+          <a:p>
+            <a:pPr marL="449263" lvl="1" indent="-182563">
+              <a:lnSpc>
+                <a:spcPct val="150000"/>
+              </a:lnSpc>
+              <a:buFontTx/>
+              <a:buChar char="-"/>
+              <a:tabLst>
+                <a:tab pos="182563" algn="l"/>
+                <a:tab pos="449263" algn="l"/>
+              </a:tabLst>
+            </a:pPr>
+            <a:r>
+              <a:rPr lang="ko-KR" altLang="en-US" sz="1400">
+                <a:ln>
+                  <a:solidFill>
+                    <a:schemeClr val="tx1">
+                      <a:alpha val="29000"/>
+                    </a:schemeClr>
+                  </a:solidFill>
+                </a:ln>
+                <a:latin typeface="+mn-ea"/>
+                <a:cs typeface="맑은 고딕 Semilight" panose="020B0502040204020203" pitchFamily="50" charset="-127"/>
+              </a:rPr>
+              <a:t>또한</a:t>
+            </a:r>
+            <a:r>
+              <a:rPr lang="en-US" altLang="ko-KR" sz="1400">
+                <a:ln>
+                  <a:solidFill>
+                    <a:schemeClr val="tx1">
+                      <a:alpha val="29000"/>
+                    </a:schemeClr>
+                  </a:solidFill>
+                </a:ln>
+                <a:latin typeface="+mn-ea"/>
+                <a:cs typeface="맑은 고딕 Semilight" panose="020B0502040204020203" pitchFamily="50" charset="-127"/>
+              </a:rPr>
+              <a:t>, Array </a:t>
+            </a:r>
+            <a:r>
+              <a:rPr lang="ko-KR" altLang="en-US" sz="1400">
+                <a:ln>
+                  <a:solidFill>
+                    <a:schemeClr val="tx1">
+                      <a:alpha val="29000"/>
+                    </a:schemeClr>
+                  </a:solidFill>
+                </a:ln>
+                <a:latin typeface="+mn-ea"/>
+                <a:cs typeface="맑은 고딕 Semilight" panose="020B0502040204020203" pitchFamily="50" charset="-127"/>
+              </a:rPr>
+              <a:t>객체의 </a:t>
+            </a:r>
+            <a:r>
+              <a:rPr lang="en-US" altLang="ko-KR" sz="1400">
+                <a:ln>
+                  <a:solidFill>
+                    <a:schemeClr val="tx1">
+                      <a:alpha val="29000"/>
+                    </a:schemeClr>
+                  </a:solidFill>
+                </a:ln>
+                <a:latin typeface="+mn-ea"/>
+                <a:cs typeface="맑은 고딕 Semilight" panose="020B0502040204020203" pitchFamily="50" charset="-127"/>
+              </a:rPr>
+              <a:t>constructor </a:t>
+            </a:r>
+            <a:r>
+              <a:rPr lang="ko-KR" altLang="en-US" sz="1400">
+                <a:ln>
+                  <a:solidFill>
+                    <a:schemeClr val="tx1">
+                      <a:alpha val="29000"/>
+                    </a:schemeClr>
+                  </a:solidFill>
+                </a:ln>
+                <a:latin typeface="+mn-ea"/>
+                <a:cs typeface="맑은 고딕 Semilight" panose="020B0502040204020203" pitchFamily="50" charset="-127"/>
+              </a:rPr>
+              <a:t>프로퍼티를 사용하여 배열 여부를 확인할 </a:t>
+            </a:r>
+            <a:r>
+              <a:rPr lang="ko-KR" altLang="en-US" sz="1400">
+                <a:ln>
+                  <a:solidFill>
+                    <a:schemeClr val="tx1">
+                      <a:alpha val="29000"/>
+                    </a:schemeClr>
+                  </a:solidFill>
+                </a:ln>
+                <a:latin typeface="+mn-ea"/>
+                <a:cs typeface="맑은 고딕 Semilight" panose="020B0502040204020203" pitchFamily="50" charset="-127"/>
+              </a:rPr>
+              <a:t>수도 </a:t>
+            </a:r>
+            <a:r>
+              <a:rPr lang="ko-KR" altLang="en-US" sz="1400" smtClean="0">
+                <a:ln>
+                  <a:solidFill>
+                    <a:schemeClr val="tx1">
+                      <a:alpha val="29000"/>
+                    </a:schemeClr>
+                  </a:solidFill>
+                </a:ln>
+                <a:latin typeface="+mn-ea"/>
+                <a:cs typeface="맑은 고딕 Semilight" panose="020B0502040204020203" pitchFamily="50" charset="-127"/>
+              </a:rPr>
+              <a:t>있음</a:t>
+            </a:r>
+            <a:endParaRPr lang="en-US" altLang="ko-KR" sz="1400">
+              <a:ln>
+                <a:solidFill>
+                  <a:schemeClr val="tx1">
+                    <a:alpha val="29000"/>
+                  </a:schemeClr>
+                </a:solidFill>
+              </a:ln>
+              <a:latin typeface="+mn-ea"/>
+              <a:cs typeface="맑은 고딕 Semilight" panose="020B0502040204020203" pitchFamily="50" charset="-127"/>
+            </a:endParaRPr>
+          </a:p>
+          <a:p>
+            <a:pPr marL="449263" lvl="1" indent="-182563">
+              <a:lnSpc>
+                <a:spcPct val="150000"/>
+              </a:lnSpc>
+              <a:buFontTx/>
+              <a:buChar char="-"/>
+              <a:tabLst>
+                <a:tab pos="182563" algn="l"/>
+                <a:tab pos="449263" algn="l"/>
+              </a:tabLst>
+            </a:pPr>
+            <a:r>
+              <a:rPr lang="ko-KR" altLang="en-US" sz="1400">
+                <a:ln>
+                  <a:solidFill>
+                    <a:schemeClr val="tx1">
+                      <a:alpha val="29000"/>
+                    </a:schemeClr>
+                  </a:solidFill>
+                </a:ln>
+                <a:latin typeface="+mn-ea"/>
+                <a:cs typeface="맑은 고딕 Semilight" panose="020B0502040204020203" pitchFamily="50" charset="-127"/>
+              </a:rPr>
+              <a:t>자바스크립트 배열에 대해 </a:t>
+            </a:r>
+            <a:r>
+              <a:rPr lang="en-US" altLang="ko-KR" sz="1400">
+                <a:ln>
+                  <a:solidFill>
+                    <a:schemeClr val="tx1">
+                      <a:alpha val="29000"/>
+                    </a:schemeClr>
+                  </a:solidFill>
+                </a:ln>
+                <a:latin typeface="+mn-ea"/>
+                <a:cs typeface="맑은 고딕 Semilight" panose="020B0502040204020203" pitchFamily="50" charset="-127"/>
+              </a:rPr>
+              <a:t>constructor </a:t>
+            </a:r>
+            <a:r>
+              <a:rPr lang="ko-KR" altLang="en-US" sz="1400">
+                <a:ln>
+                  <a:solidFill>
+                    <a:schemeClr val="tx1">
+                      <a:alpha val="29000"/>
+                    </a:schemeClr>
+                  </a:solidFill>
+                </a:ln>
+                <a:latin typeface="+mn-ea"/>
+                <a:cs typeface="맑은 고딕 Semilight" panose="020B0502040204020203" pitchFamily="50" charset="-127"/>
+              </a:rPr>
+              <a:t>프로퍼티는 다음과 같은 </a:t>
+            </a:r>
+            <a:r>
+              <a:rPr lang="ko-KR" altLang="en-US" sz="1400">
+                <a:ln>
+                  <a:solidFill>
+                    <a:schemeClr val="tx1">
+                      <a:alpha val="29000"/>
+                    </a:schemeClr>
+                  </a:solidFill>
+                </a:ln>
+                <a:latin typeface="+mn-ea"/>
+                <a:cs typeface="맑은 고딕 Semilight" panose="020B0502040204020203" pitchFamily="50" charset="-127"/>
+              </a:rPr>
+              <a:t>값을 </a:t>
+            </a:r>
+            <a:r>
+              <a:rPr lang="ko-KR" altLang="en-US" sz="1400" smtClean="0">
+                <a:ln>
+                  <a:solidFill>
+                    <a:schemeClr val="tx1">
+                      <a:alpha val="29000"/>
+                    </a:schemeClr>
+                  </a:solidFill>
+                </a:ln>
+                <a:latin typeface="+mn-ea"/>
+                <a:cs typeface="맑은 고딕 Semilight" panose="020B0502040204020203" pitchFamily="50" charset="-127"/>
+              </a:rPr>
+              <a:t>반환</a:t>
+            </a:r>
+            <a:endParaRPr lang="en-US" altLang="ko-KR" sz="1400">
+              <a:ln>
+                <a:solidFill>
+                  <a:schemeClr val="tx1">
+                    <a:alpha val="29000"/>
+                  </a:schemeClr>
+                </a:solidFill>
+              </a:ln>
+              <a:latin typeface="+mn-ea"/>
+              <a:cs typeface="맑은 고딕 Semilight" panose="020B0502040204020203" pitchFamily="50" charset="-127"/>
+            </a:endParaRPr>
+          </a:p>
+        </p:txBody>
+      </p:sp>
+      <p:pic>
+        <p:nvPicPr>
+          <p:cNvPr id="3" name="그림 2"/>
+          <p:cNvPicPr>
+            <a:picLocks noChangeAspect="1"/>
+          </p:cNvPicPr>
+          <p:nvPr/>
+        </p:nvPicPr>
+        <p:blipFill>
+          <a:blip r:embed="rId3"/>
+          <a:stretch>
+            <a:fillRect/>
+          </a:stretch>
+        </p:blipFill>
+        <p:spPr>
+          <a:xfrm>
+            <a:off x="2041525" y="2264227"/>
+            <a:ext cx="6076950" cy="619125"/>
+          </a:xfrm>
+          <a:prstGeom prst="rect">
+            <a:avLst/>
+          </a:prstGeom>
+        </p:spPr>
+      </p:pic>
+      <p:pic>
+        <p:nvPicPr>
+          <p:cNvPr id="4" name="그림 3"/>
+          <p:cNvPicPr>
+            <a:picLocks noChangeAspect="1"/>
+          </p:cNvPicPr>
+          <p:nvPr/>
+        </p:nvPicPr>
+        <p:blipFill>
+          <a:blip r:embed="rId4"/>
+          <a:stretch>
+            <a:fillRect/>
+          </a:stretch>
+        </p:blipFill>
+        <p:spPr>
+          <a:xfrm>
+            <a:off x="2055812" y="3065394"/>
+            <a:ext cx="6048375" cy="2552700"/>
+          </a:xfrm>
+          <a:prstGeom prst="rect">
+            <a:avLst/>
+          </a:prstGeom>
+        </p:spPr>
+      </p:pic>
+    </p:spTree>
+    <p:extLst>
+      <p:ext uri="{BB962C8B-B14F-4D97-AF65-F5344CB8AC3E}">
+        <p14:creationId xmlns:p14="http://schemas.microsoft.com/office/powerpoint/2010/main" val="177792051"/>
       </p:ext>
     </p:extLst>
   </p:cSld>
@@ -7731,21 +14399,7 @@
                 <a:latin typeface="+mn-ea"/>
                 <a:cs typeface="맑은 고딕 Semilight" panose="020B0502040204020203" pitchFamily="50" charset="-127"/>
               </a:rPr>
-              <a:t>의 </a:t>
-            </a:r>
-            <a:r>
-              <a:rPr lang="ko-KR" altLang="en-US" sz="2000" smtClean="0">
-                <a:ln>
-                  <a:solidFill>
-                    <a:schemeClr val="tx1">
-                      <a:alpha val="29000"/>
-                    </a:schemeClr>
-                  </a:solidFill>
-                </a:ln>
-                <a:latin typeface="+mn-ea"/>
-                <a:cs typeface="맑은 고딕 Semilight" panose="020B0502040204020203" pitchFamily="50" charset="-127"/>
-              </a:rPr>
-              <a:t>배열 </a:t>
+              <a:t>의 배열 </a:t>
             </a:r>
             <a:endParaRPr lang="en-US" altLang="ko-KR" sz="2000" dirty="0">
               <a:ln>
@@ -7857,21 +14511,7 @@
                 <a:latin typeface="+mn-ea"/>
                 <a:cs typeface="맑은 고딕 Semilight" panose="020B0502040204020203" pitchFamily="50" charset="-127"/>
               </a:rPr>
-              <a:t>자바스크립트에서 배열을 만드는 방법은 </a:t>
-            </a:r>
-            <a:r>
-              <a:rPr lang="ko-KR" altLang="en-US" sz="1400">
-                <a:ln>
-                  <a:solidFill>
-                    <a:schemeClr val="tx1">
-                      <a:alpha val="29000"/>
-                    </a:schemeClr>
-                  </a:solidFill>
-                </a:ln>
-                <a:latin typeface="+mn-ea"/>
-                <a:cs typeface="맑은 고딕 Semilight" panose="020B0502040204020203" pitchFamily="50" charset="-127"/>
-              </a:rPr>
-              <a:t>다음과 </a:t>
+              <a:t>자바스크립트에서 배열을 만드는 방법은 다음과 </a:t>
             </a:r>
             <a:r>
               <a:rPr lang="ko-KR" altLang="en-US" sz="1400" smtClean="0">
@@ -8046,21 +14686,7 @@
                 <a:latin typeface="+mn-ea"/>
                 <a:cs typeface="맑은 고딕 Semilight" panose="020B0502040204020203" pitchFamily="50" charset="-127"/>
               </a:rPr>
-              <a:t>의 </a:t>
-            </a:r>
-            <a:r>
-              <a:rPr lang="ko-KR" altLang="en-US" sz="2000" smtClean="0">
-                <a:ln>
-                  <a:solidFill>
-                    <a:schemeClr val="tx1">
-                      <a:alpha val="29000"/>
-                    </a:schemeClr>
-                  </a:solidFill>
-                </a:ln>
-                <a:latin typeface="+mn-ea"/>
-                <a:cs typeface="맑은 고딕 Semilight" panose="020B0502040204020203" pitchFamily="50" charset="-127"/>
-              </a:rPr>
-              <a:t>배열 </a:t>
+              <a:t>의 배열 </a:t>
             </a:r>
             <a:endParaRPr lang="en-US" altLang="ko-KR" sz="2000" dirty="0">
               <a:ln>
@@ -8388,21 +15014,7 @@
                 <a:latin typeface="+mn-ea"/>
                 <a:cs typeface="맑은 고딕 Semilight" panose="020B0502040204020203" pitchFamily="50" charset="-127"/>
               </a:rPr>
-              <a:t>의 </a:t>
-            </a:r>
-            <a:r>
-              <a:rPr lang="ko-KR" altLang="en-US" sz="2000" smtClean="0">
-                <a:ln>
-                  <a:solidFill>
-                    <a:schemeClr val="tx1">
-                      <a:alpha val="29000"/>
-                    </a:schemeClr>
-                  </a:solidFill>
-                </a:ln>
-                <a:latin typeface="+mn-ea"/>
-                <a:cs typeface="맑은 고딕 Semilight" panose="020B0502040204020203" pitchFamily="50" charset="-127"/>
-              </a:rPr>
-              <a:t>배열 </a:t>
+              <a:t>의 배열 </a:t>
             </a:r>
             <a:endParaRPr lang="en-US" altLang="ko-KR" sz="2000" dirty="0">
               <a:ln>
@@ -8783,21 +15395,7 @@
                 <a:latin typeface="+mn-ea"/>
                 <a:cs typeface="맑은 고딕 Semilight" panose="020B0502040204020203" pitchFamily="50" charset="-127"/>
               </a:rPr>
-              <a:t>의 </a:t>
-            </a:r>
-            <a:r>
-              <a:rPr lang="ko-KR" altLang="en-US" sz="2000" smtClean="0">
-                <a:ln>
-                  <a:solidFill>
-                    <a:schemeClr val="tx1">
-                      <a:alpha val="29000"/>
-                    </a:schemeClr>
-                  </a:solidFill>
-                </a:ln>
-                <a:latin typeface="+mn-ea"/>
-                <a:cs typeface="맑은 고딕 Semilight" panose="020B0502040204020203" pitchFamily="50" charset="-127"/>
-              </a:rPr>
-              <a:t>배열 </a:t>
+              <a:t>의 배열 </a:t>
             </a:r>
             <a:endParaRPr lang="en-US" altLang="ko-KR" sz="2000" dirty="0">
               <a:ln>
@@ -8964,21 +15562,7 @@
                 <a:latin typeface="+mn-ea"/>
                 <a:cs typeface="맑은 고딕 Semilight" panose="020B0502040204020203" pitchFamily="50" charset="-127"/>
               </a:rPr>
-              <a:t>프로퍼티에 </a:t>
-            </a:r>
-            <a:r>
-              <a:rPr lang="ko-KR" altLang="en-US" sz="1400">
-                <a:ln>
-                  <a:solidFill>
-                    <a:schemeClr val="tx1">
-                      <a:alpha val="29000"/>
-                    </a:schemeClr>
-                  </a:solidFill>
-                </a:ln>
-                <a:latin typeface="+mn-ea"/>
-                <a:cs typeface="맑은 고딕 Semilight" panose="020B0502040204020203" pitchFamily="50" charset="-127"/>
-              </a:rPr>
-              <a:t>자동으로 </a:t>
+              <a:t>프로퍼티에 자동으로 </a:t>
             </a:r>
             <a:r>
               <a:rPr lang="ko-KR" altLang="en-US" sz="1400" smtClean="0">
@@ -9168,21 +15752,7 @@
                 <a:latin typeface="+mn-ea"/>
                 <a:cs typeface="맑은 고딕 Semilight" panose="020B0502040204020203" pitchFamily="50" charset="-127"/>
               </a:rPr>
-              <a:t>보다 작은 양수만을 사용할 </a:t>
-            </a:r>
-            <a:r>
-              <a:rPr lang="ko-KR" altLang="en-US" sz="1400">
-                <a:ln>
-                  <a:solidFill>
-                    <a:schemeClr val="tx1">
-                      <a:alpha val="29000"/>
-                    </a:schemeClr>
-                  </a:solidFill>
-                </a:ln>
-                <a:latin typeface="+mn-ea"/>
-                <a:cs typeface="맑은 고딕 Semilight" panose="020B0502040204020203" pitchFamily="50" charset="-127"/>
-              </a:rPr>
-              <a:t>수 </a:t>
+              <a:t>보다 작은 양수만을 사용할 수 </a:t>
             </a:r>
             <a:r>
               <a:rPr lang="ko-KR" altLang="en-US" sz="1400" smtClean="0">
@@ -9333,21 +15903,7 @@
                 <a:latin typeface="+mn-ea"/>
                 <a:cs typeface="맑은 고딕 Semilight" panose="020B0502040204020203" pitchFamily="50" charset="-127"/>
               </a:rPr>
-              <a:t>의 </a:t>
-            </a:r>
-            <a:r>
-              <a:rPr lang="ko-KR" altLang="en-US" sz="2000" smtClean="0">
-                <a:ln>
-                  <a:solidFill>
-                    <a:schemeClr val="tx1">
-                      <a:alpha val="29000"/>
-                    </a:schemeClr>
-                  </a:solidFill>
-                </a:ln>
-                <a:latin typeface="+mn-ea"/>
-                <a:cs typeface="맑은 고딕 Semilight" panose="020B0502040204020203" pitchFamily="50" charset="-127"/>
-              </a:rPr>
-              <a:t>배열 </a:t>
+              <a:t>의 배열 </a:t>
             </a:r>
             <a:endParaRPr lang="en-US" altLang="ko-KR" sz="2000" dirty="0">
               <a:ln>
@@ -9501,21 +16057,7 @@
                 <a:latin typeface="+mn-ea"/>
                 <a:cs typeface="맑은 고딕 Semilight" panose="020B0502040204020203" pitchFamily="50" charset="-127"/>
               </a:rPr>
-              <a:t>생성된 배열에 요소를 추가하고 </a:t>
-            </a:r>
-            <a:r>
-              <a:rPr lang="ko-KR" altLang="en-US" sz="1400">
-                <a:ln>
-                  <a:solidFill>
-                    <a:schemeClr val="tx1">
-                      <a:alpha val="29000"/>
-                    </a:schemeClr>
-                  </a:solidFill>
-                </a:ln>
-                <a:latin typeface="+mn-ea"/>
-                <a:cs typeface="맑은 고딕 Semilight" panose="020B0502040204020203" pitchFamily="50" charset="-127"/>
-              </a:rPr>
-              <a:t>삭제하는 </a:t>
+              <a:t>생성된 배열에 요소를 추가하고 삭제하는 </a:t>
             </a:r>
             <a:r>
               <a:rPr lang="ko-KR" altLang="en-US" sz="1400" smtClean="0">
@@ -9581,35 +16123,7 @@
                 <a:latin typeface="+mn-ea"/>
                 <a:cs typeface="맑은 고딕 Semilight" panose="020B0502040204020203" pitchFamily="50" charset="-127"/>
               </a:rPr>
-              <a:t>예제에서 세 번째 실행문은 배열의 현재 길이보다 더 큰 인덱스에 요소를 </a:t>
-            </a:r>
-            <a:r>
-              <a:rPr lang="ko-KR" altLang="en-US" sz="1400">
-                <a:ln>
-                  <a:solidFill>
-                    <a:schemeClr val="tx1">
-                      <a:alpha val="29000"/>
-                    </a:schemeClr>
-                  </a:solidFill>
-                </a:ln>
-                <a:latin typeface="+mn-ea"/>
-                <a:cs typeface="맑은 고딕 Semilight" panose="020B0502040204020203" pitchFamily="50" charset="-127"/>
-              </a:rPr>
-              <a:t>저장하려고 </a:t>
-            </a:r>
-            <a:r>
-              <a:rPr lang="ko-KR" altLang="en-US" sz="1400">
-                <a:ln>
-                  <a:solidFill>
-                    <a:schemeClr val="tx1">
-                      <a:alpha val="29000"/>
-                    </a:schemeClr>
-                  </a:solidFill>
-                </a:ln>
-                <a:latin typeface="+mn-ea"/>
-                <a:cs typeface="맑은 고딕 Semilight" panose="020B0502040204020203" pitchFamily="50" charset="-127"/>
-              </a:rPr>
-              <a:t>함</a:t>
+              <a:t>예제에서 세 번째 실행문은 배열의 현재 길이보다 더 큰 인덱스에 요소를 저장하려고 함</a:t>
             </a:r>
             <a:endParaRPr lang="en-US" altLang="ko-KR" sz="1400">
               <a:ln>
@@ -9647,21 +16161,7 @@
                 <a:latin typeface="+mn-ea"/>
                 <a:cs typeface="맑은 고딕 Semilight" panose="020B0502040204020203" pitchFamily="50" charset="-127"/>
               </a:rPr>
-              <a:t>자바스크립트에서는 이렇게 배열의 길이를 넘는 인덱스에 요소를 저장하는 </a:t>
-            </a:r>
-            <a:r>
-              <a:rPr lang="ko-KR" altLang="en-US" sz="1400">
-                <a:ln>
-                  <a:solidFill>
-                    <a:schemeClr val="tx1">
-                      <a:alpha val="29000"/>
-                    </a:schemeClr>
-                  </a:solidFill>
-                </a:ln>
-                <a:latin typeface="+mn-ea"/>
-                <a:cs typeface="맑은 고딕 Semilight" panose="020B0502040204020203" pitchFamily="50" charset="-127"/>
-              </a:rPr>
-              <a:t>것을 </a:t>
+              <a:t>자바스크립트에서는 이렇게 배열의 길이를 넘는 인덱스에 요소를 저장하는 것을 </a:t>
             </a:r>
             <a:r>
               <a:rPr lang="ko-KR" altLang="en-US" sz="1400" smtClean="0">
@@ -9713,35 +16213,7 @@
                 <a:latin typeface="+mn-ea"/>
                 <a:cs typeface="맑은 고딕 Semilight" panose="020B0502040204020203" pitchFamily="50" charset="-127"/>
               </a:rPr>
-              <a:t>이때 배열의 길이는 자동으로 해당 인덱스까지 </a:t>
-            </a:r>
-            <a:r>
-              <a:rPr lang="ko-KR" altLang="en-US" sz="1400">
-                <a:ln>
-                  <a:solidFill>
-                    <a:schemeClr val="tx1">
-                      <a:alpha val="29000"/>
-                    </a:schemeClr>
-                  </a:solidFill>
-                </a:ln>
-                <a:latin typeface="+mn-ea"/>
-                <a:cs typeface="맑은 고딕 Semilight" panose="020B0502040204020203" pitchFamily="50" charset="-127"/>
-              </a:rPr>
-              <a:t>늘어나게 </a:t>
-            </a:r>
-            <a:r>
-              <a:rPr lang="ko-KR" altLang="en-US" sz="1400">
-                <a:ln>
-                  <a:solidFill>
-                    <a:schemeClr val="tx1">
-                      <a:alpha val="29000"/>
-                    </a:schemeClr>
-                  </a:solidFill>
-                </a:ln>
-                <a:latin typeface="+mn-ea"/>
-                <a:cs typeface="맑은 고딕 Semilight" panose="020B0502040204020203" pitchFamily="50" charset="-127"/>
-              </a:rPr>
-              <a:t>됨</a:t>
+              <a:t>이때 배열의 길이는 자동으로 해당 인덱스까지 늘어나게 됨</a:t>
             </a:r>
             <a:endParaRPr lang="en-US" altLang="ko-KR" sz="1400">
               <a:ln>
@@ -9902,21 +16374,7 @@
                 <a:latin typeface="+mn-ea"/>
                 <a:cs typeface="맑은 고딕 Semilight" panose="020B0502040204020203" pitchFamily="50" charset="-127"/>
               </a:rPr>
-              <a:t>의 </a:t>
-            </a:r>
-            <a:r>
-              <a:rPr lang="ko-KR" altLang="en-US" sz="2000" smtClean="0">
-                <a:ln>
-                  <a:solidFill>
-                    <a:schemeClr val="tx1">
-                      <a:alpha val="29000"/>
-                    </a:schemeClr>
-                  </a:solidFill>
-                </a:ln>
-                <a:latin typeface="+mn-ea"/>
-                <a:cs typeface="맑은 고딕 Semilight" panose="020B0502040204020203" pitchFamily="50" charset="-127"/>
-              </a:rPr>
-              <a:t>배열 </a:t>
+              <a:t>의 배열 </a:t>
             </a:r>
             <a:endParaRPr lang="en-US" altLang="ko-KR" sz="2000" dirty="0">
               <a:ln>
@@ -9974,22 +16432,7 @@
                 <a:cs typeface="맑은 고딕 Semilight" panose="020B0502040204020203" pitchFamily="50" charset="-127"/>
                 <a:sym typeface="Wingdings" panose="05000000000000000000" pitchFamily="2" charset="2"/>
               </a:rPr>
-              <a:t>배열 </a:t>
-            </a:r>
-            <a:r>
-              <a:rPr lang="ko-KR" altLang="en-US" sz="1800">
-                <a:ln>
-                  <a:solidFill>
-                    <a:schemeClr val="tx1">
-                      <a:alpha val="29000"/>
-                    </a:schemeClr>
-                  </a:solidFill>
-                </a:ln>
-                <a:latin typeface="+mn-ea"/>
-                <a:cs typeface="맑은 고딕 Semilight" panose="020B0502040204020203" pitchFamily="50" charset="-127"/>
-                <a:sym typeface="Wingdings" panose="05000000000000000000" pitchFamily="2" charset="2"/>
-              </a:rPr>
-              <a:t>요소의 </a:t>
+              <a:t>배열 요소의 </a:t>
             </a:r>
             <a:r>
               <a:rPr lang="ko-KR" altLang="en-US" sz="1800" smtClean="0">
@@ -10043,21 +16486,7 @@
                 <a:latin typeface="+mn-ea"/>
                 <a:cs typeface="맑은 고딕 Semilight" panose="020B0502040204020203" pitchFamily="50" charset="-127"/>
               </a:rPr>
-              <a:t>자바스크립트에서 배열에 새로운 배열 요소를 추가하는 방법은 </a:t>
-            </a:r>
-            <a:r>
-              <a:rPr lang="ko-KR" altLang="en-US" sz="1400">
-                <a:ln>
-                  <a:solidFill>
-                    <a:schemeClr val="tx1">
-                      <a:alpha val="29000"/>
-                    </a:schemeClr>
-                  </a:solidFill>
-                </a:ln>
-                <a:latin typeface="+mn-ea"/>
-                <a:cs typeface="맑은 고딕 Semilight" panose="020B0502040204020203" pitchFamily="50" charset="-127"/>
-              </a:rPr>
-              <a:t>다음과 </a:t>
+              <a:t>자바스크립트에서 배열에 새로운 배열 요소를 추가하는 방법은 다음과 </a:t>
             </a:r>
             <a:r>
               <a:rPr lang="ko-KR" altLang="en-US" sz="1400" smtClean="0">
@@ -10232,21 +16661,7 @@
                 <a:latin typeface="+mn-ea"/>
                 <a:cs typeface="맑은 고딕 Semilight" panose="020B0502040204020203" pitchFamily="50" charset="-127"/>
               </a:rPr>
-              <a:t>의 </a:t>
-            </a:r>
-            <a:r>
-              <a:rPr lang="ko-KR" altLang="en-US" sz="2000" smtClean="0">
-                <a:ln>
-                  <a:solidFill>
-                    <a:schemeClr val="tx1">
-                      <a:alpha val="29000"/>
-                    </a:schemeClr>
-                  </a:solidFill>
-                </a:ln>
-                <a:latin typeface="+mn-ea"/>
-                <a:cs typeface="맑은 고딕 Semilight" panose="020B0502040204020203" pitchFamily="50" charset="-127"/>
-              </a:rPr>
-              <a:t>배열 </a:t>
+              <a:t>의 배열 </a:t>
             </a:r>
             <a:endParaRPr lang="en-US" altLang="ko-KR" sz="2000" dirty="0">
               <a:ln>
@@ -10304,22 +16719,7 @@
                 <a:cs typeface="맑은 고딕 Semilight" panose="020B0502040204020203" pitchFamily="50" charset="-127"/>
                 <a:sym typeface="Wingdings" panose="05000000000000000000" pitchFamily="2" charset="2"/>
               </a:rPr>
-              <a:t>배열 </a:t>
-            </a:r>
-            <a:r>
-              <a:rPr lang="ko-KR" altLang="en-US" sz="1800">
-                <a:ln>
-                  <a:solidFill>
-                    <a:schemeClr val="tx1">
-                      <a:alpha val="29000"/>
-                    </a:schemeClr>
-                  </a:solidFill>
-                </a:ln>
-                <a:latin typeface="+mn-ea"/>
-                <a:cs typeface="맑은 고딕 Semilight" panose="020B0502040204020203" pitchFamily="50" charset="-127"/>
-                <a:sym typeface="Wingdings" panose="05000000000000000000" pitchFamily="2" charset="2"/>
-              </a:rPr>
-              <a:t>요소의 </a:t>
+              <a:t>배열 요소의 </a:t>
             </a:r>
             <a:r>
               <a:rPr lang="ko-KR" altLang="en-US" sz="1800" smtClean="0">
@@ -10415,21 +16815,7 @@
                 <a:latin typeface="+mn-ea"/>
                 <a:cs typeface="맑은 고딕 Semilight" panose="020B0502040204020203" pitchFamily="50" charset="-127"/>
               </a:rPr>
-              <a:t>프로퍼티를 이용한 방법은 모두 배열의 제일 끝에 새로운 </a:t>
-            </a:r>
-            <a:r>
-              <a:rPr lang="ko-KR" altLang="en-US" sz="1400">
-                <a:ln>
-                  <a:solidFill>
-                    <a:schemeClr val="tx1">
-                      <a:alpha val="29000"/>
-                    </a:schemeClr>
-                  </a:solidFill>
-                </a:ln>
-                <a:latin typeface="+mn-ea"/>
-                <a:cs typeface="맑은 고딕 Semilight" panose="020B0502040204020203" pitchFamily="50" charset="-127"/>
-              </a:rPr>
-              <a:t>요소를 </a:t>
+              <a:t>프로퍼티를 이용한 방법은 모두 배열의 제일 끝에 새로운 요소를 </a:t>
             </a:r>
             <a:r>
               <a:rPr lang="ko-KR" altLang="en-US" sz="1400" smtClean="0">
